--- a/presentation/list_ArrayList.pptx
+++ b/presentation/list_ArrayList.pptx
@@ -2,7 +2,7 @@
 <file path=ppt/presentation.xml><?xml version="1.0" encoding="utf-8"?>
 <p:presentation xmlns:a="http://schemas.openxmlformats.org/drawingml/2006/main" xmlns:r="http://schemas.openxmlformats.org/officeDocument/2006/relationships" xmlns:p="http://schemas.openxmlformats.org/presentationml/2006/main" autoCompressPictures="0">
   <p:sldMasterIdLst>
-    <p:sldMasterId id="2147483768" r:id="rId1"/>
+    <p:sldMasterId id="2147483794" r:id="rId1"/>
   </p:sldMasterIdLst>
   <p:sldIdLst>
     <p:sldId id="256" r:id="rId2"/>
@@ -129,8 +129,8 @@
 </file>
 
 <file path=ppt/slideLayouts/slideLayout1.xml><?xml version="1.0" encoding="utf-8"?>
-<p:sldLayout xmlns:a="http://schemas.openxmlformats.org/drawingml/2006/main" xmlns:r="http://schemas.openxmlformats.org/officeDocument/2006/relationships" xmlns:p="http://schemas.openxmlformats.org/presentationml/2006/main" showMasterSp="0" type="title" preserve="1">
-  <p:cSld name="제목 슬라이드">
+<p:sldLayout xmlns:a="http://schemas.openxmlformats.org/drawingml/2006/main" xmlns:r="http://schemas.openxmlformats.org/officeDocument/2006/relationships" xmlns:p="http://schemas.openxmlformats.org/presentationml/2006/main" showMasterSp="0" preserve="1">
+  <p:cSld name="3_제목 슬라이드">
     <p:bg>
       <p:bgRef idx="1002">
         <a:schemeClr val="bg2"/>
@@ -164,563 +164,8 @@
           <a:prstGeom prst="rect">
             <a:avLst/>
           </a:prstGeom>
-          <a:blipFill dpi="0" rotWithShape="1">
-            <a:blip r:embed="rId2">
-              <a:alphaModFix amt="45000"/>
-              <a:duotone>
-                <a:schemeClr val="accent1">
-                  <a:shade val="45000"/>
-                  <a:satMod val="135000"/>
-                </a:schemeClr>
-                <a:prstClr val="white"/>
-              </a:duotone>
-            </a:blip>
-            <a:srcRect/>
-            <a:tile tx="-44450" ty="38100" sx="85000" sy="85000" flip="none" algn="tl"/>
-          </a:blipFill>
-          <a:ln>
-            <a:noFill/>
-          </a:ln>
-        </p:spPr>
-        <p:style>
-          <a:lnRef idx="2">
-            <a:schemeClr val="accent1">
-              <a:shade val="50000"/>
-            </a:schemeClr>
-          </a:lnRef>
-          <a:fillRef idx="1">
-            <a:schemeClr val="accent1"/>
-          </a:fillRef>
-          <a:effectRef idx="0">
-            <a:schemeClr val="accent1"/>
-          </a:effectRef>
-          <a:fontRef idx="minor">
-            <a:schemeClr val="lt1"/>
-          </a:fontRef>
-        </p:style>
-      </p:sp>
-      <p:sp>
-        <p:nvSpPr>
-          <p:cNvPr id="10" name="Rectangle 9"/>
-          <p:cNvSpPr/>
-          <p:nvPr/>
-        </p:nvSpPr>
-        <p:spPr>
-          <a:xfrm>
-            <a:off x="1307870" y="1267730"/>
-            <a:ext cx="9576262" cy="4307950"/>
-          </a:xfrm>
-          <a:prstGeom prst="rect">
-            <a:avLst/>
-          </a:prstGeom>
           <a:solidFill>
-            <a:schemeClr val="bg1"/>
-          </a:solidFill>
-          <a:ln w="6350" cap="flat" cmpd="sng" algn="ctr">
-            <a:noFill/>
-            <a:prstDash val="solid"/>
-          </a:ln>
-          <a:effectLst>
-            <a:outerShdw blurRad="50800" algn="ctr" rotWithShape="0">
-              <a:prstClr val="black">
-                <a:alpha val="66000"/>
-              </a:prstClr>
-            </a:outerShdw>
-            <a:softEdge rad="0"/>
-          </a:effectLst>
-        </p:spPr>
-      </p:sp>
-      <p:sp>
-        <p:nvSpPr>
-          <p:cNvPr id="11" name="Rectangle 10"/>
-          <p:cNvSpPr/>
-          <p:nvPr/>
-        </p:nvSpPr>
-        <p:spPr>
-          <a:xfrm>
-            <a:off x="1447801" y="1411615"/>
-            <a:ext cx="9296400" cy="4034770"/>
-          </a:xfrm>
-          <a:prstGeom prst="rect">
-            <a:avLst/>
-          </a:prstGeom>
-          <a:noFill/>
-          <a:ln w="6350" cap="sq" cmpd="sng" algn="ctr">
-            <a:solidFill>
-              <a:schemeClr val="tx1">
-                <a:lumMod val="75000"/>
-                <a:lumOff val="25000"/>
-              </a:schemeClr>
-            </a:solidFill>
-            <a:prstDash val="solid"/>
-            <a:miter lim="800000"/>
-          </a:ln>
-          <a:effectLst/>
-        </p:spPr>
-      </p:sp>
-      <p:sp>
-        <p:nvSpPr>
-          <p:cNvPr id="15" name="Rectangle 14"/>
-          <p:cNvSpPr/>
-          <p:nvPr/>
-        </p:nvSpPr>
-        <p:spPr>
-          <a:xfrm>
-            <a:off x="5135880" y="1267730"/>
-            <a:ext cx="1920240" cy="731520"/>
-          </a:xfrm>
-          <a:prstGeom prst="rect">
-            <a:avLst/>
-          </a:prstGeom>
-          <a:solidFill>
-            <a:schemeClr val="bg2"/>
-          </a:solidFill>
-          <a:ln>
-            <a:noFill/>
-          </a:ln>
-        </p:spPr>
-        <p:style>
-          <a:lnRef idx="2">
-            <a:schemeClr val="accent1">
-              <a:shade val="50000"/>
-            </a:schemeClr>
-          </a:lnRef>
-          <a:fillRef idx="1">
-            <a:schemeClr val="accent1"/>
-          </a:fillRef>
-          <a:effectRef idx="0">
-            <a:schemeClr val="accent1"/>
-          </a:effectRef>
-          <a:fontRef idx="minor">
-            <a:schemeClr val="lt1"/>
-          </a:fontRef>
-        </p:style>
-      </p:sp>
-      <p:grpSp>
-        <p:nvGrpSpPr>
-          <p:cNvPr id="4" name="Group 3"/>
-          <p:cNvGrpSpPr/>
-          <p:nvPr/>
-        </p:nvGrpSpPr>
-        <p:grpSpPr>
-          <a:xfrm>
-            <a:off x="5250180" y="1267730"/>
-            <a:ext cx="1691640" cy="645295"/>
-            <a:chOff x="5318306" y="1386268"/>
-            <a:chExt cx="1567331" cy="645295"/>
-          </a:xfrm>
-        </p:grpSpPr>
-        <p:cxnSp>
-          <p:nvCxnSpPr>
-            <p:cNvPr id="17" name="Straight Connector 16"/>
-            <p:cNvCxnSpPr/>
-            <p:nvPr/>
-          </p:nvCxnSpPr>
-          <p:spPr>
-            <a:xfrm>
-              <a:off x="5318306" y="1386268"/>
-              <a:ext cx="0" cy="640080"/>
-            </a:xfrm>
-            <a:prstGeom prst="line">
-              <a:avLst/>
-            </a:prstGeom>
-            <a:solidFill>
-              <a:schemeClr val="tx1">
-                <a:lumMod val="85000"/>
-                <a:lumOff val="15000"/>
-              </a:schemeClr>
-            </a:solidFill>
-            <a:ln>
-              <a:solidFill>
-                <a:schemeClr val="tx1"/>
-              </a:solidFill>
-              <a:miter lim="800000"/>
-            </a:ln>
-          </p:spPr>
-          <p:style>
-            <a:lnRef idx="1">
-              <a:schemeClr val="accent1"/>
-            </a:lnRef>
-            <a:fillRef idx="0">
-              <a:schemeClr val="accent1"/>
-            </a:fillRef>
-            <a:effectRef idx="0">
-              <a:schemeClr val="accent1"/>
-            </a:effectRef>
-            <a:fontRef idx="minor">
-              <a:schemeClr val="tx1"/>
-            </a:fontRef>
-          </p:style>
-        </p:cxnSp>
-        <p:cxnSp>
-          <p:nvCxnSpPr>
-            <p:cNvPr id="18" name="Straight Connector 17"/>
-            <p:cNvCxnSpPr/>
-            <p:nvPr/>
-          </p:nvCxnSpPr>
-          <p:spPr>
-            <a:xfrm>
-              <a:off x="6885637" y="1386268"/>
-              <a:ext cx="0" cy="640080"/>
-            </a:xfrm>
-            <a:prstGeom prst="line">
-              <a:avLst/>
-            </a:prstGeom>
-            <a:solidFill>
-              <a:schemeClr val="tx1">
-                <a:lumMod val="85000"/>
-                <a:lumOff val="15000"/>
-              </a:schemeClr>
-            </a:solidFill>
-            <a:ln>
-              <a:solidFill>
-                <a:schemeClr val="tx1"/>
-              </a:solidFill>
-              <a:miter lim="800000"/>
-            </a:ln>
-          </p:spPr>
-          <p:style>
-            <a:lnRef idx="1">
-              <a:schemeClr val="accent1"/>
-            </a:lnRef>
-            <a:fillRef idx="0">
-              <a:schemeClr val="accent1"/>
-            </a:fillRef>
-            <a:effectRef idx="0">
-              <a:schemeClr val="accent1"/>
-            </a:effectRef>
-            <a:fontRef idx="minor">
-              <a:schemeClr val="tx1"/>
-            </a:fontRef>
-          </p:style>
-        </p:cxnSp>
-        <p:cxnSp>
-          <p:nvCxnSpPr>
-            <p:cNvPr id="19" name="Straight Connector 18"/>
-            <p:cNvCxnSpPr/>
-            <p:nvPr/>
-          </p:nvCxnSpPr>
-          <p:spPr>
-            <a:xfrm>
-              <a:off x="5318306" y="2031563"/>
-              <a:ext cx="1567331" cy="0"/>
-            </a:xfrm>
-            <a:prstGeom prst="line">
-              <a:avLst/>
-            </a:prstGeom>
-            <a:solidFill>
-              <a:schemeClr val="tx1">
-                <a:lumMod val="85000"/>
-                <a:lumOff val="15000"/>
-              </a:schemeClr>
-            </a:solidFill>
-            <a:ln>
-              <a:solidFill>
-                <a:schemeClr val="tx1"/>
-              </a:solidFill>
-              <a:miter lim="800000"/>
-            </a:ln>
-          </p:spPr>
-          <p:style>
-            <a:lnRef idx="1">
-              <a:schemeClr val="accent1"/>
-            </a:lnRef>
-            <a:fillRef idx="0">
-              <a:schemeClr val="accent1"/>
-            </a:fillRef>
-            <a:effectRef idx="0">
-              <a:schemeClr val="accent1"/>
-            </a:effectRef>
-            <a:fontRef idx="minor">
-              <a:schemeClr val="tx1"/>
-            </a:fontRef>
-          </p:style>
-        </p:cxnSp>
-      </p:grpSp>
-      <p:sp>
-        <p:nvSpPr>
-          <p:cNvPr id="2" name="Title 1"/>
-          <p:cNvSpPr>
-            <a:spLocks noGrp="1"/>
-          </p:cNvSpPr>
-          <p:nvPr>
-            <p:ph type="ctrTitle"/>
-          </p:nvPr>
-        </p:nvSpPr>
-        <p:spPr>
-          <a:xfrm>
-            <a:off x="1561708" y="2091263"/>
-            <a:ext cx="9068586" cy="2138110"/>
-          </a:xfrm>
-        </p:spPr>
-        <p:txBody>
-          <a:bodyPr tIns="45720" bIns="45720" anchor="ctr">
-            <a:noAutofit/>
-          </a:bodyPr>
-          <a:lstStyle>
-            <a:lvl1pPr algn="ctr">
-              <a:lnSpc>
-                <a:spcPct val="83000"/>
-              </a:lnSpc>
-              <a:defRPr lang="en-US" sz="7200" b="0" kern="1200" cap="all" spc="-100" baseline="0" dirty="0">
-                <a:solidFill>
-                  <a:schemeClr val="tx1">
-                    <a:lumMod val="85000"/>
-                    <a:lumOff val="15000"/>
-                  </a:schemeClr>
-                </a:solidFill>
-                <a:effectLst/>
-                <a:latin typeface="+mj-ea"/>
-                <a:ea typeface="+mj-ea"/>
-                <a:cs typeface="+mn-cs"/>
-              </a:defRPr>
-            </a:lvl1pPr>
-          </a:lstStyle>
-          <a:p>
-            <a:r>
-              <a:rPr lang="ko-KR" altLang="en-US" dirty="0" smtClean="0"/>
-              <a:t>마스터 제목 스타일 편집</a:t>
-            </a:r>
-            <a:endParaRPr lang="en-US" dirty="0"/>
-          </a:p>
-        </p:txBody>
-      </p:sp>
-      <p:sp>
-        <p:nvSpPr>
-          <p:cNvPr id="3" name="Subtitle 2"/>
-          <p:cNvSpPr>
-            <a:spLocks noGrp="1"/>
-          </p:cNvSpPr>
-          <p:nvPr>
-            <p:ph type="subTitle" idx="1"/>
-          </p:nvPr>
-        </p:nvSpPr>
-        <p:spPr>
-          <a:xfrm>
-            <a:off x="1562100" y="4236098"/>
-            <a:ext cx="9070848" cy="903165"/>
-          </a:xfrm>
-        </p:spPr>
-        <p:txBody>
-          <a:bodyPr anchor="ctr">
-            <a:normAutofit/>
-          </a:bodyPr>
-          <a:lstStyle>
-            <a:lvl1pPr marL="0" indent="0" algn="ctr">
-              <a:spcBef>
-                <a:spcPts val="0"/>
-              </a:spcBef>
-              <a:buNone/>
-              <a:defRPr sz="4000" spc="80" baseline="0">
-                <a:solidFill>
-                  <a:schemeClr val="tx1"/>
-                </a:solidFill>
-                <a:latin typeface="+mj-ea"/>
-                <a:ea typeface="+mj-ea"/>
-              </a:defRPr>
-            </a:lvl1pPr>
-            <a:lvl2pPr marL="457200" indent="0" algn="ctr">
-              <a:buNone/>
-              <a:defRPr sz="1600"/>
-            </a:lvl2pPr>
-            <a:lvl3pPr marL="914400" indent="0" algn="ctr">
-              <a:buNone/>
-              <a:defRPr sz="1600"/>
-            </a:lvl3pPr>
-            <a:lvl4pPr marL="1371600" indent="0" algn="ctr">
-              <a:buNone/>
-              <a:defRPr sz="1600"/>
-            </a:lvl4pPr>
-            <a:lvl5pPr marL="1828800" indent="0" algn="ctr">
-              <a:buNone/>
-              <a:defRPr sz="1600"/>
-            </a:lvl5pPr>
-            <a:lvl6pPr marL="2286000" indent="0" algn="ctr">
-              <a:buNone/>
-              <a:defRPr sz="1600"/>
-            </a:lvl6pPr>
-            <a:lvl7pPr marL="2743200" indent="0" algn="ctr">
-              <a:buNone/>
-              <a:defRPr sz="1600"/>
-            </a:lvl7pPr>
-            <a:lvl8pPr marL="3200400" indent="0" algn="ctr">
-              <a:buNone/>
-              <a:defRPr sz="1600"/>
-            </a:lvl8pPr>
-            <a:lvl9pPr marL="3657600" indent="0" algn="ctr">
-              <a:buNone/>
-              <a:defRPr sz="1600"/>
-            </a:lvl9pPr>
-          </a:lstStyle>
-          <a:p>
-            <a:r>
-              <a:rPr lang="ko-KR" altLang="en-US" dirty="0" smtClean="0"/>
-              <a:t>마스터 부제목 스타일 편집</a:t>
-            </a:r>
-            <a:endParaRPr lang="en-US" dirty="0"/>
-          </a:p>
-        </p:txBody>
-      </p:sp>
-      <p:sp>
-        <p:nvSpPr>
-          <p:cNvPr id="20" name="Date Placeholder 19"/>
-          <p:cNvSpPr>
-            <a:spLocks noGrp="1"/>
-          </p:cNvSpPr>
-          <p:nvPr>
-            <p:ph type="dt" sz="half" idx="10"/>
-          </p:nvPr>
-        </p:nvSpPr>
-        <p:spPr>
-          <a:xfrm>
-            <a:off x="5318760" y="1341255"/>
-            <a:ext cx="1554480" cy="527213"/>
-          </a:xfrm>
-        </p:spPr>
-        <p:txBody>
-          <a:bodyPr/>
-          <a:lstStyle>
-            <a:lvl1pPr algn="ctr">
-              <a:defRPr sz="1300" spc="0" baseline="0">
-                <a:solidFill>
-                  <a:schemeClr val="tx1"/>
-                </a:solidFill>
-                <a:latin typeface="+mn-lt"/>
-              </a:defRPr>
-            </a:lvl1pPr>
-          </a:lstStyle>
-          <a:p>
-            <a:fld id="{DDA51639-B2D6-4652-B8C3-1B4C224A7BAF}" type="datetimeFigureOut">
-              <a:rPr lang="en-US" dirty="0"/>
-              <a:t>12/2/2014</a:t>
-            </a:fld>
-            <a:endParaRPr lang="en-US" dirty="0"/>
-          </a:p>
-        </p:txBody>
-      </p:sp>
-      <p:sp>
-        <p:nvSpPr>
-          <p:cNvPr id="21" name="Footer Placeholder 20"/>
-          <p:cNvSpPr>
-            <a:spLocks noGrp="1"/>
-          </p:cNvSpPr>
-          <p:nvPr>
-            <p:ph type="ftr" sz="quarter" idx="11"/>
-          </p:nvPr>
-        </p:nvSpPr>
-        <p:spPr>
-          <a:xfrm>
-            <a:off x="1453896" y="5211060"/>
-            <a:ext cx="5905500" cy="228600"/>
-          </a:xfrm>
-        </p:spPr>
-        <p:txBody>
-          <a:bodyPr/>
-          <a:lstStyle>
-            <a:lvl1pPr algn="l">
-              <a:defRPr>
-                <a:solidFill>
-                  <a:schemeClr val="tx1">
-                    <a:lumMod val="75000"/>
-                    <a:lumOff val="25000"/>
-                  </a:schemeClr>
-                </a:solidFill>
-              </a:defRPr>
-            </a:lvl1pPr>
-          </a:lstStyle>
-          <a:p>
-            <a:endParaRPr lang="en-US" dirty="0"/>
-          </a:p>
-        </p:txBody>
-      </p:sp>
-      <p:sp>
-        <p:nvSpPr>
-          <p:cNvPr id="22" name="Slide Number Placeholder 21"/>
-          <p:cNvSpPr>
-            <a:spLocks noGrp="1"/>
-          </p:cNvSpPr>
-          <p:nvPr>
-            <p:ph type="sldNum" sz="quarter" idx="12"/>
-          </p:nvPr>
-        </p:nvSpPr>
-        <p:spPr>
-          <a:xfrm>
-            <a:off x="8606919" y="5212080"/>
-            <a:ext cx="2111881" cy="228600"/>
-          </a:xfrm>
-        </p:spPr>
-        <p:txBody>
-          <a:bodyPr/>
-          <a:lstStyle>
-            <a:lvl1pPr>
-              <a:defRPr>
-                <a:solidFill>
-                  <a:schemeClr val="tx1">
-                    <a:lumMod val="75000"/>
-                    <a:lumOff val="25000"/>
-                  </a:schemeClr>
-                </a:solidFill>
-              </a:defRPr>
-            </a:lvl1pPr>
-          </a:lstStyle>
-          <a:p>
-            <a:fld id="{4FAB73BC-B049-4115-A692-8D63A059BFB8}" type="slidenum">
-              <a:rPr lang="en-US" dirty="0"/>
-              <a:pPr/>
-              <a:t>‹#›</a:t>
-            </a:fld>
-            <a:endParaRPr lang="en-US" dirty="0"/>
-          </a:p>
-        </p:txBody>
-      </p:sp>
-    </p:spTree>
-  </p:cSld>
-  <p:clrMapOvr>
-    <a:overrideClrMapping bg1="lt1" tx1="dk1" bg2="lt2" tx2="dk2" accent1="accent1" accent2="accent2" accent3="accent3" accent4="accent4" accent5="accent5" accent6="accent6" hlink="hlink" folHlink="folHlink"/>
-  </p:clrMapOvr>
-  <p:timing>
-    <p:tnLst>
-      <p:par>
-        <p:cTn id="1" dur="indefinite" restart="never" nodeType="tmRoot"/>
-      </p:par>
-    </p:tnLst>
-  </p:timing>
-</p:sldLayout>
-</file>
-
-<file path=ppt/slideLayouts/slideLayout10.xml><?xml version="1.0" encoding="utf-8"?>
-<p:sldLayout xmlns:a="http://schemas.openxmlformats.org/drawingml/2006/main" xmlns:r="http://schemas.openxmlformats.org/officeDocument/2006/relationships" xmlns:p="http://schemas.openxmlformats.org/presentationml/2006/main" showMasterSp="0" type="objTx" preserve="1">
-  <p:cSld name="캡션 있는 콘텐츠">
-    <p:spTree>
-      <p:nvGrpSpPr>
-        <p:cNvPr id="1" name=""/>
-        <p:cNvGrpSpPr/>
-        <p:nvPr/>
-      </p:nvGrpSpPr>
-      <p:grpSpPr>
-        <a:xfrm>
-          <a:off x="0" y="0"/>
-          <a:ext cx="0" cy="0"/>
-          <a:chOff x="0" y="0"/>
-          <a:chExt cx="0" cy="0"/>
-        </a:xfrm>
-      </p:grpSpPr>
-      <p:sp>
-        <p:nvSpPr>
-          <p:cNvPr id="16" name="Rectangle 15"/>
-          <p:cNvSpPr/>
-          <p:nvPr/>
-        </p:nvSpPr>
-        <p:spPr>
-          <a:xfrm>
-            <a:off x="245529" y="237744"/>
-            <a:ext cx="8531352" cy="6382512"/>
-          </a:xfrm>
-          <a:prstGeom prst="rect">
-            <a:avLst/>
-          </a:prstGeom>
-          <a:solidFill>
-            <a:schemeClr val="bg2"/>
+            <a:srgbClr val="EEEEEE"/>
           </a:solidFill>
           <a:ln>
             <a:noFill/>
@@ -751,15 +196,13 @@
         </p:nvSpPr>
         <p:spPr>
           <a:xfrm>
-            <a:off x="9020386" y="237744"/>
-            <a:ext cx="2926080" cy="6382512"/>
+            <a:off x="5135880" y="1267730"/>
+            <a:ext cx="1920240" cy="731520"/>
           </a:xfrm>
           <a:prstGeom prst="rect">
             <a:avLst/>
           </a:prstGeom>
-          <a:solidFill>
-            <a:schemeClr val="accent1"/>
-          </a:solidFill>
+          <a:noFill/>
           <a:ln>
             <a:noFill/>
           </a:ln>
@@ -788,35 +231,31 @@
             <a:spLocks noGrp="1"/>
           </p:cNvSpPr>
           <p:nvPr>
-            <p:ph type="title"/>
+            <p:ph type="ctrTitle"/>
           </p:nvPr>
         </p:nvSpPr>
         <p:spPr>
           <a:xfrm>
-            <a:off x="9296400" y="607392"/>
-            <a:ext cx="2430780" cy="1645920"/>
+            <a:off x="545430" y="834945"/>
+            <a:ext cx="11217945" cy="3308430"/>
           </a:xfrm>
         </p:spPr>
         <p:txBody>
-          <a:bodyPr anchor="b">
-            <a:normAutofit/>
+          <a:bodyPr tIns="45720" bIns="45720" anchor="ctr">
+            <a:noAutofit/>
           </a:bodyPr>
           <a:lstStyle>
-            <a:lvl1pPr algn="l" defTabSz="914400" rtl="0" eaLnBrk="1" latinLnBrk="0" hangingPunct="1">
+            <a:lvl1pPr algn="l">
               <a:lnSpc>
-                <a:spcPct val="90000"/>
+                <a:spcPct val="83000"/>
               </a:lnSpc>
-              <a:spcBef>
-                <a:spcPct val="0"/>
-              </a:spcBef>
-              <a:buNone/>
-              <a:defRPr lang="en-US" sz="2800" b="0" kern="1200" cap="none" spc="0" baseline="0" dirty="0">
+              <a:defRPr lang="en-US" sz="13800" b="0" kern="1200" cap="none" spc="-100" baseline="0" dirty="0">
                 <a:solidFill>
-                  <a:srgbClr val="FFFFFF"/>
+                  <a:srgbClr val="333333"/>
                 </a:solidFill>
                 <a:effectLst/>
-                <a:latin typeface="+mj-lt"/>
-                <a:ea typeface="+mn-ea"/>
+                <a:latin typeface="Ostrich Sans Medium" panose="00000500000000000000" pitchFamily="50" charset="0"/>
+                <a:ea typeface="+mj-ea"/>
                 <a:cs typeface="+mn-cs"/>
               </a:defRPr>
             </a:lvl1pPr>
@@ -832,329 +271,20 @@
       </p:sp>
       <p:sp>
         <p:nvSpPr>
-          <p:cNvPr id="3" name="Content Placeholder 2"/>
-          <p:cNvSpPr>
-            <a:spLocks noGrp="1"/>
-          </p:cNvSpPr>
-          <p:nvPr>
-            <p:ph idx="1"/>
-          </p:nvPr>
-        </p:nvSpPr>
-        <p:spPr>
-          <a:xfrm>
-            <a:off x="685800" y="609600"/>
-            <a:ext cx="7772400" cy="5334000"/>
-          </a:xfrm>
-        </p:spPr>
-        <p:txBody>
-          <a:bodyPr/>
-          <a:lstStyle>
-            <a:lvl1pPr>
-              <a:defRPr sz="1800"/>
-            </a:lvl1pPr>
-            <a:lvl2pPr>
-              <a:defRPr sz="1600"/>
-            </a:lvl2pPr>
-            <a:lvl3pPr>
-              <a:defRPr sz="1400"/>
-            </a:lvl3pPr>
-            <a:lvl4pPr>
-              <a:defRPr sz="1400"/>
-            </a:lvl4pPr>
-            <a:lvl5pPr>
-              <a:defRPr sz="1400"/>
-            </a:lvl5pPr>
-            <a:lvl6pPr>
-              <a:defRPr sz="1400"/>
-            </a:lvl6pPr>
-            <a:lvl7pPr>
-              <a:defRPr sz="1400"/>
-            </a:lvl7pPr>
-            <a:lvl8pPr>
-              <a:defRPr sz="1400"/>
-            </a:lvl8pPr>
-            <a:lvl9pPr>
-              <a:defRPr sz="1400"/>
-            </a:lvl9pPr>
-          </a:lstStyle>
-          <a:p>
-            <a:pPr lvl="0"/>
-            <a:r>
-              <a:rPr lang="ko-KR" altLang="en-US" smtClean="0"/>
-              <a:t>마스터 텍스트 스타일을 편집합니다</a:t>
-            </a:r>
-          </a:p>
-          <a:p>
-            <a:pPr lvl="1"/>
-            <a:r>
-              <a:rPr lang="ko-KR" altLang="en-US" smtClean="0"/>
-              <a:t>둘째 수준</a:t>
-            </a:r>
-          </a:p>
-          <a:p>
-            <a:pPr lvl="2"/>
-            <a:r>
-              <a:rPr lang="ko-KR" altLang="en-US" smtClean="0"/>
-              <a:t>셋째 수준</a:t>
-            </a:r>
-          </a:p>
-          <a:p>
-            <a:pPr lvl="3"/>
-            <a:r>
-              <a:rPr lang="ko-KR" altLang="en-US" smtClean="0"/>
-              <a:t>넷째 수준</a:t>
-            </a:r>
-          </a:p>
-          <a:p>
-            <a:pPr lvl="4"/>
-            <a:r>
-              <a:rPr lang="ko-KR" altLang="en-US" smtClean="0"/>
-              <a:t>다섯째 수준</a:t>
-            </a:r>
-            <a:endParaRPr lang="en-US" dirty="0"/>
-          </a:p>
-        </p:txBody>
-      </p:sp>
-      <p:sp>
-        <p:nvSpPr>
-          <p:cNvPr id="4" name="Text Placeholder 3"/>
-          <p:cNvSpPr>
-            <a:spLocks noGrp="1"/>
-          </p:cNvSpPr>
-          <p:nvPr>
-            <p:ph type="body" sz="half" idx="2"/>
-          </p:nvPr>
-        </p:nvSpPr>
-        <p:spPr>
-          <a:xfrm>
-            <a:off x="9296400" y="2286000"/>
-            <a:ext cx="2430780" cy="3505200"/>
-          </a:xfrm>
-        </p:spPr>
-        <p:txBody>
-          <a:bodyPr>
-            <a:normAutofit/>
-          </a:bodyPr>
-          <a:lstStyle>
-            <a:lvl1pPr marL="0" indent="0">
-              <a:lnSpc>
-                <a:spcPct val="110000"/>
-              </a:lnSpc>
-              <a:spcBef>
-                <a:spcPts val="800"/>
-              </a:spcBef>
-              <a:buNone/>
-              <a:defRPr sz="1400">
-                <a:solidFill>
-                  <a:srgbClr val="FFFFFF"/>
-                </a:solidFill>
-              </a:defRPr>
-            </a:lvl1pPr>
-            <a:lvl2pPr marL="457200" indent="0">
-              <a:buNone/>
-              <a:defRPr sz="1200"/>
-            </a:lvl2pPr>
-            <a:lvl3pPr marL="914400" indent="0">
-              <a:buNone/>
-              <a:defRPr sz="1000"/>
-            </a:lvl3pPr>
-            <a:lvl4pPr marL="1371600" indent="0">
-              <a:buNone/>
-              <a:defRPr sz="900"/>
-            </a:lvl4pPr>
-            <a:lvl5pPr marL="1828800" indent="0">
-              <a:buNone/>
-              <a:defRPr sz="900"/>
-            </a:lvl5pPr>
-            <a:lvl6pPr marL="2286000" indent="0">
-              <a:buNone/>
-              <a:defRPr sz="900"/>
-            </a:lvl6pPr>
-            <a:lvl7pPr marL="2743200" indent="0">
-              <a:buNone/>
-              <a:defRPr sz="900"/>
-            </a:lvl7pPr>
-            <a:lvl8pPr marL="3200400" indent="0">
-              <a:buNone/>
-              <a:defRPr sz="900"/>
-            </a:lvl8pPr>
-            <a:lvl9pPr marL="3657600" indent="0">
-              <a:buNone/>
-              <a:defRPr sz="900"/>
-            </a:lvl9pPr>
-          </a:lstStyle>
-          <a:p>
-            <a:pPr lvl="0"/>
-            <a:r>
-              <a:rPr lang="ko-KR" altLang="en-US" smtClean="0"/>
-              <a:t>마스터 텍스트 스타일을 편집합니다</a:t>
-            </a:r>
-          </a:p>
-        </p:txBody>
-      </p:sp>
-      <p:sp>
-        <p:nvSpPr>
-          <p:cNvPr id="8" name="Date Placeholder 7"/>
-          <p:cNvSpPr>
-            <a:spLocks noGrp="1"/>
-          </p:cNvSpPr>
-          <p:nvPr>
-            <p:ph type="dt" sz="half" idx="10"/>
-          </p:nvPr>
-        </p:nvSpPr>
-        <p:spPr/>
-        <p:txBody>
-          <a:bodyPr/>
-          <a:lstStyle/>
-          <a:p>
-            <a:fld id="{1CF131DD-A141-4471-BCF9-C6073EDD7E20}" type="datetimeFigureOut">
-              <a:rPr lang="en-US" dirty="0"/>
-              <a:t>12/2/2014</a:t>
-            </a:fld>
-            <a:endParaRPr lang="en-US" dirty="0"/>
-          </a:p>
-        </p:txBody>
-      </p:sp>
-      <p:sp>
-        <p:nvSpPr>
-          <p:cNvPr id="9" name="Footer Placeholder 8"/>
-          <p:cNvSpPr>
-            <a:spLocks noGrp="1"/>
-          </p:cNvSpPr>
-          <p:nvPr>
-            <p:ph type="ftr" sz="quarter" idx="11"/>
-          </p:nvPr>
-        </p:nvSpPr>
-        <p:spPr/>
-        <p:txBody>
-          <a:bodyPr/>
-          <a:lstStyle>
-            <a:lvl1pPr algn="r">
-              <a:defRPr/>
-            </a:lvl1pPr>
-          </a:lstStyle>
-          <a:p>
-            <a:endParaRPr lang="en-US" dirty="0"/>
-          </a:p>
-        </p:txBody>
-      </p:sp>
-      <p:sp>
-        <p:nvSpPr>
-          <p:cNvPr id="11" name="Slide Number Placeholder 10"/>
-          <p:cNvSpPr>
-            <a:spLocks noGrp="1"/>
-          </p:cNvSpPr>
-          <p:nvPr>
-            <p:ph type="sldNum" sz="quarter" idx="12"/>
-          </p:nvPr>
-        </p:nvSpPr>
-        <p:spPr>
-          <a:xfrm>
-            <a:off x="10393677" y="6223002"/>
-            <a:ext cx="1463040" cy="274320"/>
-          </a:xfrm>
-        </p:spPr>
-        <p:txBody>
-          <a:bodyPr/>
-          <a:lstStyle>
-            <a:lvl1pPr>
-              <a:defRPr>
-                <a:solidFill>
-                  <a:srgbClr val="FFFFFF"/>
-                </a:solidFill>
-              </a:defRPr>
-            </a:lvl1pPr>
-          </a:lstStyle>
-          <a:p>
-            <a:fld id="{4FAB73BC-B049-4115-A692-8D63A059BFB8}" type="slidenum">
-              <a:rPr lang="en-US" dirty="0"/>
-              <a:pPr/>
-              <a:t>‹#›</a:t>
-            </a:fld>
-            <a:endParaRPr lang="en-US" dirty="0"/>
-          </a:p>
-        </p:txBody>
-      </p:sp>
-      <p:sp>
-        <p:nvSpPr>
-          <p:cNvPr id="12" name="Rectangle 11"/>
+          <p:cNvPr id="4" name="직사각형 3"/>
           <p:cNvSpPr/>
           <p:nvPr/>
         </p:nvSpPr>
         <p:spPr>
           <a:xfrm>
-            <a:off x="9157546" y="374904"/>
-            <a:ext cx="2651760" cy="6108192"/>
-          </a:xfrm>
-          <a:prstGeom prst="rect">
-            <a:avLst/>
-          </a:prstGeom>
-          <a:noFill/>
-          <a:ln w="6350" cap="sq">
-            <a:solidFill>
-              <a:srgbClr val="FFFFFF"/>
-            </a:solidFill>
-            <a:miter lim="800000"/>
-          </a:ln>
-        </p:spPr>
-        <p:style>
-          <a:lnRef idx="2">
-            <a:schemeClr val="accent1">
-              <a:shade val="50000"/>
-            </a:schemeClr>
-          </a:lnRef>
-          <a:fillRef idx="1">
-            <a:schemeClr val="accent1"/>
-          </a:fillRef>
-          <a:effectRef idx="0">
-            <a:schemeClr val="accent1"/>
-          </a:effectRef>
-          <a:fontRef idx="minor">
-            <a:schemeClr val="lt1"/>
-          </a:fontRef>
-        </p:style>
-      </p:sp>
-    </p:spTree>
-  </p:cSld>
-  <p:clrMapOvr>
-    <a:masterClrMapping/>
-  </p:clrMapOvr>
-</p:sldLayout>
-</file>
-
-<file path=ppt/slideLayouts/slideLayout11.xml><?xml version="1.0" encoding="utf-8"?>
-<p:sldLayout xmlns:a="http://schemas.openxmlformats.org/drawingml/2006/main" xmlns:r="http://schemas.openxmlformats.org/officeDocument/2006/relationships" xmlns:p="http://schemas.openxmlformats.org/presentationml/2006/main" showMasterSp="0" type="picTx" preserve="1">
-  <p:cSld name="캡션 있는 그림">
-    <p:spTree>
-      <p:nvGrpSpPr>
-        <p:cNvPr id="1" name=""/>
-        <p:cNvGrpSpPr/>
-        <p:nvPr/>
-      </p:nvGrpSpPr>
-      <p:grpSpPr>
-        <a:xfrm>
-          <a:off x="0" y="0"/>
-          <a:ext cx="0" cy="0"/>
-          <a:chOff x="0" y="0"/>
-          <a:chExt cx="0" cy="0"/>
-        </a:xfrm>
-      </p:grpSpPr>
-      <p:sp>
-        <p:nvSpPr>
-          <p:cNvPr id="14" name="Rectangle 13"/>
-          <p:cNvSpPr/>
-          <p:nvPr/>
-        </p:nvSpPr>
-        <p:spPr>
-          <a:xfrm>
-            <a:off x="9020386" y="237744"/>
-            <a:ext cx="2926080" cy="6382512"/>
+            <a:off x="545431" y="4714875"/>
+            <a:ext cx="11217944" cy="1657350"/>
           </a:xfrm>
           <a:prstGeom prst="rect">
             <a:avLst/>
           </a:prstGeom>
           <a:solidFill>
-            <a:schemeClr val="accent1"/>
+            <a:srgbClr val="333333"/>
           </a:solidFill>
           <a:ln>
             <a:noFill/>
@@ -1176,522 +306,98 @@
             <a:schemeClr val="lt1"/>
           </a:fontRef>
         </p:style>
-      </p:sp>
-      <p:sp>
-        <p:nvSpPr>
-          <p:cNvPr id="2" name="Title 1"/>
-          <p:cNvSpPr>
-            <a:spLocks noGrp="1"/>
-          </p:cNvSpPr>
-          <p:nvPr>
-            <p:ph type="title"/>
-          </p:nvPr>
-        </p:nvSpPr>
-        <p:spPr>
-          <a:xfrm>
-            <a:off x="9296400" y="603504"/>
-            <a:ext cx="2432304" cy="1645920"/>
-          </a:xfrm>
-        </p:spPr>
         <p:txBody>
-          <a:bodyPr anchor="b">
+          <a:bodyPr rot="0" spcFirstLastPara="0" vertOverflow="overflow" horzOverflow="overflow" vert="horz" wrap="square" lIns="91440" tIns="45720" rIns="91440" bIns="45720" numCol="1" spcCol="0" rtlCol="0" fromWordArt="0" anchor="ctr" anchorCtr="0" forceAA="0" compatLnSpc="1">
+            <a:prstTxWarp prst="textNoShape">
+              <a:avLst/>
+            </a:prstTxWarp>
             <a:noAutofit/>
           </a:bodyPr>
-          <a:lstStyle>
-            <a:lvl1pPr algn="l">
-              <a:defRPr sz="2800" b="0">
-                <a:solidFill>
-                  <a:srgbClr val="FFFFFF"/>
-                </a:solidFill>
-                <a:latin typeface="+mj-lt"/>
-              </a:defRPr>
-            </a:lvl1pPr>
-          </a:lstStyle>
+          <a:lstStyle/>
           <a:p>
-            <a:r>
-              <a:rPr lang="ko-KR" altLang="en-US" smtClean="0"/>
-              <a:t>마스터 제목 스타일 편집</a:t>
-            </a:r>
-            <a:endParaRPr lang="en-US" dirty="0"/>
+            <a:pPr algn="ctr"/>
+            <a:endParaRPr lang="ko-KR" altLang="en-US" dirty="0">
+              <a:solidFill>
+                <a:schemeClr val="tx1"/>
+              </a:solidFill>
+            </a:endParaRPr>
           </a:p>
         </p:txBody>
       </p:sp>
       <p:sp>
         <p:nvSpPr>
-          <p:cNvPr id="3" name="Picture Placeholder 2"/>
-          <p:cNvSpPr>
-            <a:spLocks noGrp="1" noChangeAspect="1"/>
-          </p:cNvSpPr>
-          <p:nvPr>
-            <p:ph type="pic" idx="1"/>
-          </p:nvPr>
-        </p:nvSpPr>
-        <p:spPr>
-          <a:xfrm>
-            <a:off x="228599" y="237744"/>
-            <a:ext cx="8531352" cy="6382512"/>
-          </a:xfrm>
-          <a:solidFill>
-            <a:schemeClr val="accent1">
-              <a:lumMod val="60000"/>
-              <a:lumOff val="40000"/>
-            </a:schemeClr>
-          </a:solidFill>
-          <a:ln>
-            <a:noFill/>
-          </a:ln>
-        </p:spPr>
-        <p:txBody>
-          <a:bodyPr anchor="t"/>
-          <a:lstStyle>
-            <a:lvl1pPr marL="0" indent="0">
-              <a:buNone/>
-              <a:defRPr sz="3200"/>
-            </a:lvl1pPr>
-            <a:lvl2pPr marL="457200" indent="0">
-              <a:buNone/>
-              <a:defRPr sz="2800"/>
-            </a:lvl2pPr>
-            <a:lvl3pPr marL="914400" indent="0">
-              <a:buNone/>
-              <a:defRPr sz="2400"/>
-            </a:lvl3pPr>
-            <a:lvl4pPr marL="1371600" indent="0">
-              <a:buNone/>
-              <a:defRPr sz="2000"/>
-            </a:lvl4pPr>
-            <a:lvl5pPr marL="1828800" indent="0">
-              <a:buNone/>
-              <a:defRPr sz="2000"/>
-            </a:lvl5pPr>
-            <a:lvl6pPr marL="2286000" indent="0">
-              <a:buNone/>
-              <a:defRPr sz="2000"/>
-            </a:lvl6pPr>
-            <a:lvl7pPr marL="2743200" indent="0">
-              <a:buNone/>
-              <a:defRPr sz="2000"/>
-            </a:lvl7pPr>
-            <a:lvl8pPr marL="3200400" indent="0">
-              <a:buNone/>
-              <a:defRPr sz="2000"/>
-            </a:lvl8pPr>
-            <a:lvl9pPr marL="3657600" indent="0">
-              <a:buNone/>
-              <a:defRPr sz="2000"/>
-            </a:lvl9pPr>
-          </a:lstStyle>
-          <a:p>
-            <a:r>
-              <a:rPr lang="ko-KR" altLang="en-US" smtClean="0"/>
-              <a:t>그림을 추가하려면 아이콘을 클릭하십시오</a:t>
-            </a:r>
-            <a:endParaRPr lang="en-US" dirty="0"/>
-          </a:p>
-        </p:txBody>
-      </p:sp>
-      <p:sp>
-        <p:nvSpPr>
-          <p:cNvPr id="4" name="Text Placeholder 3"/>
-          <p:cNvSpPr>
-            <a:spLocks noGrp="1"/>
-          </p:cNvSpPr>
-          <p:nvPr>
-            <p:ph type="body" sz="half" idx="2"/>
-          </p:nvPr>
-        </p:nvSpPr>
-        <p:spPr>
-          <a:xfrm>
-            <a:off x="9296400" y="2286000"/>
-            <a:ext cx="2432304" cy="3502152"/>
-          </a:xfrm>
-        </p:spPr>
-        <p:txBody>
-          <a:bodyPr>
-            <a:normAutofit/>
-          </a:bodyPr>
-          <a:lstStyle>
-            <a:lvl1pPr marL="0" indent="0" algn="l">
-              <a:lnSpc>
-                <a:spcPct val="110000"/>
-              </a:lnSpc>
-              <a:spcBef>
-                <a:spcPts val="800"/>
-              </a:spcBef>
-              <a:buNone/>
-              <a:defRPr sz="1400">
-                <a:solidFill>
-                  <a:srgbClr val="FFFFFF"/>
-                </a:solidFill>
-              </a:defRPr>
-            </a:lvl1pPr>
-            <a:lvl2pPr marL="457200" indent="0">
-              <a:buNone/>
-              <a:defRPr sz="1200"/>
-            </a:lvl2pPr>
-            <a:lvl3pPr marL="914400" indent="0">
-              <a:buNone/>
-              <a:defRPr sz="1000"/>
-            </a:lvl3pPr>
-            <a:lvl4pPr marL="1371600" indent="0">
-              <a:buNone/>
-              <a:defRPr sz="900"/>
-            </a:lvl4pPr>
-            <a:lvl5pPr marL="1828800" indent="0">
-              <a:buNone/>
-              <a:defRPr sz="900"/>
-            </a:lvl5pPr>
-            <a:lvl6pPr marL="2286000" indent="0">
-              <a:buNone/>
-              <a:defRPr sz="900"/>
-            </a:lvl6pPr>
-            <a:lvl7pPr marL="2743200" indent="0">
-              <a:buNone/>
-              <a:defRPr sz="900"/>
-            </a:lvl7pPr>
-            <a:lvl8pPr marL="3200400" indent="0">
-              <a:buNone/>
-              <a:defRPr sz="900"/>
-            </a:lvl8pPr>
-            <a:lvl9pPr marL="3657600" indent="0">
-              <a:buNone/>
-              <a:defRPr sz="900"/>
-            </a:lvl9pPr>
-          </a:lstStyle>
-          <a:p>
-            <a:pPr lvl="0"/>
-            <a:r>
-              <a:rPr lang="ko-KR" altLang="en-US" smtClean="0"/>
-              <a:t>마스터 텍스트 스타일을 편집합니다</a:t>
-            </a:r>
-          </a:p>
-        </p:txBody>
-      </p:sp>
-      <p:sp>
-        <p:nvSpPr>
-          <p:cNvPr id="5" name="Date Placeholder 4"/>
-          <p:cNvSpPr>
-            <a:spLocks noGrp="1"/>
-          </p:cNvSpPr>
-          <p:nvPr>
-            <p:ph type="dt" sz="half" idx="10"/>
-          </p:nvPr>
-        </p:nvSpPr>
-        <p:spPr/>
-        <p:txBody>
-          <a:bodyPr/>
-          <a:lstStyle>
-            <a:lvl1pPr>
-              <a:defRPr>
-                <a:solidFill>
-                  <a:srgbClr val="FFFFFF"/>
-                </a:solidFill>
-                <a:effectLst>
-                  <a:outerShdw blurRad="12700" dist="6350" dir="2700000" algn="tl" rotWithShape="0">
-                    <a:prstClr val="black">
-                      <a:alpha val="40000"/>
-                    </a:prstClr>
-                  </a:outerShdw>
-                </a:effectLst>
-              </a:defRPr>
-            </a:lvl1pPr>
-          </a:lstStyle>
-          <a:p>
-            <a:fld id="{AB334A90-EB03-42F3-8859-2C2B2724C058}" type="datetimeFigureOut">
-              <a:rPr lang="en-US" dirty="0"/>
-              <a:t>12/2/2014</a:t>
-            </a:fld>
-            <a:endParaRPr lang="en-US" dirty="0"/>
-          </a:p>
-        </p:txBody>
-      </p:sp>
-      <p:sp>
-        <p:nvSpPr>
-          <p:cNvPr id="6" name="Footer Placeholder 5"/>
-          <p:cNvSpPr>
-            <a:spLocks noGrp="1"/>
-          </p:cNvSpPr>
-          <p:nvPr>
-            <p:ph type="ftr" sz="quarter" idx="11"/>
-          </p:nvPr>
-        </p:nvSpPr>
-        <p:spPr/>
-        <p:txBody>
-          <a:bodyPr/>
-          <a:lstStyle>
-            <a:lvl1pPr marL="0" algn="r" defTabSz="914400" rtl="0" eaLnBrk="1" latinLnBrk="0" hangingPunct="1">
-              <a:defRPr lang="en-US" sz="1000" kern="1200" dirty="0">
-                <a:solidFill>
-                  <a:srgbClr val="FFFFFF"/>
-                </a:solidFill>
-                <a:effectLst>
-                  <a:outerShdw blurRad="12700" dist="6350" dir="2700000" algn="tl" rotWithShape="0">
-                    <a:prstClr val="black">
-                      <a:alpha val="40000"/>
-                    </a:prstClr>
-                  </a:outerShdw>
-                </a:effectLst>
-                <a:latin typeface="+mn-lt"/>
-                <a:ea typeface="+mn-ea"/>
-                <a:cs typeface="+mn-cs"/>
-              </a:defRPr>
-            </a:lvl1pPr>
-          </a:lstStyle>
-          <a:p>
-            <a:endParaRPr lang="en-US" dirty="0"/>
-          </a:p>
-        </p:txBody>
-      </p:sp>
-      <p:sp>
-        <p:nvSpPr>
-          <p:cNvPr id="7" name="Slide Number Placeholder 6"/>
-          <p:cNvSpPr>
-            <a:spLocks noGrp="1"/>
-          </p:cNvSpPr>
-          <p:nvPr>
-            <p:ph type="sldNum" sz="quarter" idx="12"/>
-          </p:nvPr>
-        </p:nvSpPr>
-        <p:spPr>
-          <a:xfrm>
-            <a:off x="10396728" y="6227064"/>
-            <a:ext cx="1463040" cy="274320"/>
-          </a:xfrm>
-        </p:spPr>
-        <p:txBody>
-          <a:bodyPr/>
-          <a:lstStyle>
-            <a:lvl1pPr>
-              <a:defRPr>
-                <a:solidFill>
-                  <a:srgbClr val="FFFFFF"/>
-                </a:solidFill>
-              </a:defRPr>
-            </a:lvl1pPr>
-          </a:lstStyle>
-          <a:p>
-            <a:fld id="{4FAB73BC-B049-4115-A692-8D63A059BFB8}" type="slidenum">
-              <a:rPr lang="en-US" dirty="0"/>
-              <a:pPr/>
-              <a:t>‹#›</a:t>
-            </a:fld>
-            <a:endParaRPr lang="en-US" dirty="0"/>
-          </a:p>
-        </p:txBody>
-      </p:sp>
-      <p:sp>
-        <p:nvSpPr>
-          <p:cNvPr id="10" name="Rectangle 9"/>
-          <p:cNvSpPr/>
+          <p:cNvPr id="5" name="TextBox 4"/>
+          <p:cNvSpPr txBox="1"/>
           <p:nvPr/>
         </p:nvSpPr>
         <p:spPr>
           <a:xfrm>
-            <a:off x="9157546" y="374904"/>
-            <a:ext cx="2651760" cy="6108192"/>
+            <a:off x="602117" y="4169554"/>
+            <a:ext cx="11161258" cy="2662267"/>
           </a:xfrm>
           <a:prstGeom prst="rect">
             <a:avLst/>
           </a:prstGeom>
           <a:noFill/>
-          <a:ln w="6350" cap="sq">
-            <a:solidFill>
-              <a:srgbClr val="FFFFFF"/>
-            </a:solidFill>
-            <a:miter lim="800000"/>
-          </a:ln>
         </p:spPr>
-        <p:style>
-          <a:lnRef idx="2">
-            <a:schemeClr val="accent1">
-              <a:shade val="50000"/>
-            </a:schemeClr>
-          </a:lnRef>
-          <a:fillRef idx="1">
-            <a:schemeClr val="accent1"/>
-          </a:fillRef>
-          <a:effectRef idx="0">
-            <a:schemeClr val="accent1"/>
-          </a:effectRef>
-          <a:fontRef idx="minor">
-            <a:schemeClr val="lt1"/>
-          </a:fontRef>
-        </p:style>
-      </p:sp>
-    </p:spTree>
-  </p:cSld>
-  <p:clrMapOvr>
-    <a:masterClrMapping/>
-  </p:clrMapOvr>
-</p:sldLayout>
-</file>
-
-<file path=ppt/slideLayouts/slideLayout12.xml><?xml version="1.0" encoding="utf-8"?>
-<p:sldLayout xmlns:a="http://schemas.openxmlformats.org/drawingml/2006/main" xmlns:r="http://schemas.openxmlformats.org/officeDocument/2006/relationships" xmlns:p="http://schemas.openxmlformats.org/presentationml/2006/main" type="vertTx" preserve="1">
-  <p:cSld name="제목 및 세로 텍스트">
-    <p:spTree>
-      <p:nvGrpSpPr>
-        <p:cNvPr id="1" name=""/>
-        <p:cNvGrpSpPr/>
-        <p:nvPr/>
-      </p:nvGrpSpPr>
-      <p:grpSpPr>
-        <a:xfrm>
-          <a:off x="0" y="0"/>
-          <a:ext cx="0" cy="0"/>
-          <a:chOff x="0" y="0"/>
-          <a:chExt cx="0" cy="0"/>
-        </a:xfrm>
-      </p:grpSpPr>
-      <p:sp>
-        <p:nvSpPr>
-          <p:cNvPr id="2" name="Title 1"/>
-          <p:cNvSpPr>
-            <a:spLocks noGrp="1"/>
-          </p:cNvSpPr>
-          <p:nvPr>
-            <p:ph type="title"/>
-          </p:nvPr>
-        </p:nvSpPr>
-        <p:spPr/>
         <p:txBody>
-          <a:bodyPr/>
+          <a:bodyPr wrap="square" rtlCol="0">
+            <a:spAutoFit/>
+          </a:bodyPr>
           <a:lstStyle/>
           <a:p>
             <a:r>
-              <a:rPr lang="ko-KR" altLang="en-US" smtClean="0"/>
-              <a:t>마스터 제목 스타일 편집</a:t>
+              <a:rPr lang="en-US" altLang="ko-KR" sz="16700" b="0" dirty="0" smtClean="0">
+                <a:solidFill>
+                  <a:srgbClr val="EEEEEE"/>
+                </a:solidFill>
+                <a:latin typeface="Ostrich Sans Light" panose="00000400000000000000" pitchFamily="50" charset="0"/>
+                <a:ea typeface="나눔바른고딕 UltraLight" panose="020B0603020101020101" pitchFamily="50" charset="-127"/>
+              </a:rPr>
+              <a:t>Data</a:t>
             </a:r>
-            <a:endParaRPr lang="en-US" dirty="0"/>
-          </a:p>
-        </p:txBody>
-      </p:sp>
-      <p:sp>
-        <p:nvSpPr>
-          <p:cNvPr id="3" name="Vertical Text Placeholder 2"/>
-          <p:cNvSpPr>
-            <a:spLocks noGrp="1"/>
-          </p:cNvSpPr>
-          <p:nvPr>
-            <p:ph type="body" orient="vert" idx="1"/>
-          </p:nvPr>
-        </p:nvSpPr>
-        <p:spPr/>
-        <p:txBody>
-          <a:bodyPr vert="eaVert"/>
-          <a:lstStyle/>
-          <a:p>
-            <a:pPr lvl="0"/>
             <a:r>
-              <a:rPr lang="ko-KR" altLang="en-US" smtClean="0"/>
-              <a:t>마스터 텍스트 스타일을 편집합니다</a:t>
+              <a:rPr lang="en-US" altLang="ko-KR" sz="16700" b="0" baseline="0" dirty="0" smtClean="0">
+                <a:solidFill>
+                  <a:srgbClr val="EEEEEE"/>
+                </a:solidFill>
+                <a:latin typeface="Ostrich Sans Light" panose="00000400000000000000" pitchFamily="50" charset="0"/>
+                <a:ea typeface="나눔바른고딕 UltraLight" panose="020B0603020101020101" pitchFamily="50" charset="-127"/>
+              </a:rPr>
+              <a:t> Structure</a:t>
             </a:r>
-          </a:p>
-          <a:p>
-            <a:pPr lvl="1"/>
-            <a:r>
-              <a:rPr lang="ko-KR" altLang="en-US" smtClean="0"/>
-              <a:t>둘째 수준</a:t>
-            </a:r>
-          </a:p>
-          <a:p>
-            <a:pPr lvl="2"/>
-            <a:r>
-              <a:rPr lang="ko-KR" altLang="en-US" smtClean="0"/>
-              <a:t>셋째 수준</a:t>
-            </a:r>
-          </a:p>
-          <a:p>
-            <a:pPr lvl="3"/>
-            <a:r>
-              <a:rPr lang="ko-KR" altLang="en-US" smtClean="0"/>
-              <a:t>넷째 수준</a:t>
-            </a:r>
-          </a:p>
-          <a:p>
-            <a:pPr lvl="4"/>
-            <a:r>
-              <a:rPr lang="ko-KR" altLang="en-US" smtClean="0"/>
-              <a:t>다섯째 수준</a:t>
-            </a:r>
-            <a:endParaRPr lang="en-US" dirty="0"/>
-          </a:p>
-        </p:txBody>
-      </p:sp>
-      <p:sp>
-        <p:nvSpPr>
-          <p:cNvPr id="4" name="Date Placeholder 3"/>
-          <p:cNvSpPr>
-            <a:spLocks noGrp="1"/>
-          </p:cNvSpPr>
-          <p:nvPr>
-            <p:ph type="dt" sz="half" idx="10"/>
-          </p:nvPr>
-        </p:nvSpPr>
-        <p:spPr/>
-        <p:txBody>
-          <a:bodyPr/>
-          <a:lstStyle/>
-          <a:p>
-            <a:fld id="{D11A6AA8-A04B-4104-9AE2-BD48D340E27F}" type="datetimeFigureOut">
-              <a:rPr lang="en-US" dirty="0"/>
-              <a:t>12/2/2014</a:t>
-            </a:fld>
-            <a:endParaRPr lang="en-US" dirty="0"/>
-          </a:p>
-        </p:txBody>
-      </p:sp>
-      <p:sp>
-        <p:nvSpPr>
-          <p:cNvPr id="5" name="Footer Placeholder 4"/>
-          <p:cNvSpPr>
-            <a:spLocks noGrp="1"/>
-          </p:cNvSpPr>
-          <p:nvPr>
-            <p:ph type="ftr" sz="quarter" idx="11"/>
-          </p:nvPr>
-        </p:nvSpPr>
-        <p:spPr/>
-        <p:txBody>
-          <a:bodyPr/>
-          <a:lstStyle/>
-          <a:p>
-            <a:endParaRPr lang="en-US" dirty="0"/>
-          </a:p>
-        </p:txBody>
-      </p:sp>
-      <p:sp>
-        <p:nvSpPr>
-          <p:cNvPr id="6" name="Slide Number Placeholder 5"/>
-          <p:cNvSpPr>
-            <a:spLocks noGrp="1"/>
-          </p:cNvSpPr>
-          <p:nvPr>
-            <p:ph type="sldNum" sz="quarter" idx="12"/>
-          </p:nvPr>
-        </p:nvSpPr>
-        <p:spPr/>
-        <p:txBody>
-          <a:bodyPr/>
-          <a:lstStyle/>
-          <a:p>
-            <a:fld id="{4FAB73BC-B049-4115-A692-8D63A059BFB8}" type="slidenum">
-              <a:rPr lang="en-US" dirty="0"/>
-              <a:t>‹#›</a:t>
-            </a:fld>
-            <a:endParaRPr lang="en-US" dirty="0"/>
+            <a:endParaRPr lang="ko-KR" altLang="en-US" sz="16700" b="0" dirty="0">
+              <a:solidFill>
+                <a:srgbClr val="EEEEEE"/>
+              </a:solidFill>
+              <a:latin typeface="Ostrich Sans Light" panose="00000400000000000000" pitchFamily="50" charset="0"/>
+              <a:ea typeface="나눔바른고딕 UltraLight" panose="020B0603020101020101" pitchFamily="50" charset="-127"/>
+            </a:endParaRPr>
           </a:p>
         </p:txBody>
       </p:sp>
     </p:spTree>
+    <p:extLst>
+      <p:ext uri="{BB962C8B-B14F-4D97-AF65-F5344CB8AC3E}">
+        <p14:creationId xmlns:p14="http://schemas.microsoft.com/office/powerpoint/2010/main" val="88083005"/>
+      </p:ext>
+    </p:extLst>
   </p:cSld>
   <p:clrMapOvr>
-    <a:masterClrMapping/>
+    <a:overrideClrMapping bg1="lt1" tx1="dk1" bg2="lt2" tx2="dk2" accent1="accent1" accent2="accent2" accent3="accent3" accent4="accent4" accent5="accent5" accent6="accent6" hlink="hlink" folHlink="folHlink"/>
   </p:clrMapOvr>
+  <p:timing>
+    <p:tnLst>
+      <p:par>
+        <p:cTn id="1" dur="indefinite" restart="never" nodeType="tmRoot"/>
+      </p:par>
+    </p:tnLst>
+  </p:timing>
+  <p:hf sldNum="0" hdr="0" ftr="0" dt="0"/>
 </p:sldLayout>
 </file>
 
-<file path=ppt/slideLayouts/slideLayout13.xml><?xml version="1.0" encoding="utf-8"?>
+<file path=ppt/slideLayouts/slideLayout10.xml><?xml version="1.0" encoding="utf-8"?>
 <p:sldLayout xmlns:a="http://schemas.openxmlformats.org/drawingml/2006/main" xmlns:r="http://schemas.openxmlformats.org/officeDocument/2006/relationships" xmlns:p="http://schemas.openxmlformats.org/presentationml/2006/main" type="vertTitleAndTx" preserve="1">
   <p:cSld name="세로 제목 및 텍스트">
     <p:spTree>
@@ -1809,8 +515,8 @@
           <a:lstStyle/>
           <a:p>
             <a:fld id="{B4E0BF79-FAC6-4A96-8DE1-F7B82E2E1652}" type="datetimeFigureOut">
-              <a:rPr lang="en-US" dirty="0"/>
-              <a:t>12/2/2014</a:t>
+              <a:rPr lang="en-US" smtClean="0"/>
+              <a:t>12/3/2014</a:t>
             </a:fld>
             <a:endParaRPr lang="en-US" dirty="0"/>
           </a:p>
@@ -1851,369 +557,7 @@
           <a:lstStyle/>
           <a:p>
             <a:fld id="{4FAB73BC-B049-4115-A692-8D63A059BFB8}" type="slidenum">
-              <a:rPr lang="en-US" dirty="0"/>
-              <a:t>‹#›</a:t>
-            </a:fld>
-            <a:endParaRPr lang="en-US" dirty="0"/>
-          </a:p>
-        </p:txBody>
-      </p:sp>
-    </p:spTree>
-  </p:cSld>
-  <p:clrMapOvr>
-    <a:masterClrMapping/>
-  </p:clrMapOvr>
-</p:sldLayout>
-</file>
-
-<file path=ppt/slideLayouts/slideLayout2.xml><?xml version="1.0" encoding="utf-8"?>
-<p:sldLayout xmlns:a="http://schemas.openxmlformats.org/drawingml/2006/main" xmlns:r="http://schemas.openxmlformats.org/officeDocument/2006/relationships" xmlns:p="http://schemas.openxmlformats.org/presentationml/2006/main" showMasterSp="0" type="title" preserve="1">
-  <p:cSld name="1_제목 슬라이드">
-    <p:bg>
-      <p:bgRef idx="1002">
-        <a:schemeClr val="bg2"/>
-      </p:bgRef>
-    </p:bg>
-    <p:spTree>
-      <p:nvGrpSpPr>
-        <p:cNvPr id="1" name=""/>
-        <p:cNvGrpSpPr/>
-        <p:nvPr/>
-      </p:nvGrpSpPr>
-      <p:grpSpPr>
-        <a:xfrm>
-          <a:off x="0" y="0"/>
-          <a:ext cx="0" cy="0"/>
-          <a:chOff x="0" y="0"/>
-          <a:chExt cx="0" cy="0"/>
-        </a:xfrm>
-      </p:grpSpPr>
-      <p:sp>
-        <p:nvSpPr>
-          <p:cNvPr id="16" name="Rectangle 15"/>
-          <p:cNvSpPr/>
-          <p:nvPr userDrawn="1"/>
-        </p:nvSpPr>
-        <p:spPr>
-          <a:xfrm>
-            <a:off x="0" y="0"/>
-            <a:ext cx="12192000" cy="6858000"/>
-          </a:xfrm>
-          <a:prstGeom prst="rect">
-            <a:avLst/>
-          </a:prstGeom>
-          <a:solidFill>
-            <a:srgbClr val="EEEEEE"/>
-          </a:solidFill>
-          <a:ln>
-            <a:noFill/>
-          </a:ln>
-        </p:spPr>
-        <p:style>
-          <a:lnRef idx="2">
-            <a:schemeClr val="accent1">
-              <a:shade val="50000"/>
-            </a:schemeClr>
-          </a:lnRef>
-          <a:fillRef idx="1">
-            <a:schemeClr val="accent1"/>
-          </a:fillRef>
-          <a:effectRef idx="0">
-            <a:schemeClr val="accent1"/>
-          </a:effectRef>
-          <a:fontRef idx="minor">
-            <a:schemeClr val="lt1"/>
-          </a:fontRef>
-        </p:style>
-      </p:sp>
-      <p:sp>
-        <p:nvSpPr>
-          <p:cNvPr id="10" name="Rectangle 9"/>
-          <p:cNvSpPr/>
-          <p:nvPr userDrawn="1"/>
-        </p:nvSpPr>
-        <p:spPr>
-          <a:xfrm>
-            <a:off x="1307870" y="1267730"/>
-            <a:ext cx="9576262" cy="4307950"/>
-          </a:xfrm>
-          <a:prstGeom prst="rect">
-            <a:avLst/>
-          </a:prstGeom>
-          <a:solidFill>
-            <a:schemeClr val="bg1"/>
-          </a:solidFill>
-          <a:ln w="6350" cap="flat" cmpd="sng" algn="ctr">
-            <a:noFill/>
-            <a:prstDash val="solid"/>
-          </a:ln>
-          <a:effectLst>
-            <a:outerShdw blurRad="50800" algn="ctr" rotWithShape="0">
-              <a:prstClr val="black">
-                <a:alpha val="66000"/>
-              </a:prstClr>
-            </a:outerShdw>
-            <a:softEdge rad="0"/>
-          </a:effectLst>
-        </p:spPr>
-      </p:sp>
-      <p:sp>
-        <p:nvSpPr>
-          <p:cNvPr id="11" name="Rectangle 10"/>
-          <p:cNvSpPr/>
-          <p:nvPr/>
-        </p:nvSpPr>
-        <p:spPr>
-          <a:xfrm>
-            <a:off x="1447801" y="1411615"/>
-            <a:ext cx="9296400" cy="4034770"/>
-          </a:xfrm>
-          <a:prstGeom prst="rect">
-            <a:avLst/>
-          </a:prstGeom>
-          <a:noFill/>
-          <a:ln w="6350" cap="sq" cmpd="sng" algn="ctr">
-            <a:solidFill>
-              <a:schemeClr val="tx1">
-                <a:lumMod val="75000"/>
-                <a:lumOff val="25000"/>
-              </a:schemeClr>
-            </a:solidFill>
-            <a:prstDash val="solid"/>
-            <a:miter lim="800000"/>
-          </a:ln>
-          <a:effectLst/>
-        </p:spPr>
-      </p:sp>
-      <p:sp>
-        <p:nvSpPr>
-          <p:cNvPr id="15" name="Rectangle 14"/>
-          <p:cNvSpPr/>
-          <p:nvPr userDrawn="1"/>
-        </p:nvSpPr>
-        <p:spPr>
-          <a:xfrm>
-            <a:off x="5135880" y="1267730"/>
-            <a:ext cx="1920240" cy="731520"/>
-          </a:xfrm>
-          <a:prstGeom prst="rect">
-            <a:avLst/>
-          </a:prstGeom>
-          <a:noFill/>
-          <a:ln>
-            <a:noFill/>
-          </a:ln>
-        </p:spPr>
-        <p:style>
-          <a:lnRef idx="2">
-            <a:schemeClr val="accent1">
-              <a:shade val="50000"/>
-            </a:schemeClr>
-          </a:lnRef>
-          <a:fillRef idx="1">
-            <a:schemeClr val="accent1"/>
-          </a:fillRef>
-          <a:effectRef idx="0">
-            <a:schemeClr val="accent1"/>
-          </a:effectRef>
-          <a:fontRef idx="minor">
-            <a:schemeClr val="lt1"/>
-          </a:fontRef>
-        </p:style>
-      </p:sp>
-      <p:sp>
-        <p:nvSpPr>
-          <p:cNvPr id="2" name="Title 1"/>
-          <p:cNvSpPr>
-            <a:spLocks noGrp="1"/>
-          </p:cNvSpPr>
-          <p:nvPr>
-            <p:ph type="ctrTitle"/>
-          </p:nvPr>
-        </p:nvSpPr>
-        <p:spPr>
-          <a:xfrm>
-            <a:off x="1561708" y="2091263"/>
-            <a:ext cx="9068586" cy="2138110"/>
-          </a:xfrm>
-        </p:spPr>
-        <p:txBody>
-          <a:bodyPr tIns="45720" bIns="45720" anchor="ctr">
-            <a:noAutofit/>
-          </a:bodyPr>
-          <a:lstStyle>
-            <a:lvl1pPr algn="ctr">
-              <a:lnSpc>
-                <a:spcPct val="83000"/>
-              </a:lnSpc>
-              <a:defRPr lang="en-US" sz="7200" b="0" kern="1200" cap="all" spc="-100" baseline="0" dirty="0">
-                <a:solidFill>
-                  <a:schemeClr val="tx1">
-                    <a:lumMod val="85000"/>
-                    <a:lumOff val="15000"/>
-                  </a:schemeClr>
-                </a:solidFill>
-                <a:effectLst/>
-                <a:latin typeface="+mj-ea"/>
-                <a:ea typeface="+mj-ea"/>
-                <a:cs typeface="+mn-cs"/>
-              </a:defRPr>
-            </a:lvl1pPr>
-          </a:lstStyle>
-          <a:p>
-            <a:r>
-              <a:rPr lang="ko-KR" altLang="en-US" dirty="0" smtClean="0"/>
-              <a:t>마스터 제목 스타일 편집</a:t>
-            </a:r>
-            <a:endParaRPr lang="en-US" dirty="0"/>
-          </a:p>
-        </p:txBody>
-      </p:sp>
-      <p:sp>
-        <p:nvSpPr>
-          <p:cNvPr id="3" name="Subtitle 2"/>
-          <p:cNvSpPr>
-            <a:spLocks noGrp="1"/>
-          </p:cNvSpPr>
-          <p:nvPr>
-            <p:ph type="subTitle" idx="1"/>
-          </p:nvPr>
-        </p:nvSpPr>
-        <p:spPr>
-          <a:xfrm>
-            <a:off x="1562100" y="4236098"/>
-            <a:ext cx="9070848" cy="903165"/>
-          </a:xfrm>
-        </p:spPr>
-        <p:txBody>
-          <a:bodyPr anchor="ctr">
-            <a:normAutofit/>
-          </a:bodyPr>
-          <a:lstStyle>
-            <a:lvl1pPr marL="0" indent="0" algn="ctr">
-              <a:spcBef>
-                <a:spcPts val="0"/>
-              </a:spcBef>
-              <a:buNone/>
-              <a:defRPr sz="4000" spc="80" baseline="0">
-                <a:solidFill>
-                  <a:schemeClr val="tx1"/>
-                </a:solidFill>
-                <a:latin typeface="+mj-ea"/>
-                <a:ea typeface="+mj-ea"/>
-              </a:defRPr>
-            </a:lvl1pPr>
-            <a:lvl2pPr marL="457200" indent="0" algn="ctr">
-              <a:buNone/>
-              <a:defRPr sz="1600"/>
-            </a:lvl2pPr>
-            <a:lvl3pPr marL="914400" indent="0" algn="ctr">
-              <a:buNone/>
-              <a:defRPr sz="1600"/>
-            </a:lvl3pPr>
-            <a:lvl4pPr marL="1371600" indent="0" algn="ctr">
-              <a:buNone/>
-              <a:defRPr sz="1600"/>
-            </a:lvl4pPr>
-            <a:lvl5pPr marL="1828800" indent="0" algn="ctr">
-              <a:buNone/>
-              <a:defRPr sz="1600"/>
-            </a:lvl5pPr>
-            <a:lvl6pPr marL="2286000" indent="0" algn="ctr">
-              <a:buNone/>
-              <a:defRPr sz="1600"/>
-            </a:lvl6pPr>
-            <a:lvl7pPr marL="2743200" indent="0" algn="ctr">
-              <a:buNone/>
-              <a:defRPr sz="1600"/>
-            </a:lvl7pPr>
-            <a:lvl8pPr marL="3200400" indent="0" algn="ctr">
-              <a:buNone/>
-              <a:defRPr sz="1600"/>
-            </a:lvl8pPr>
-            <a:lvl9pPr marL="3657600" indent="0" algn="ctr">
-              <a:buNone/>
-              <a:defRPr sz="1600"/>
-            </a:lvl9pPr>
-          </a:lstStyle>
-          <a:p>
-            <a:r>
-              <a:rPr lang="ko-KR" altLang="en-US" dirty="0" smtClean="0"/>
-              <a:t>마스터 부제목 스타일 편집</a:t>
-            </a:r>
-            <a:endParaRPr lang="en-US" dirty="0"/>
-          </a:p>
-        </p:txBody>
-      </p:sp>
-      <p:sp>
-        <p:nvSpPr>
-          <p:cNvPr id="21" name="Footer Placeholder 20"/>
-          <p:cNvSpPr>
-            <a:spLocks noGrp="1"/>
-          </p:cNvSpPr>
-          <p:nvPr>
-            <p:ph type="ftr" sz="quarter" idx="11"/>
-          </p:nvPr>
-        </p:nvSpPr>
-        <p:spPr>
-          <a:xfrm>
-            <a:off x="1453896" y="5211060"/>
-            <a:ext cx="5905500" cy="228600"/>
-          </a:xfrm>
-        </p:spPr>
-        <p:txBody>
-          <a:bodyPr/>
-          <a:lstStyle>
-            <a:lvl1pPr algn="l">
-              <a:defRPr>
-                <a:solidFill>
-                  <a:schemeClr val="tx1">
-                    <a:lumMod val="75000"/>
-                    <a:lumOff val="25000"/>
-                  </a:schemeClr>
-                </a:solidFill>
-              </a:defRPr>
-            </a:lvl1pPr>
-          </a:lstStyle>
-          <a:p>
-            <a:endParaRPr lang="en-US" dirty="0"/>
-          </a:p>
-        </p:txBody>
-      </p:sp>
-      <p:sp>
-        <p:nvSpPr>
-          <p:cNvPr id="22" name="Slide Number Placeholder 21"/>
-          <p:cNvSpPr>
-            <a:spLocks noGrp="1"/>
-          </p:cNvSpPr>
-          <p:nvPr>
-            <p:ph type="sldNum" sz="quarter" idx="12"/>
-          </p:nvPr>
-        </p:nvSpPr>
-        <p:spPr>
-          <a:xfrm>
-            <a:off x="8606919" y="5212080"/>
-            <a:ext cx="2111881" cy="228600"/>
-          </a:xfrm>
-        </p:spPr>
-        <p:txBody>
-          <a:bodyPr/>
-          <a:lstStyle>
-            <a:lvl1pPr>
-              <a:defRPr>
-                <a:solidFill>
-                  <a:schemeClr val="tx1">
-                    <a:lumMod val="75000"/>
-                    <a:lumOff val="25000"/>
-                  </a:schemeClr>
-                </a:solidFill>
-              </a:defRPr>
-            </a:lvl1pPr>
-          </a:lstStyle>
-          <a:p>
-            <a:fld id="{4FAB73BC-B049-4115-A692-8D63A059BFB8}" type="slidenum">
-              <a:rPr lang="en-US" dirty="0"/>
-              <a:pPr/>
+              <a:rPr lang="en-US" smtClean="0"/>
               <a:t>‹#›</a:t>
             </a:fld>
             <a:endParaRPr lang="en-US" dirty="0"/>
@@ -2223,25 +567,18 @@
     </p:spTree>
     <p:extLst>
       <p:ext uri="{BB962C8B-B14F-4D97-AF65-F5344CB8AC3E}">
-        <p14:creationId xmlns:p14="http://schemas.microsoft.com/office/powerpoint/2010/main" val="646938019"/>
+        <p14:creationId xmlns:p14="http://schemas.microsoft.com/office/powerpoint/2010/main" val="3466345738"/>
       </p:ext>
     </p:extLst>
   </p:cSld>
   <p:clrMapOvr>
-    <a:overrideClrMapping bg1="lt1" tx1="dk1" bg2="lt2" tx2="dk2" accent1="accent1" accent2="accent2" accent3="accent3" accent4="accent4" accent5="accent5" accent6="accent6" hlink="hlink" folHlink="folHlink"/>
+    <a:masterClrMapping/>
   </p:clrMapOvr>
-  <p:timing>
-    <p:tnLst>
-      <p:par>
-        <p:cTn id="1" dur="indefinite" restart="never" nodeType="tmRoot"/>
-      </p:par>
-    </p:tnLst>
-  </p:timing>
 </p:sldLayout>
 </file>
 
-<file path=ppt/slideLayouts/slideLayout3.xml><?xml version="1.0" encoding="utf-8"?>
-<p:sldLayout xmlns:a="http://schemas.openxmlformats.org/drawingml/2006/main" xmlns:r="http://schemas.openxmlformats.org/officeDocument/2006/relationships" xmlns:p="http://schemas.openxmlformats.org/presentationml/2006/main" showMasterSp="0" preserve="1" userDrawn="1">
+<file path=ppt/slideLayouts/slideLayout11.xml><?xml version="1.0" encoding="utf-8"?>
+<p:sldLayout xmlns:a="http://schemas.openxmlformats.org/drawingml/2006/main" xmlns:r="http://schemas.openxmlformats.org/officeDocument/2006/relationships" xmlns:p="http://schemas.openxmlformats.org/presentationml/2006/main" showMasterSp="0" userDrawn="1">
   <p:cSld name="2_제목 슬라이드">
     <p:bg>
       <p:bgRef idx="1002">
@@ -2366,8 +703,8 @@
                   <a:srgbClr val="333333"/>
                 </a:solidFill>
                 <a:effectLst/>
-                <a:latin typeface="+mj-ea"/>
-                <a:ea typeface="+mj-ea"/>
+                <a:latin typeface="나눔바른고딕 Light" panose="020B0603020101020101" pitchFamily="50" charset="-127"/>
+                <a:ea typeface="나눔바른고딕 Light" panose="020B0603020101020101" pitchFamily="50" charset="-127"/>
                 <a:cs typeface="+mn-cs"/>
               </a:defRPr>
             </a:lvl1pPr>
@@ -2444,8 +781,8 @@
         </p:nvSpPr>
         <p:spPr>
           <a:xfrm>
-            <a:off x="819150" y="4648200"/>
-            <a:ext cx="11191875" cy="2015936"/>
+            <a:off x="772365" y="4344860"/>
+            <a:ext cx="11191875" cy="2400657"/>
           </a:xfrm>
           <a:prstGeom prst="rect">
             <a:avLst/>
@@ -2459,28 +796,28 @@
           <a:lstStyle/>
           <a:p>
             <a:r>
-              <a:rPr lang="en-US" altLang="ko-KR" sz="12500" dirty="0" smtClean="0">
+              <a:rPr lang="en-US" altLang="ko-KR" sz="15000" dirty="0" smtClean="0">
                 <a:solidFill>
                   <a:srgbClr val="EEEEEE"/>
                 </a:solidFill>
-                <a:latin typeface="+mj-lt"/>
+                <a:latin typeface="Ostrich Sans Medium" panose="00000500000000000000" pitchFamily="50" charset="0"/>
               </a:rPr>
               <a:t>Data</a:t>
             </a:r>
             <a:r>
-              <a:rPr lang="en-US" altLang="ko-KR" sz="12500" baseline="0" dirty="0" smtClean="0">
+              <a:rPr lang="en-US" altLang="ko-KR" sz="15000" baseline="0" dirty="0" smtClean="0">
                 <a:solidFill>
                   <a:srgbClr val="EEEEEE"/>
                 </a:solidFill>
-                <a:latin typeface="+mj-lt"/>
+                <a:latin typeface="Ostrich Sans Medium" panose="00000500000000000000" pitchFamily="50" charset="0"/>
               </a:rPr>
               <a:t> Structure</a:t>
             </a:r>
-            <a:endParaRPr lang="ko-KR" altLang="en-US" sz="12500" dirty="0">
+            <a:endParaRPr lang="ko-KR" altLang="en-US" sz="15000" dirty="0">
               <a:solidFill>
                 <a:srgbClr val="EEEEEE"/>
               </a:solidFill>
-              <a:latin typeface="+mj-lt"/>
+              <a:latin typeface="Ostrich Sans Medium" panose="00000500000000000000" pitchFamily="50" charset="0"/>
             </a:endParaRPr>
           </a:p>
         </p:txBody>
@@ -2488,7 +825,7 @@
     </p:spTree>
     <p:extLst>
       <p:ext uri="{BB962C8B-B14F-4D97-AF65-F5344CB8AC3E}">
-        <p14:creationId xmlns:p14="http://schemas.microsoft.com/office/powerpoint/2010/main" val="1003797158"/>
+        <p14:creationId xmlns:p14="http://schemas.microsoft.com/office/powerpoint/2010/main" val="2964040457"/>
       </p:ext>
     </p:extLst>
   </p:cSld>
@@ -2505,7 +842,7 @@
 </p:sldLayout>
 </file>
 
-<file path=ppt/slideLayouts/slideLayout4.xml><?xml version="1.0" encoding="utf-8"?>
+<file path=ppt/slideLayouts/slideLayout2.xml><?xml version="1.0" encoding="utf-8"?>
 <p:sldLayout xmlns:a="http://schemas.openxmlformats.org/drawingml/2006/main" xmlns:r="http://schemas.openxmlformats.org/officeDocument/2006/relationships" xmlns:p="http://schemas.openxmlformats.org/presentationml/2006/main" type="obj" preserve="1">
   <p:cSld name="제목 및 내용">
     <p:spTree>
@@ -2613,8 +950,8 @@
           <a:lstStyle/>
           <a:p>
             <a:fld id="{82FF5DD9-2C52-442D-92E2-8072C0C3D7CD}" type="datetimeFigureOut">
-              <a:rPr lang="en-US" dirty="0"/>
-              <a:t>12/2/2014</a:t>
+              <a:rPr lang="en-US" smtClean="0"/>
+              <a:t>12/3/2014</a:t>
             </a:fld>
             <a:endParaRPr lang="en-US" dirty="0"/>
           </a:p>
@@ -2655,7 +992,7 @@
           <a:lstStyle/>
           <a:p>
             <a:fld id="{4FAB73BC-B049-4115-A692-8D63A059BFB8}" type="slidenum">
-              <a:rPr lang="en-US" dirty="0"/>
+              <a:rPr lang="en-US" smtClean="0"/>
               <a:pPr/>
               <a:t>‹#›</a:t>
             </a:fld>
@@ -2664,6 +1001,11 @@
         </p:txBody>
       </p:sp>
     </p:spTree>
+    <p:extLst>
+      <p:ext uri="{BB962C8B-B14F-4D97-AF65-F5344CB8AC3E}">
+        <p14:creationId xmlns:p14="http://schemas.microsoft.com/office/powerpoint/2010/main" val="3197497816"/>
+      </p:ext>
+    </p:extLst>
   </p:cSld>
   <p:clrMapOvr>
     <a:masterClrMapping/>
@@ -2678,587 +1020,7 @@
 </p:sldLayout>
 </file>
 
-<file path=ppt/slideLayouts/slideLayout5.xml><?xml version="1.0" encoding="utf-8"?>
-<p:sldLayout xmlns:a="http://schemas.openxmlformats.org/drawingml/2006/main" xmlns:r="http://schemas.openxmlformats.org/officeDocument/2006/relationships" xmlns:p="http://schemas.openxmlformats.org/presentationml/2006/main" showMasterSp="0" type="secHead" preserve="1">
-  <p:cSld name="구역 머리글">
-    <p:bg>
-      <p:bgRef idx="1002">
-        <a:schemeClr val="bg2"/>
-      </p:bgRef>
-    </p:bg>
-    <p:spTree>
-      <p:nvGrpSpPr>
-        <p:cNvPr id="1" name=""/>
-        <p:cNvGrpSpPr/>
-        <p:nvPr/>
-      </p:nvGrpSpPr>
-      <p:grpSpPr>
-        <a:xfrm>
-          <a:off x="0" y="0"/>
-          <a:ext cx="0" cy="0"/>
-          <a:chOff x="0" y="0"/>
-          <a:chExt cx="0" cy="0"/>
-        </a:xfrm>
-      </p:grpSpPr>
-      <p:sp>
-        <p:nvSpPr>
-          <p:cNvPr id="22" name="Rectangle 21"/>
-          <p:cNvSpPr/>
-          <p:nvPr/>
-        </p:nvSpPr>
-        <p:spPr>
-          <a:xfrm>
-            <a:off x="0" y="0"/>
-            <a:ext cx="12192000" cy="6858000"/>
-          </a:xfrm>
-          <a:prstGeom prst="rect">
-            <a:avLst/>
-          </a:prstGeom>
-          <a:blipFill dpi="0" rotWithShape="1">
-            <a:blip r:embed="rId2">
-              <a:alphaModFix amt="45000"/>
-              <a:duotone>
-                <a:schemeClr val="accent2">
-                  <a:shade val="45000"/>
-                  <a:satMod val="135000"/>
-                </a:schemeClr>
-                <a:prstClr val="white"/>
-              </a:duotone>
-            </a:blip>
-            <a:srcRect/>
-            <a:tile tx="-44450" ty="38100" sx="85000" sy="85000" flip="none" algn="tl"/>
-          </a:blipFill>
-          <a:ln>
-            <a:noFill/>
-          </a:ln>
-        </p:spPr>
-        <p:style>
-          <a:lnRef idx="2">
-            <a:schemeClr val="accent1">
-              <a:shade val="50000"/>
-            </a:schemeClr>
-          </a:lnRef>
-          <a:fillRef idx="1">
-            <a:schemeClr val="accent1"/>
-          </a:fillRef>
-          <a:effectRef idx="0">
-            <a:schemeClr val="accent1"/>
-          </a:effectRef>
-          <a:fontRef idx="minor">
-            <a:schemeClr val="lt1"/>
-          </a:fontRef>
-        </p:style>
-      </p:sp>
-      <p:sp>
-        <p:nvSpPr>
-          <p:cNvPr id="23" name="Rectangle 22"/>
-          <p:cNvSpPr/>
-          <p:nvPr/>
-        </p:nvSpPr>
-        <p:spPr>
-          <a:xfrm>
-            <a:off x="1307870" y="1267730"/>
-            <a:ext cx="9576262" cy="4307950"/>
-          </a:xfrm>
-          <a:prstGeom prst="rect">
-            <a:avLst/>
-          </a:prstGeom>
-          <a:solidFill>
-            <a:schemeClr val="bg1"/>
-          </a:solidFill>
-          <a:ln w="6350" cap="flat" cmpd="sng" algn="ctr">
-            <a:noFill/>
-            <a:prstDash val="solid"/>
-          </a:ln>
-          <a:effectLst>
-            <a:outerShdw blurRad="50800" algn="ctr" rotWithShape="0">
-              <a:prstClr val="black">
-                <a:alpha val="66000"/>
-              </a:prstClr>
-            </a:outerShdw>
-            <a:softEdge rad="0"/>
-          </a:effectLst>
-        </p:spPr>
-      </p:sp>
-      <p:sp>
-        <p:nvSpPr>
-          <p:cNvPr id="24" name="Rectangle 23"/>
-          <p:cNvSpPr/>
-          <p:nvPr/>
-        </p:nvSpPr>
-        <p:spPr>
-          <a:xfrm>
-            <a:off x="1447800" y="1411615"/>
-            <a:ext cx="9296400" cy="4034770"/>
-          </a:xfrm>
-          <a:prstGeom prst="rect">
-            <a:avLst/>
-          </a:prstGeom>
-          <a:noFill/>
-          <a:ln w="6350" cap="sq" cmpd="sng" algn="ctr">
-            <a:solidFill>
-              <a:schemeClr val="tx1">
-                <a:lumMod val="75000"/>
-                <a:lumOff val="25000"/>
-              </a:schemeClr>
-            </a:solidFill>
-            <a:prstDash val="solid"/>
-            <a:miter lim="800000"/>
-          </a:ln>
-          <a:effectLst/>
-        </p:spPr>
-      </p:sp>
-      <p:sp>
-        <p:nvSpPr>
-          <p:cNvPr id="30" name="Rectangle 29"/>
-          <p:cNvSpPr/>
-          <p:nvPr/>
-        </p:nvSpPr>
-        <p:spPr>
-          <a:xfrm>
-            <a:off x="5135880" y="1267730"/>
-            <a:ext cx="1920240" cy="731520"/>
-          </a:xfrm>
-          <a:prstGeom prst="rect">
-            <a:avLst/>
-          </a:prstGeom>
-          <a:solidFill>
-            <a:schemeClr val="bg2"/>
-          </a:solidFill>
-          <a:ln>
-            <a:noFill/>
-          </a:ln>
-        </p:spPr>
-        <p:style>
-          <a:lnRef idx="2">
-            <a:schemeClr val="accent1">
-              <a:shade val="50000"/>
-            </a:schemeClr>
-          </a:lnRef>
-          <a:fillRef idx="1">
-            <a:schemeClr val="accent1"/>
-          </a:fillRef>
-          <a:effectRef idx="0">
-            <a:schemeClr val="accent1"/>
-          </a:effectRef>
-          <a:fontRef idx="minor">
-            <a:schemeClr val="lt1"/>
-          </a:fontRef>
-        </p:style>
-      </p:sp>
-      <p:grpSp>
-        <p:nvGrpSpPr>
-          <p:cNvPr id="31" name="Group 30"/>
-          <p:cNvGrpSpPr/>
-          <p:nvPr/>
-        </p:nvGrpSpPr>
-        <p:grpSpPr>
-          <a:xfrm>
-            <a:off x="5250180" y="1267730"/>
-            <a:ext cx="1691640" cy="645295"/>
-            <a:chOff x="5318306" y="1386268"/>
-            <a:chExt cx="1567331" cy="645295"/>
-          </a:xfrm>
-        </p:grpSpPr>
-        <p:cxnSp>
-          <p:nvCxnSpPr>
-            <p:cNvPr id="32" name="Straight Connector 31"/>
-            <p:cNvCxnSpPr/>
-            <p:nvPr/>
-          </p:nvCxnSpPr>
-          <p:spPr>
-            <a:xfrm>
-              <a:off x="5318306" y="1386268"/>
-              <a:ext cx="0" cy="640080"/>
-            </a:xfrm>
-            <a:prstGeom prst="line">
-              <a:avLst/>
-            </a:prstGeom>
-            <a:solidFill>
-              <a:schemeClr val="tx1">
-                <a:lumMod val="85000"/>
-                <a:lumOff val="15000"/>
-              </a:schemeClr>
-            </a:solidFill>
-            <a:ln>
-              <a:solidFill>
-                <a:schemeClr val="tx1"/>
-              </a:solidFill>
-              <a:miter lim="800000"/>
-            </a:ln>
-          </p:spPr>
-          <p:style>
-            <a:lnRef idx="1">
-              <a:schemeClr val="accent1"/>
-            </a:lnRef>
-            <a:fillRef idx="0">
-              <a:schemeClr val="accent1"/>
-            </a:fillRef>
-            <a:effectRef idx="0">
-              <a:schemeClr val="accent1"/>
-            </a:effectRef>
-            <a:fontRef idx="minor">
-              <a:schemeClr val="tx1"/>
-            </a:fontRef>
-          </p:style>
-        </p:cxnSp>
-        <p:cxnSp>
-          <p:nvCxnSpPr>
-            <p:cNvPr id="33" name="Straight Connector 32"/>
-            <p:cNvCxnSpPr/>
-            <p:nvPr/>
-          </p:nvCxnSpPr>
-          <p:spPr>
-            <a:xfrm>
-              <a:off x="6885637" y="1386268"/>
-              <a:ext cx="0" cy="640080"/>
-            </a:xfrm>
-            <a:prstGeom prst="line">
-              <a:avLst/>
-            </a:prstGeom>
-            <a:solidFill>
-              <a:schemeClr val="tx1">
-                <a:lumMod val="85000"/>
-                <a:lumOff val="15000"/>
-              </a:schemeClr>
-            </a:solidFill>
-            <a:ln>
-              <a:solidFill>
-                <a:schemeClr val="tx1"/>
-              </a:solidFill>
-              <a:miter lim="800000"/>
-            </a:ln>
-          </p:spPr>
-          <p:style>
-            <a:lnRef idx="1">
-              <a:schemeClr val="accent1"/>
-            </a:lnRef>
-            <a:fillRef idx="0">
-              <a:schemeClr val="accent1"/>
-            </a:fillRef>
-            <a:effectRef idx="0">
-              <a:schemeClr val="accent1"/>
-            </a:effectRef>
-            <a:fontRef idx="minor">
-              <a:schemeClr val="tx1"/>
-            </a:fontRef>
-          </p:style>
-        </p:cxnSp>
-        <p:cxnSp>
-          <p:nvCxnSpPr>
-            <p:cNvPr id="34" name="Straight Connector 33"/>
-            <p:cNvCxnSpPr/>
-            <p:nvPr/>
-          </p:nvCxnSpPr>
-          <p:spPr>
-            <a:xfrm>
-              <a:off x="5318306" y="2031563"/>
-              <a:ext cx="1567331" cy="0"/>
-            </a:xfrm>
-            <a:prstGeom prst="line">
-              <a:avLst/>
-            </a:prstGeom>
-            <a:solidFill>
-              <a:schemeClr val="tx1">
-                <a:lumMod val="85000"/>
-                <a:lumOff val="15000"/>
-              </a:schemeClr>
-            </a:solidFill>
-            <a:ln>
-              <a:solidFill>
-                <a:schemeClr val="tx1"/>
-              </a:solidFill>
-              <a:miter lim="800000"/>
-            </a:ln>
-          </p:spPr>
-          <p:style>
-            <a:lnRef idx="1">
-              <a:schemeClr val="accent1"/>
-            </a:lnRef>
-            <a:fillRef idx="0">
-              <a:schemeClr val="accent1"/>
-            </a:fillRef>
-            <a:effectRef idx="0">
-              <a:schemeClr val="accent1"/>
-            </a:effectRef>
-            <a:fontRef idx="minor">
-              <a:schemeClr val="tx1"/>
-            </a:fontRef>
-          </p:style>
-        </p:cxnSp>
-      </p:grpSp>
-      <p:sp>
-        <p:nvSpPr>
-          <p:cNvPr id="2" name="Title 1"/>
-          <p:cNvSpPr>
-            <a:spLocks noGrp="1"/>
-          </p:cNvSpPr>
-          <p:nvPr>
-            <p:ph type="title"/>
-          </p:nvPr>
-        </p:nvSpPr>
-        <p:spPr>
-          <a:xfrm>
-            <a:off x="1563623" y="2094309"/>
-            <a:ext cx="9070848" cy="2587752"/>
-          </a:xfrm>
-        </p:spPr>
-        <p:txBody>
-          <a:bodyPr anchor="ctr">
-            <a:noAutofit/>
-          </a:bodyPr>
-          <a:lstStyle>
-            <a:lvl1pPr algn="ctr">
-              <a:lnSpc>
-                <a:spcPct val="83000"/>
-              </a:lnSpc>
-              <a:defRPr lang="en-US" sz="7200" kern="1200" cap="all" spc="-100" baseline="0" dirty="0">
-                <a:solidFill>
-                  <a:schemeClr val="tx1">
-                    <a:lumMod val="85000"/>
-                    <a:lumOff val="15000"/>
-                  </a:schemeClr>
-                </a:solidFill>
-                <a:effectLst/>
-                <a:latin typeface="+mj-lt"/>
-                <a:ea typeface="+mn-ea"/>
-                <a:cs typeface="+mn-cs"/>
-              </a:defRPr>
-            </a:lvl1pPr>
-          </a:lstStyle>
-          <a:p>
-            <a:r>
-              <a:rPr lang="ko-KR" altLang="en-US" smtClean="0"/>
-              <a:t>마스터 제목 스타일 편집</a:t>
-            </a:r>
-            <a:endParaRPr lang="en-US" dirty="0"/>
-          </a:p>
-        </p:txBody>
-      </p:sp>
-      <p:sp>
-        <p:nvSpPr>
-          <p:cNvPr id="3" name="Text Placeholder 2"/>
-          <p:cNvSpPr>
-            <a:spLocks noGrp="1"/>
-          </p:cNvSpPr>
-          <p:nvPr>
-            <p:ph type="body" idx="1"/>
-          </p:nvPr>
-        </p:nvSpPr>
-        <p:spPr>
-          <a:xfrm>
-            <a:off x="1563624" y="4682062"/>
-            <a:ext cx="9070848" cy="457200"/>
-          </a:xfrm>
-        </p:spPr>
-        <p:txBody>
-          <a:bodyPr anchor="t">
-            <a:normAutofit/>
-          </a:bodyPr>
-          <a:lstStyle>
-            <a:lvl1pPr marL="0" indent="0" algn="ctr">
-              <a:buNone/>
-              <a:defRPr sz="1600">
-                <a:solidFill>
-                  <a:schemeClr val="tx1"/>
-                </a:solidFill>
-                <a:effectLst/>
-              </a:defRPr>
-            </a:lvl1pPr>
-            <a:lvl2pPr marL="457200" indent="0">
-              <a:buNone/>
-              <a:defRPr sz="1600">
-                <a:solidFill>
-                  <a:schemeClr val="tx1">
-                    <a:tint val="75000"/>
-                  </a:schemeClr>
-                </a:solidFill>
-              </a:defRPr>
-            </a:lvl2pPr>
-            <a:lvl3pPr marL="914400" indent="0">
-              <a:buNone/>
-              <a:defRPr sz="1600">
-                <a:solidFill>
-                  <a:schemeClr val="tx1">
-                    <a:tint val="75000"/>
-                  </a:schemeClr>
-                </a:solidFill>
-              </a:defRPr>
-            </a:lvl3pPr>
-            <a:lvl4pPr marL="1371600" indent="0">
-              <a:buNone/>
-              <a:defRPr sz="1400">
-                <a:solidFill>
-                  <a:schemeClr val="tx1">
-                    <a:tint val="75000"/>
-                  </a:schemeClr>
-                </a:solidFill>
-              </a:defRPr>
-            </a:lvl4pPr>
-            <a:lvl5pPr marL="1828800" indent="0">
-              <a:buNone/>
-              <a:defRPr sz="1400">
-                <a:solidFill>
-                  <a:schemeClr val="tx1">
-                    <a:tint val="75000"/>
-                  </a:schemeClr>
-                </a:solidFill>
-              </a:defRPr>
-            </a:lvl5pPr>
-            <a:lvl6pPr marL="2286000" indent="0">
-              <a:buNone/>
-              <a:defRPr sz="1400">
-                <a:solidFill>
-                  <a:schemeClr val="tx1">
-                    <a:tint val="75000"/>
-                  </a:schemeClr>
-                </a:solidFill>
-              </a:defRPr>
-            </a:lvl6pPr>
-            <a:lvl7pPr marL="2743200" indent="0">
-              <a:buNone/>
-              <a:defRPr sz="1400">
-                <a:solidFill>
-                  <a:schemeClr val="tx1">
-                    <a:tint val="75000"/>
-                  </a:schemeClr>
-                </a:solidFill>
-              </a:defRPr>
-            </a:lvl7pPr>
-            <a:lvl8pPr marL="3200400" indent="0">
-              <a:buNone/>
-              <a:defRPr sz="1400">
-                <a:solidFill>
-                  <a:schemeClr val="tx1">
-                    <a:tint val="75000"/>
-                  </a:schemeClr>
-                </a:solidFill>
-              </a:defRPr>
-            </a:lvl8pPr>
-            <a:lvl9pPr marL="3657600" indent="0">
-              <a:buNone/>
-              <a:defRPr sz="1400">
-                <a:solidFill>
-                  <a:schemeClr val="tx1">
-                    <a:tint val="75000"/>
-                  </a:schemeClr>
-                </a:solidFill>
-              </a:defRPr>
-            </a:lvl9pPr>
-          </a:lstStyle>
-          <a:p>
-            <a:pPr lvl="0"/>
-            <a:r>
-              <a:rPr lang="ko-KR" altLang="en-US" smtClean="0"/>
-              <a:t>마스터 텍스트 스타일을 편집합니다</a:t>
-            </a:r>
-          </a:p>
-        </p:txBody>
-      </p:sp>
-      <p:sp>
-        <p:nvSpPr>
-          <p:cNvPr id="4" name="Date Placeholder 3"/>
-          <p:cNvSpPr>
-            <a:spLocks noGrp="1"/>
-          </p:cNvSpPr>
-          <p:nvPr>
-            <p:ph type="dt" sz="half" idx="10"/>
-          </p:nvPr>
-        </p:nvSpPr>
-        <p:spPr>
-          <a:xfrm>
-            <a:off x="5321808" y="1344502"/>
-            <a:ext cx="1554480" cy="530352"/>
-          </a:xfrm>
-        </p:spPr>
-        <p:txBody>
-          <a:bodyPr/>
-          <a:lstStyle>
-            <a:lvl1pPr algn="ctr">
-              <a:defRPr lang="en-US" sz="1300" kern="1200" spc="0" baseline="0">
-                <a:solidFill>
-                  <a:schemeClr val="tx1"/>
-                </a:solidFill>
-                <a:latin typeface="+mn-lt"/>
-                <a:ea typeface="+mn-ea"/>
-                <a:cs typeface="+mn-cs"/>
-              </a:defRPr>
-            </a:lvl1pPr>
-          </a:lstStyle>
-          <a:p>
-            <a:fld id="{C44961B7-6B89-48AB-966F-622E2788EECC}" type="datetimeFigureOut">
-              <a:rPr lang="en-US" dirty="0"/>
-              <a:t>12/2/2014</a:t>
-            </a:fld>
-            <a:endParaRPr lang="en-US" dirty="0"/>
-          </a:p>
-        </p:txBody>
-      </p:sp>
-      <p:sp>
-        <p:nvSpPr>
-          <p:cNvPr id="5" name="Footer Placeholder 4"/>
-          <p:cNvSpPr>
-            <a:spLocks noGrp="1"/>
-          </p:cNvSpPr>
-          <p:nvPr>
-            <p:ph type="ftr" sz="quarter" idx="11"/>
-          </p:nvPr>
-        </p:nvSpPr>
-        <p:spPr>
-          <a:xfrm>
-            <a:off x="1453553" y="5211060"/>
-            <a:ext cx="5907024" cy="228600"/>
-          </a:xfrm>
-        </p:spPr>
-        <p:txBody>
-          <a:bodyPr/>
-          <a:lstStyle>
-            <a:lvl1pPr algn="l">
-              <a:defRPr/>
-            </a:lvl1pPr>
-          </a:lstStyle>
-          <a:p>
-            <a:endParaRPr lang="en-US" dirty="0"/>
-          </a:p>
-        </p:txBody>
-      </p:sp>
-      <p:sp>
-        <p:nvSpPr>
-          <p:cNvPr id="6" name="Slide Number Placeholder 5"/>
-          <p:cNvSpPr>
-            <a:spLocks noGrp="1"/>
-          </p:cNvSpPr>
-          <p:nvPr>
-            <p:ph type="sldNum" sz="quarter" idx="12"/>
-          </p:nvPr>
-        </p:nvSpPr>
-        <p:spPr>
-          <a:xfrm>
-            <a:off x="8604504" y="5211060"/>
-            <a:ext cx="2112264" cy="228600"/>
-          </a:xfrm>
-        </p:spPr>
-        <p:txBody>
-          <a:bodyPr/>
-          <a:lstStyle/>
-          <a:p>
-            <a:fld id="{4FAB73BC-B049-4115-A692-8D63A059BFB8}" type="slidenum">
-              <a:rPr lang="en-US" dirty="0"/>
-              <a:t>‹#›</a:t>
-            </a:fld>
-            <a:endParaRPr lang="en-US" dirty="0"/>
-          </a:p>
-        </p:txBody>
-      </p:sp>
-    </p:spTree>
-  </p:cSld>
-  <p:clrMapOvr>
-    <a:overrideClrMapping bg1="lt1" tx1="dk1" bg2="lt2" tx2="dk2" accent1="accent1" accent2="accent2" accent3="accent3" accent4="accent4" accent5="accent5" accent6="accent6" hlink="hlink" folHlink="folHlink"/>
-  </p:clrMapOvr>
-</p:sldLayout>
-</file>
-
-<file path=ppt/slideLayouts/slideLayout6.xml><?xml version="1.0" encoding="utf-8"?>
+<file path=ppt/slideLayouts/slideLayout3.xml><?xml version="1.0" encoding="utf-8"?>
 <p:sldLayout xmlns:a="http://schemas.openxmlformats.org/drawingml/2006/main" xmlns:r="http://schemas.openxmlformats.org/officeDocument/2006/relationships" xmlns:p="http://schemas.openxmlformats.org/presentationml/2006/main" type="twoObj" preserve="1">
   <p:cSld name="콘텐츠 2개">
     <p:spTree>
@@ -3484,8 +1246,8 @@
           <a:lstStyle/>
           <a:p>
             <a:fld id="{DBD3D6FB-79CC-4683-A046-BBE785BA1BED}" type="datetimeFigureOut">
-              <a:rPr lang="en-US" dirty="0"/>
-              <a:t>12/2/2014</a:t>
+              <a:rPr lang="en-US" smtClean="0"/>
+              <a:t>12/3/2014</a:t>
             </a:fld>
             <a:endParaRPr lang="en-US" dirty="0"/>
           </a:p>
@@ -3526,7 +1288,7 @@
           <a:lstStyle/>
           <a:p>
             <a:fld id="{4FAB73BC-B049-4115-A692-8D63A059BFB8}" type="slidenum">
-              <a:rPr lang="en-US" dirty="0"/>
+              <a:rPr lang="en-US" smtClean="0"/>
               <a:t>‹#›</a:t>
             </a:fld>
             <a:endParaRPr lang="en-US" dirty="0"/>
@@ -3534,14 +1296,26 @@
         </p:txBody>
       </p:sp>
     </p:spTree>
+    <p:extLst>
+      <p:ext uri="{BB962C8B-B14F-4D97-AF65-F5344CB8AC3E}">
+        <p14:creationId xmlns:p14="http://schemas.microsoft.com/office/powerpoint/2010/main" val="3879080345"/>
+      </p:ext>
+    </p:extLst>
   </p:cSld>
   <p:clrMapOvr>
     <a:masterClrMapping/>
   </p:clrMapOvr>
+  <p:timing>
+    <p:tnLst>
+      <p:par>
+        <p:cTn id="1" dur="indefinite" restart="never" nodeType="tmRoot"/>
+      </p:par>
+    </p:tnLst>
+  </p:timing>
 </p:sldLayout>
 </file>
 
-<file path=ppt/slideLayouts/slideLayout7.xml><?xml version="1.0" encoding="utf-8"?>
+<file path=ppt/slideLayouts/slideLayout4.xml><?xml version="1.0" encoding="utf-8"?>
 <p:sldLayout xmlns:a="http://schemas.openxmlformats.org/drawingml/2006/main" xmlns:r="http://schemas.openxmlformats.org/officeDocument/2006/relationships" xmlns:p="http://schemas.openxmlformats.org/presentationml/2006/main" type="twoTxTwoObj" preserve="1">
   <p:cSld name="비교">
     <p:spTree>
@@ -3916,8 +1690,8 @@
           <a:lstStyle/>
           <a:p>
             <a:fld id="{9512B3E8-48F1-4B23-8498-D8A04A81EC9C}" type="datetimeFigureOut">
-              <a:rPr lang="en-US" dirty="0"/>
-              <a:t>12/2/2014</a:t>
+              <a:rPr lang="en-US" smtClean="0"/>
+              <a:t>12/3/2014</a:t>
             </a:fld>
             <a:endParaRPr lang="en-US" dirty="0"/>
           </a:p>
@@ -3958,7 +1732,7 @@
           <a:lstStyle/>
           <a:p>
             <a:fld id="{4FAB73BC-B049-4115-A692-8D63A059BFB8}" type="slidenum">
-              <a:rPr lang="en-US" dirty="0"/>
+              <a:rPr lang="en-US" smtClean="0"/>
               <a:t>‹#›</a:t>
             </a:fld>
             <a:endParaRPr lang="en-US" dirty="0"/>
@@ -3966,6 +1740,11 @@
         </p:txBody>
       </p:sp>
     </p:spTree>
+    <p:extLst>
+      <p:ext uri="{BB962C8B-B14F-4D97-AF65-F5344CB8AC3E}">
+        <p14:creationId xmlns:p14="http://schemas.microsoft.com/office/powerpoint/2010/main" val="1202585680"/>
+      </p:ext>
+    </p:extLst>
   </p:cSld>
   <p:clrMapOvr>
     <a:masterClrMapping/>
@@ -3973,7 +1752,7 @@
 </p:sldLayout>
 </file>
 
-<file path=ppt/slideLayouts/slideLayout8.xml><?xml version="1.0" encoding="utf-8"?>
+<file path=ppt/slideLayouts/slideLayout5.xml><?xml version="1.0" encoding="utf-8"?>
 <p:sldLayout xmlns:a="http://schemas.openxmlformats.org/drawingml/2006/main" xmlns:r="http://schemas.openxmlformats.org/officeDocument/2006/relationships" xmlns:p="http://schemas.openxmlformats.org/presentationml/2006/main" type="titleOnly" preserve="1">
   <p:cSld name="제목만">
     <p:spTree>
@@ -4029,8 +1808,8 @@
           <a:lstStyle/>
           <a:p>
             <a:fld id="{10B90D90-AA62-404D-A741-635B4370F9CB}" type="datetimeFigureOut">
-              <a:rPr lang="en-US" dirty="0"/>
-              <a:t>12/2/2014</a:t>
+              <a:rPr lang="en-US" smtClean="0"/>
+              <a:t>12/3/2014</a:t>
             </a:fld>
             <a:endParaRPr lang="en-US" dirty="0"/>
           </a:p>
@@ -4071,7 +1850,7 @@
           <a:lstStyle/>
           <a:p>
             <a:fld id="{4FAB73BC-B049-4115-A692-8D63A059BFB8}" type="slidenum">
-              <a:rPr lang="en-US" dirty="0"/>
+              <a:rPr lang="en-US" smtClean="0"/>
               <a:t>‹#›</a:t>
             </a:fld>
             <a:endParaRPr lang="en-US" dirty="0"/>
@@ -4079,6 +1858,11 @@
         </p:txBody>
       </p:sp>
     </p:spTree>
+    <p:extLst>
+      <p:ext uri="{BB962C8B-B14F-4D97-AF65-F5344CB8AC3E}">
+        <p14:creationId xmlns:p14="http://schemas.microsoft.com/office/powerpoint/2010/main" val="9886800"/>
+      </p:ext>
+    </p:extLst>
   </p:cSld>
   <p:clrMapOvr>
     <a:masterClrMapping/>
@@ -4086,7 +1870,7 @@
 </p:sldLayout>
 </file>
 
-<file path=ppt/slideLayouts/slideLayout9.xml><?xml version="1.0" encoding="utf-8"?>
+<file path=ppt/slideLayouts/slideLayout6.xml><?xml version="1.0" encoding="utf-8"?>
 <p:sldLayout xmlns:a="http://schemas.openxmlformats.org/drawingml/2006/main" xmlns:r="http://schemas.openxmlformats.org/officeDocument/2006/relationships" xmlns:p="http://schemas.openxmlformats.org/presentationml/2006/main" type="blank" preserve="1">
   <p:cSld name="빈 화면">
     <p:spTree>
@@ -4119,8 +1903,8 @@
           <a:lstStyle/>
           <a:p>
             <a:fld id="{A57002E4-6836-46D1-9DBB-3C27C0DD3A89}" type="datetimeFigureOut">
-              <a:rPr lang="en-US" dirty="0"/>
-              <a:t>12/2/2014</a:t>
+              <a:rPr lang="en-US" smtClean="0"/>
+              <a:t>12/3/2014</a:t>
             </a:fld>
             <a:endParaRPr lang="en-US" dirty="0"/>
           </a:p>
@@ -4161,7 +1945,7 @@
           <a:lstStyle/>
           <a:p>
             <a:fld id="{4FAB73BC-B049-4115-A692-8D63A059BFB8}" type="slidenum">
-              <a:rPr lang="en-US" dirty="0"/>
+              <a:rPr lang="en-US" smtClean="0"/>
               <a:t>‹#›</a:t>
             </a:fld>
             <a:endParaRPr lang="en-US" dirty="0"/>
@@ -4169,6 +1953,11 @@
         </p:txBody>
       </p:sp>
     </p:spTree>
+    <p:extLst>
+      <p:ext uri="{BB962C8B-B14F-4D97-AF65-F5344CB8AC3E}">
+        <p14:creationId xmlns:p14="http://schemas.microsoft.com/office/powerpoint/2010/main" val="3072672734"/>
+      </p:ext>
+    </p:extLst>
   </p:cSld>
   <p:clrMapOvr>
     <a:masterClrMapping/>
@@ -4180,6 +1969,1024 @@
       </p:par>
     </p:tnLst>
   </p:timing>
+</p:sldLayout>
+</file>
+
+<file path=ppt/slideLayouts/slideLayout7.xml><?xml version="1.0" encoding="utf-8"?>
+<p:sldLayout xmlns:a="http://schemas.openxmlformats.org/drawingml/2006/main" xmlns:r="http://schemas.openxmlformats.org/officeDocument/2006/relationships" xmlns:p="http://schemas.openxmlformats.org/presentationml/2006/main" showMasterSp="0" type="objTx" preserve="1">
+  <p:cSld name="캡션 있는 콘텐츠">
+    <p:spTree>
+      <p:nvGrpSpPr>
+        <p:cNvPr id="1" name=""/>
+        <p:cNvGrpSpPr/>
+        <p:nvPr/>
+      </p:nvGrpSpPr>
+      <p:grpSpPr>
+        <a:xfrm>
+          <a:off x="0" y="0"/>
+          <a:ext cx="0" cy="0"/>
+          <a:chOff x="0" y="0"/>
+          <a:chExt cx="0" cy="0"/>
+        </a:xfrm>
+      </p:grpSpPr>
+      <p:sp>
+        <p:nvSpPr>
+          <p:cNvPr id="16" name="Rectangle 15"/>
+          <p:cNvSpPr/>
+          <p:nvPr/>
+        </p:nvSpPr>
+        <p:spPr>
+          <a:xfrm>
+            <a:off x="245529" y="237744"/>
+            <a:ext cx="8531352" cy="6382512"/>
+          </a:xfrm>
+          <a:prstGeom prst="rect">
+            <a:avLst/>
+          </a:prstGeom>
+          <a:solidFill>
+            <a:schemeClr val="bg2"/>
+          </a:solidFill>
+          <a:ln>
+            <a:noFill/>
+          </a:ln>
+        </p:spPr>
+        <p:style>
+          <a:lnRef idx="2">
+            <a:schemeClr val="accent1">
+              <a:shade val="50000"/>
+            </a:schemeClr>
+          </a:lnRef>
+          <a:fillRef idx="1">
+            <a:schemeClr val="accent1"/>
+          </a:fillRef>
+          <a:effectRef idx="0">
+            <a:schemeClr val="accent1"/>
+          </a:effectRef>
+          <a:fontRef idx="minor">
+            <a:schemeClr val="lt1"/>
+          </a:fontRef>
+        </p:style>
+      </p:sp>
+      <p:sp>
+        <p:nvSpPr>
+          <p:cNvPr id="15" name="Rectangle 14"/>
+          <p:cNvSpPr/>
+          <p:nvPr/>
+        </p:nvSpPr>
+        <p:spPr>
+          <a:xfrm>
+            <a:off x="9020386" y="237744"/>
+            <a:ext cx="2926080" cy="6382512"/>
+          </a:xfrm>
+          <a:prstGeom prst="rect">
+            <a:avLst/>
+          </a:prstGeom>
+          <a:solidFill>
+            <a:schemeClr val="accent1"/>
+          </a:solidFill>
+          <a:ln>
+            <a:noFill/>
+          </a:ln>
+        </p:spPr>
+        <p:style>
+          <a:lnRef idx="2">
+            <a:schemeClr val="accent1">
+              <a:shade val="50000"/>
+            </a:schemeClr>
+          </a:lnRef>
+          <a:fillRef idx="1">
+            <a:schemeClr val="accent1"/>
+          </a:fillRef>
+          <a:effectRef idx="0">
+            <a:schemeClr val="accent1"/>
+          </a:effectRef>
+          <a:fontRef idx="minor">
+            <a:schemeClr val="lt1"/>
+          </a:fontRef>
+        </p:style>
+      </p:sp>
+      <p:sp>
+        <p:nvSpPr>
+          <p:cNvPr id="2" name="Title 1"/>
+          <p:cNvSpPr>
+            <a:spLocks noGrp="1"/>
+          </p:cNvSpPr>
+          <p:nvPr>
+            <p:ph type="title"/>
+          </p:nvPr>
+        </p:nvSpPr>
+        <p:spPr>
+          <a:xfrm>
+            <a:off x="9296400" y="607392"/>
+            <a:ext cx="2430780" cy="1645920"/>
+          </a:xfrm>
+        </p:spPr>
+        <p:txBody>
+          <a:bodyPr anchor="b">
+            <a:normAutofit/>
+          </a:bodyPr>
+          <a:lstStyle>
+            <a:lvl1pPr algn="l" defTabSz="914400" rtl="0" eaLnBrk="1" latinLnBrk="0" hangingPunct="1">
+              <a:lnSpc>
+                <a:spcPct val="90000"/>
+              </a:lnSpc>
+              <a:spcBef>
+                <a:spcPct val="0"/>
+              </a:spcBef>
+              <a:buNone/>
+              <a:defRPr lang="en-US" sz="2800" b="0" kern="1200" cap="none" spc="0" baseline="0" dirty="0">
+                <a:solidFill>
+                  <a:srgbClr val="FFFFFF"/>
+                </a:solidFill>
+                <a:effectLst/>
+                <a:latin typeface="+mj-lt"/>
+                <a:ea typeface="+mn-ea"/>
+                <a:cs typeface="+mn-cs"/>
+              </a:defRPr>
+            </a:lvl1pPr>
+          </a:lstStyle>
+          <a:p>
+            <a:r>
+              <a:rPr lang="ko-KR" altLang="en-US" smtClean="0"/>
+              <a:t>마스터 제목 스타일 편집</a:t>
+            </a:r>
+            <a:endParaRPr lang="en-US" dirty="0"/>
+          </a:p>
+        </p:txBody>
+      </p:sp>
+      <p:sp>
+        <p:nvSpPr>
+          <p:cNvPr id="3" name="Content Placeholder 2"/>
+          <p:cNvSpPr>
+            <a:spLocks noGrp="1"/>
+          </p:cNvSpPr>
+          <p:nvPr>
+            <p:ph idx="1"/>
+          </p:nvPr>
+        </p:nvSpPr>
+        <p:spPr>
+          <a:xfrm>
+            <a:off x="685800" y="609600"/>
+            <a:ext cx="7772400" cy="5334000"/>
+          </a:xfrm>
+        </p:spPr>
+        <p:txBody>
+          <a:bodyPr/>
+          <a:lstStyle>
+            <a:lvl1pPr>
+              <a:defRPr sz="1800"/>
+            </a:lvl1pPr>
+            <a:lvl2pPr>
+              <a:defRPr sz="1600"/>
+            </a:lvl2pPr>
+            <a:lvl3pPr>
+              <a:defRPr sz="1400"/>
+            </a:lvl3pPr>
+            <a:lvl4pPr>
+              <a:defRPr sz="1400"/>
+            </a:lvl4pPr>
+            <a:lvl5pPr>
+              <a:defRPr sz="1400"/>
+            </a:lvl5pPr>
+            <a:lvl6pPr>
+              <a:defRPr sz="1400"/>
+            </a:lvl6pPr>
+            <a:lvl7pPr>
+              <a:defRPr sz="1400"/>
+            </a:lvl7pPr>
+            <a:lvl8pPr>
+              <a:defRPr sz="1400"/>
+            </a:lvl8pPr>
+            <a:lvl9pPr>
+              <a:defRPr sz="1400"/>
+            </a:lvl9pPr>
+          </a:lstStyle>
+          <a:p>
+            <a:pPr lvl="0"/>
+            <a:r>
+              <a:rPr lang="ko-KR" altLang="en-US" smtClean="0"/>
+              <a:t>마스터 텍스트 스타일을 편집합니다</a:t>
+            </a:r>
+          </a:p>
+          <a:p>
+            <a:pPr lvl="1"/>
+            <a:r>
+              <a:rPr lang="ko-KR" altLang="en-US" smtClean="0"/>
+              <a:t>둘째 수준</a:t>
+            </a:r>
+          </a:p>
+          <a:p>
+            <a:pPr lvl="2"/>
+            <a:r>
+              <a:rPr lang="ko-KR" altLang="en-US" smtClean="0"/>
+              <a:t>셋째 수준</a:t>
+            </a:r>
+          </a:p>
+          <a:p>
+            <a:pPr lvl="3"/>
+            <a:r>
+              <a:rPr lang="ko-KR" altLang="en-US" smtClean="0"/>
+              <a:t>넷째 수준</a:t>
+            </a:r>
+          </a:p>
+          <a:p>
+            <a:pPr lvl="4"/>
+            <a:r>
+              <a:rPr lang="ko-KR" altLang="en-US" smtClean="0"/>
+              <a:t>다섯째 수준</a:t>
+            </a:r>
+            <a:endParaRPr lang="en-US" dirty="0"/>
+          </a:p>
+        </p:txBody>
+      </p:sp>
+      <p:sp>
+        <p:nvSpPr>
+          <p:cNvPr id="4" name="Text Placeholder 3"/>
+          <p:cNvSpPr>
+            <a:spLocks noGrp="1"/>
+          </p:cNvSpPr>
+          <p:nvPr>
+            <p:ph type="body" sz="half" idx="2"/>
+          </p:nvPr>
+        </p:nvSpPr>
+        <p:spPr>
+          <a:xfrm>
+            <a:off x="9296400" y="2286000"/>
+            <a:ext cx="2430780" cy="3505200"/>
+          </a:xfrm>
+        </p:spPr>
+        <p:txBody>
+          <a:bodyPr>
+            <a:normAutofit/>
+          </a:bodyPr>
+          <a:lstStyle>
+            <a:lvl1pPr marL="0" indent="0">
+              <a:lnSpc>
+                <a:spcPct val="110000"/>
+              </a:lnSpc>
+              <a:spcBef>
+                <a:spcPts val="800"/>
+              </a:spcBef>
+              <a:buNone/>
+              <a:defRPr sz="1400">
+                <a:solidFill>
+                  <a:srgbClr val="FFFFFF"/>
+                </a:solidFill>
+              </a:defRPr>
+            </a:lvl1pPr>
+            <a:lvl2pPr marL="457200" indent="0">
+              <a:buNone/>
+              <a:defRPr sz="1200"/>
+            </a:lvl2pPr>
+            <a:lvl3pPr marL="914400" indent="0">
+              <a:buNone/>
+              <a:defRPr sz="1000"/>
+            </a:lvl3pPr>
+            <a:lvl4pPr marL="1371600" indent="0">
+              <a:buNone/>
+              <a:defRPr sz="900"/>
+            </a:lvl4pPr>
+            <a:lvl5pPr marL="1828800" indent="0">
+              <a:buNone/>
+              <a:defRPr sz="900"/>
+            </a:lvl5pPr>
+            <a:lvl6pPr marL="2286000" indent="0">
+              <a:buNone/>
+              <a:defRPr sz="900"/>
+            </a:lvl6pPr>
+            <a:lvl7pPr marL="2743200" indent="0">
+              <a:buNone/>
+              <a:defRPr sz="900"/>
+            </a:lvl7pPr>
+            <a:lvl8pPr marL="3200400" indent="0">
+              <a:buNone/>
+              <a:defRPr sz="900"/>
+            </a:lvl8pPr>
+            <a:lvl9pPr marL="3657600" indent="0">
+              <a:buNone/>
+              <a:defRPr sz="900"/>
+            </a:lvl9pPr>
+          </a:lstStyle>
+          <a:p>
+            <a:pPr lvl="0"/>
+            <a:r>
+              <a:rPr lang="ko-KR" altLang="en-US" smtClean="0"/>
+              <a:t>마스터 텍스트 스타일을 편집합니다</a:t>
+            </a:r>
+          </a:p>
+        </p:txBody>
+      </p:sp>
+      <p:sp>
+        <p:nvSpPr>
+          <p:cNvPr id="8" name="Date Placeholder 7"/>
+          <p:cNvSpPr>
+            <a:spLocks noGrp="1"/>
+          </p:cNvSpPr>
+          <p:nvPr>
+            <p:ph type="dt" sz="half" idx="10"/>
+          </p:nvPr>
+        </p:nvSpPr>
+        <p:spPr/>
+        <p:txBody>
+          <a:bodyPr/>
+          <a:lstStyle/>
+          <a:p>
+            <a:fld id="{1CF131DD-A141-4471-BCF9-C6073EDD7E20}" type="datetimeFigureOut">
+              <a:rPr lang="en-US" smtClean="0"/>
+              <a:t>12/3/2014</a:t>
+            </a:fld>
+            <a:endParaRPr lang="en-US" dirty="0"/>
+          </a:p>
+        </p:txBody>
+      </p:sp>
+      <p:sp>
+        <p:nvSpPr>
+          <p:cNvPr id="9" name="Footer Placeholder 8"/>
+          <p:cNvSpPr>
+            <a:spLocks noGrp="1"/>
+          </p:cNvSpPr>
+          <p:nvPr>
+            <p:ph type="ftr" sz="quarter" idx="11"/>
+          </p:nvPr>
+        </p:nvSpPr>
+        <p:spPr/>
+        <p:txBody>
+          <a:bodyPr/>
+          <a:lstStyle>
+            <a:lvl1pPr algn="r">
+              <a:defRPr/>
+            </a:lvl1pPr>
+          </a:lstStyle>
+          <a:p>
+            <a:endParaRPr lang="en-US" dirty="0"/>
+          </a:p>
+        </p:txBody>
+      </p:sp>
+      <p:sp>
+        <p:nvSpPr>
+          <p:cNvPr id="11" name="Slide Number Placeholder 10"/>
+          <p:cNvSpPr>
+            <a:spLocks noGrp="1"/>
+          </p:cNvSpPr>
+          <p:nvPr>
+            <p:ph type="sldNum" sz="quarter" idx="12"/>
+          </p:nvPr>
+        </p:nvSpPr>
+        <p:spPr>
+          <a:xfrm>
+            <a:off x="10393677" y="6223002"/>
+            <a:ext cx="1463040" cy="274320"/>
+          </a:xfrm>
+        </p:spPr>
+        <p:txBody>
+          <a:bodyPr/>
+          <a:lstStyle>
+            <a:lvl1pPr>
+              <a:defRPr>
+                <a:solidFill>
+                  <a:srgbClr val="FFFFFF"/>
+                </a:solidFill>
+              </a:defRPr>
+            </a:lvl1pPr>
+          </a:lstStyle>
+          <a:p>
+            <a:fld id="{4FAB73BC-B049-4115-A692-8D63A059BFB8}" type="slidenum">
+              <a:rPr lang="en-US" smtClean="0"/>
+              <a:pPr/>
+              <a:t>‹#›</a:t>
+            </a:fld>
+            <a:endParaRPr lang="en-US" dirty="0"/>
+          </a:p>
+        </p:txBody>
+      </p:sp>
+      <p:sp>
+        <p:nvSpPr>
+          <p:cNvPr id="12" name="Rectangle 11"/>
+          <p:cNvSpPr/>
+          <p:nvPr/>
+        </p:nvSpPr>
+        <p:spPr>
+          <a:xfrm>
+            <a:off x="9157546" y="374904"/>
+            <a:ext cx="2651760" cy="6108192"/>
+          </a:xfrm>
+          <a:prstGeom prst="rect">
+            <a:avLst/>
+          </a:prstGeom>
+          <a:noFill/>
+          <a:ln w="6350" cap="sq">
+            <a:solidFill>
+              <a:srgbClr val="FFFFFF"/>
+            </a:solidFill>
+            <a:miter lim="800000"/>
+          </a:ln>
+        </p:spPr>
+        <p:style>
+          <a:lnRef idx="2">
+            <a:schemeClr val="accent1">
+              <a:shade val="50000"/>
+            </a:schemeClr>
+          </a:lnRef>
+          <a:fillRef idx="1">
+            <a:schemeClr val="accent1"/>
+          </a:fillRef>
+          <a:effectRef idx="0">
+            <a:schemeClr val="accent1"/>
+          </a:effectRef>
+          <a:fontRef idx="minor">
+            <a:schemeClr val="lt1"/>
+          </a:fontRef>
+        </p:style>
+      </p:sp>
+    </p:spTree>
+    <p:extLst>
+      <p:ext uri="{BB962C8B-B14F-4D97-AF65-F5344CB8AC3E}">
+        <p14:creationId xmlns:p14="http://schemas.microsoft.com/office/powerpoint/2010/main" val="3752912846"/>
+      </p:ext>
+    </p:extLst>
+  </p:cSld>
+  <p:clrMapOvr>
+    <a:masterClrMapping/>
+  </p:clrMapOvr>
+</p:sldLayout>
+</file>
+
+<file path=ppt/slideLayouts/slideLayout8.xml><?xml version="1.0" encoding="utf-8"?>
+<p:sldLayout xmlns:a="http://schemas.openxmlformats.org/drawingml/2006/main" xmlns:r="http://schemas.openxmlformats.org/officeDocument/2006/relationships" xmlns:p="http://schemas.openxmlformats.org/presentationml/2006/main" showMasterSp="0" type="picTx" preserve="1">
+  <p:cSld name="캡션 있는 그림">
+    <p:spTree>
+      <p:nvGrpSpPr>
+        <p:cNvPr id="1" name=""/>
+        <p:cNvGrpSpPr/>
+        <p:nvPr/>
+      </p:nvGrpSpPr>
+      <p:grpSpPr>
+        <a:xfrm>
+          <a:off x="0" y="0"/>
+          <a:ext cx="0" cy="0"/>
+          <a:chOff x="0" y="0"/>
+          <a:chExt cx="0" cy="0"/>
+        </a:xfrm>
+      </p:grpSpPr>
+      <p:sp>
+        <p:nvSpPr>
+          <p:cNvPr id="14" name="Rectangle 13"/>
+          <p:cNvSpPr/>
+          <p:nvPr/>
+        </p:nvSpPr>
+        <p:spPr>
+          <a:xfrm>
+            <a:off x="9020386" y="237744"/>
+            <a:ext cx="2926080" cy="6382512"/>
+          </a:xfrm>
+          <a:prstGeom prst="rect">
+            <a:avLst/>
+          </a:prstGeom>
+          <a:solidFill>
+            <a:schemeClr val="accent1"/>
+          </a:solidFill>
+          <a:ln>
+            <a:noFill/>
+          </a:ln>
+        </p:spPr>
+        <p:style>
+          <a:lnRef idx="2">
+            <a:schemeClr val="accent1">
+              <a:shade val="50000"/>
+            </a:schemeClr>
+          </a:lnRef>
+          <a:fillRef idx="1">
+            <a:schemeClr val="accent1"/>
+          </a:fillRef>
+          <a:effectRef idx="0">
+            <a:schemeClr val="accent1"/>
+          </a:effectRef>
+          <a:fontRef idx="minor">
+            <a:schemeClr val="lt1"/>
+          </a:fontRef>
+        </p:style>
+      </p:sp>
+      <p:sp>
+        <p:nvSpPr>
+          <p:cNvPr id="2" name="Title 1"/>
+          <p:cNvSpPr>
+            <a:spLocks noGrp="1"/>
+          </p:cNvSpPr>
+          <p:nvPr>
+            <p:ph type="title"/>
+          </p:nvPr>
+        </p:nvSpPr>
+        <p:spPr>
+          <a:xfrm>
+            <a:off x="9296400" y="603504"/>
+            <a:ext cx="2432304" cy="1645920"/>
+          </a:xfrm>
+        </p:spPr>
+        <p:txBody>
+          <a:bodyPr anchor="b">
+            <a:noAutofit/>
+          </a:bodyPr>
+          <a:lstStyle>
+            <a:lvl1pPr algn="l">
+              <a:defRPr sz="2800" b="0">
+                <a:solidFill>
+                  <a:srgbClr val="FFFFFF"/>
+                </a:solidFill>
+                <a:latin typeface="+mj-lt"/>
+              </a:defRPr>
+            </a:lvl1pPr>
+          </a:lstStyle>
+          <a:p>
+            <a:r>
+              <a:rPr lang="ko-KR" altLang="en-US" smtClean="0"/>
+              <a:t>마스터 제목 스타일 편집</a:t>
+            </a:r>
+            <a:endParaRPr lang="en-US" dirty="0"/>
+          </a:p>
+        </p:txBody>
+      </p:sp>
+      <p:sp>
+        <p:nvSpPr>
+          <p:cNvPr id="3" name="Picture Placeholder 2"/>
+          <p:cNvSpPr>
+            <a:spLocks noGrp="1" noChangeAspect="1"/>
+          </p:cNvSpPr>
+          <p:nvPr>
+            <p:ph type="pic" idx="1"/>
+          </p:nvPr>
+        </p:nvSpPr>
+        <p:spPr>
+          <a:xfrm>
+            <a:off x="228599" y="237744"/>
+            <a:ext cx="8531352" cy="6382512"/>
+          </a:xfrm>
+          <a:solidFill>
+            <a:schemeClr val="accent1">
+              <a:lumMod val="60000"/>
+              <a:lumOff val="40000"/>
+            </a:schemeClr>
+          </a:solidFill>
+          <a:ln>
+            <a:noFill/>
+          </a:ln>
+        </p:spPr>
+        <p:txBody>
+          <a:bodyPr anchor="t"/>
+          <a:lstStyle>
+            <a:lvl1pPr marL="0" indent="0">
+              <a:buNone/>
+              <a:defRPr sz="3200"/>
+            </a:lvl1pPr>
+            <a:lvl2pPr marL="457200" indent="0">
+              <a:buNone/>
+              <a:defRPr sz="2800"/>
+            </a:lvl2pPr>
+            <a:lvl3pPr marL="914400" indent="0">
+              <a:buNone/>
+              <a:defRPr sz="2400"/>
+            </a:lvl3pPr>
+            <a:lvl4pPr marL="1371600" indent="0">
+              <a:buNone/>
+              <a:defRPr sz="2000"/>
+            </a:lvl4pPr>
+            <a:lvl5pPr marL="1828800" indent="0">
+              <a:buNone/>
+              <a:defRPr sz="2000"/>
+            </a:lvl5pPr>
+            <a:lvl6pPr marL="2286000" indent="0">
+              <a:buNone/>
+              <a:defRPr sz="2000"/>
+            </a:lvl6pPr>
+            <a:lvl7pPr marL="2743200" indent="0">
+              <a:buNone/>
+              <a:defRPr sz="2000"/>
+            </a:lvl7pPr>
+            <a:lvl8pPr marL="3200400" indent="0">
+              <a:buNone/>
+              <a:defRPr sz="2000"/>
+            </a:lvl8pPr>
+            <a:lvl9pPr marL="3657600" indent="0">
+              <a:buNone/>
+              <a:defRPr sz="2000"/>
+            </a:lvl9pPr>
+          </a:lstStyle>
+          <a:p>
+            <a:r>
+              <a:rPr lang="ko-KR" altLang="en-US" smtClean="0"/>
+              <a:t>그림을 추가하려면 아이콘을 클릭하십시오</a:t>
+            </a:r>
+            <a:endParaRPr lang="en-US" dirty="0"/>
+          </a:p>
+        </p:txBody>
+      </p:sp>
+      <p:sp>
+        <p:nvSpPr>
+          <p:cNvPr id="4" name="Text Placeholder 3"/>
+          <p:cNvSpPr>
+            <a:spLocks noGrp="1"/>
+          </p:cNvSpPr>
+          <p:nvPr>
+            <p:ph type="body" sz="half" idx="2"/>
+          </p:nvPr>
+        </p:nvSpPr>
+        <p:spPr>
+          <a:xfrm>
+            <a:off x="9296400" y="2286000"/>
+            <a:ext cx="2432304" cy="3502152"/>
+          </a:xfrm>
+        </p:spPr>
+        <p:txBody>
+          <a:bodyPr>
+            <a:normAutofit/>
+          </a:bodyPr>
+          <a:lstStyle>
+            <a:lvl1pPr marL="0" indent="0" algn="l">
+              <a:lnSpc>
+                <a:spcPct val="110000"/>
+              </a:lnSpc>
+              <a:spcBef>
+                <a:spcPts val="800"/>
+              </a:spcBef>
+              <a:buNone/>
+              <a:defRPr sz="1400">
+                <a:solidFill>
+                  <a:srgbClr val="FFFFFF"/>
+                </a:solidFill>
+              </a:defRPr>
+            </a:lvl1pPr>
+            <a:lvl2pPr marL="457200" indent="0">
+              <a:buNone/>
+              <a:defRPr sz="1200"/>
+            </a:lvl2pPr>
+            <a:lvl3pPr marL="914400" indent="0">
+              <a:buNone/>
+              <a:defRPr sz="1000"/>
+            </a:lvl3pPr>
+            <a:lvl4pPr marL="1371600" indent="0">
+              <a:buNone/>
+              <a:defRPr sz="900"/>
+            </a:lvl4pPr>
+            <a:lvl5pPr marL="1828800" indent="0">
+              <a:buNone/>
+              <a:defRPr sz="900"/>
+            </a:lvl5pPr>
+            <a:lvl6pPr marL="2286000" indent="0">
+              <a:buNone/>
+              <a:defRPr sz="900"/>
+            </a:lvl6pPr>
+            <a:lvl7pPr marL="2743200" indent="0">
+              <a:buNone/>
+              <a:defRPr sz="900"/>
+            </a:lvl7pPr>
+            <a:lvl8pPr marL="3200400" indent="0">
+              <a:buNone/>
+              <a:defRPr sz="900"/>
+            </a:lvl8pPr>
+            <a:lvl9pPr marL="3657600" indent="0">
+              <a:buNone/>
+              <a:defRPr sz="900"/>
+            </a:lvl9pPr>
+          </a:lstStyle>
+          <a:p>
+            <a:pPr lvl="0"/>
+            <a:r>
+              <a:rPr lang="ko-KR" altLang="en-US" smtClean="0"/>
+              <a:t>마스터 텍스트 스타일을 편집합니다</a:t>
+            </a:r>
+          </a:p>
+        </p:txBody>
+      </p:sp>
+      <p:sp>
+        <p:nvSpPr>
+          <p:cNvPr id="5" name="Date Placeholder 4"/>
+          <p:cNvSpPr>
+            <a:spLocks noGrp="1"/>
+          </p:cNvSpPr>
+          <p:nvPr>
+            <p:ph type="dt" sz="half" idx="10"/>
+          </p:nvPr>
+        </p:nvSpPr>
+        <p:spPr/>
+        <p:txBody>
+          <a:bodyPr/>
+          <a:lstStyle>
+            <a:lvl1pPr>
+              <a:defRPr>
+                <a:solidFill>
+                  <a:srgbClr val="FFFFFF"/>
+                </a:solidFill>
+                <a:effectLst>
+                  <a:outerShdw blurRad="12700" dist="6350" dir="2700000" algn="tl" rotWithShape="0">
+                    <a:prstClr val="black">
+                      <a:alpha val="40000"/>
+                    </a:prstClr>
+                  </a:outerShdw>
+                </a:effectLst>
+              </a:defRPr>
+            </a:lvl1pPr>
+          </a:lstStyle>
+          <a:p>
+            <a:fld id="{AB334A90-EB03-42F3-8859-2C2B2724C058}" type="datetimeFigureOut">
+              <a:rPr lang="en-US" smtClean="0"/>
+              <a:t>12/3/2014</a:t>
+            </a:fld>
+            <a:endParaRPr lang="en-US" dirty="0"/>
+          </a:p>
+        </p:txBody>
+      </p:sp>
+      <p:sp>
+        <p:nvSpPr>
+          <p:cNvPr id="6" name="Footer Placeholder 5"/>
+          <p:cNvSpPr>
+            <a:spLocks noGrp="1"/>
+          </p:cNvSpPr>
+          <p:nvPr>
+            <p:ph type="ftr" sz="quarter" idx="11"/>
+          </p:nvPr>
+        </p:nvSpPr>
+        <p:spPr/>
+        <p:txBody>
+          <a:bodyPr/>
+          <a:lstStyle>
+            <a:lvl1pPr marL="0" algn="r" defTabSz="914400" rtl="0" eaLnBrk="1" latinLnBrk="0" hangingPunct="1">
+              <a:defRPr lang="en-US" sz="1000" kern="1200" dirty="0">
+                <a:solidFill>
+                  <a:srgbClr val="FFFFFF"/>
+                </a:solidFill>
+                <a:effectLst>
+                  <a:outerShdw blurRad="12700" dist="6350" dir="2700000" algn="tl" rotWithShape="0">
+                    <a:prstClr val="black">
+                      <a:alpha val="40000"/>
+                    </a:prstClr>
+                  </a:outerShdw>
+                </a:effectLst>
+                <a:latin typeface="+mn-lt"/>
+                <a:ea typeface="+mn-ea"/>
+                <a:cs typeface="+mn-cs"/>
+              </a:defRPr>
+            </a:lvl1pPr>
+          </a:lstStyle>
+          <a:p>
+            <a:endParaRPr lang="en-US" dirty="0"/>
+          </a:p>
+        </p:txBody>
+      </p:sp>
+      <p:sp>
+        <p:nvSpPr>
+          <p:cNvPr id="7" name="Slide Number Placeholder 6"/>
+          <p:cNvSpPr>
+            <a:spLocks noGrp="1"/>
+          </p:cNvSpPr>
+          <p:nvPr>
+            <p:ph type="sldNum" sz="quarter" idx="12"/>
+          </p:nvPr>
+        </p:nvSpPr>
+        <p:spPr>
+          <a:xfrm>
+            <a:off x="10396728" y="6227064"/>
+            <a:ext cx="1463040" cy="274320"/>
+          </a:xfrm>
+        </p:spPr>
+        <p:txBody>
+          <a:bodyPr/>
+          <a:lstStyle>
+            <a:lvl1pPr>
+              <a:defRPr>
+                <a:solidFill>
+                  <a:srgbClr val="FFFFFF"/>
+                </a:solidFill>
+              </a:defRPr>
+            </a:lvl1pPr>
+          </a:lstStyle>
+          <a:p>
+            <a:fld id="{4FAB73BC-B049-4115-A692-8D63A059BFB8}" type="slidenum">
+              <a:rPr lang="en-US" smtClean="0"/>
+              <a:pPr/>
+              <a:t>‹#›</a:t>
+            </a:fld>
+            <a:endParaRPr lang="en-US" dirty="0"/>
+          </a:p>
+        </p:txBody>
+      </p:sp>
+      <p:sp>
+        <p:nvSpPr>
+          <p:cNvPr id="10" name="Rectangle 9"/>
+          <p:cNvSpPr/>
+          <p:nvPr/>
+        </p:nvSpPr>
+        <p:spPr>
+          <a:xfrm>
+            <a:off x="9157546" y="374904"/>
+            <a:ext cx="2651760" cy="6108192"/>
+          </a:xfrm>
+          <a:prstGeom prst="rect">
+            <a:avLst/>
+          </a:prstGeom>
+          <a:noFill/>
+          <a:ln w="6350" cap="sq">
+            <a:solidFill>
+              <a:srgbClr val="FFFFFF"/>
+            </a:solidFill>
+            <a:miter lim="800000"/>
+          </a:ln>
+        </p:spPr>
+        <p:style>
+          <a:lnRef idx="2">
+            <a:schemeClr val="accent1">
+              <a:shade val="50000"/>
+            </a:schemeClr>
+          </a:lnRef>
+          <a:fillRef idx="1">
+            <a:schemeClr val="accent1"/>
+          </a:fillRef>
+          <a:effectRef idx="0">
+            <a:schemeClr val="accent1"/>
+          </a:effectRef>
+          <a:fontRef idx="minor">
+            <a:schemeClr val="lt1"/>
+          </a:fontRef>
+        </p:style>
+      </p:sp>
+    </p:spTree>
+    <p:extLst>
+      <p:ext uri="{BB962C8B-B14F-4D97-AF65-F5344CB8AC3E}">
+        <p14:creationId xmlns:p14="http://schemas.microsoft.com/office/powerpoint/2010/main" val="2677779485"/>
+      </p:ext>
+    </p:extLst>
+  </p:cSld>
+  <p:clrMapOvr>
+    <a:masterClrMapping/>
+  </p:clrMapOvr>
+</p:sldLayout>
+</file>
+
+<file path=ppt/slideLayouts/slideLayout9.xml><?xml version="1.0" encoding="utf-8"?>
+<p:sldLayout xmlns:a="http://schemas.openxmlformats.org/drawingml/2006/main" xmlns:r="http://schemas.openxmlformats.org/officeDocument/2006/relationships" xmlns:p="http://schemas.openxmlformats.org/presentationml/2006/main" type="vertTx" preserve="1">
+  <p:cSld name="제목 및 세로 텍스트">
+    <p:spTree>
+      <p:nvGrpSpPr>
+        <p:cNvPr id="1" name=""/>
+        <p:cNvGrpSpPr/>
+        <p:nvPr/>
+      </p:nvGrpSpPr>
+      <p:grpSpPr>
+        <a:xfrm>
+          <a:off x="0" y="0"/>
+          <a:ext cx="0" cy="0"/>
+          <a:chOff x="0" y="0"/>
+          <a:chExt cx="0" cy="0"/>
+        </a:xfrm>
+      </p:grpSpPr>
+      <p:sp>
+        <p:nvSpPr>
+          <p:cNvPr id="2" name="Title 1"/>
+          <p:cNvSpPr>
+            <a:spLocks noGrp="1"/>
+          </p:cNvSpPr>
+          <p:nvPr>
+            <p:ph type="title"/>
+          </p:nvPr>
+        </p:nvSpPr>
+        <p:spPr/>
+        <p:txBody>
+          <a:bodyPr/>
+          <a:lstStyle/>
+          <a:p>
+            <a:r>
+              <a:rPr lang="ko-KR" altLang="en-US" smtClean="0"/>
+              <a:t>마스터 제목 스타일 편집</a:t>
+            </a:r>
+            <a:endParaRPr lang="en-US" dirty="0"/>
+          </a:p>
+        </p:txBody>
+      </p:sp>
+      <p:sp>
+        <p:nvSpPr>
+          <p:cNvPr id="3" name="Vertical Text Placeholder 2"/>
+          <p:cNvSpPr>
+            <a:spLocks noGrp="1"/>
+          </p:cNvSpPr>
+          <p:nvPr>
+            <p:ph type="body" orient="vert" idx="1"/>
+          </p:nvPr>
+        </p:nvSpPr>
+        <p:spPr/>
+        <p:txBody>
+          <a:bodyPr vert="eaVert"/>
+          <a:lstStyle/>
+          <a:p>
+            <a:pPr lvl="0"/>
+            <a:r>
+              <a:rPr lang="ko-KR" altLang="en-US" smtClean="0"/>
+              <a:t>마스터 텍스트 스타일을 편집합니다</a:t>
+            </a:r>
+          </a:p>
+          <a:p>
+            <a:pPr lvl="1"/>
+            <a:r>
+              <a:rPr lang="ko-KR" altLang="en-US" smtClean="0"/>
+              <a:t>둘째 수준</a:t>
+            </a:r>
+          </a:p>
+          <a:p>
+            <a:pPr lvl="2"/>
+            <a:r>
+              <a:rPr lang="ko-KR" altLang="en-US" smtClean="0"/>
+              <a:t>셋째 수준</a:t>
+            </a:r>
+          </a:p>
+          <a:p>
+            <a:pPr lvl="3"/>
+            <a:r>
+              <a:rPr lang="ko-KR" altLang="en-US" smtClean="0"/>
+              <a:t>넷째 수준</a:t>
+            </a:r>
+          </a:p>
+          <a:p>
+            <a:pPr lvl="4"/>
+            <a:r>
+              <a:rPr lang="ko-KR" altLang="en-US" smtClean="0"/>
+              <a:t>다섯째 수준</a:t>
+            </a:r>
+            <a:endParaRPr lang="en-US" dirty="0"/>
+          </a:p>
+        </p:txBody>
+      </p:sp>
+      <p:sp>
+        <p:nvSpPr>
+          <p:cNvPr id="4" name="Date Placeholder 3"/>
+          <p:cNvSpPr>
+            <a:spLocks noGrp="1"/>
+          </p:cNvSpPr>
+          <p:nvPr>
+            <p:ph type="dt" sz="half" idx="10"/>
+          </p:nvPr>
+        </p:nvSpPr>
+        <p:spPr/>
+        <p:txBody>
+          <a:bodyPr/>
+          <a:lstStyle/>
+          <a:p>
+            <a:fld id="{D11A6AA8-A04B-4104-9AE2-BD48D340E27F}" type="datetimeFigureOut">
+              <a:rPr lang="en-US" smtClean="0"/>
+              <a:t>12/3/2014</a:t>
+            </a:fld>
+            <a:endParaRPr lang="en-US" dirty="0"/>
+          </a:p>
+        </p:txBody>
+      </p:sp>
+      <p:sp>
+        <p:nvSpPr>
+          <p:cNvPr id="5" name="Footer Placeholder 4"/>
+          <p:cNvSpPr>
+            <a:spLocks noGrp="1"/>
+          </p:cNvSpPr>
+          <p:nvPr>
+            <p:ph type="ftr" sz="quarter" idx="11"/>
+          </p:nvPr>
+        </p:nvSpPr>
+        <p:spPr/>
+        <p:txBody>
+          <a:bodyPr/>
+          <a:lstStyle/>
+          <a:p>
+            <a:endParaRPr lang="en-US" dirty="0"/>
+          </a:p>
+        </p:txBody>
+      </p:sp>
+      <p:sp>
+        <p:nvSpPr>
+          <p:cNvPr id="6" name="Slide Number Placeholder 5"/>
+          <p:cNvSpPr>
+            <a:spLocks noGrp="1"/>
+          </p:cNvSpPr>
+          <p:nvPr>
+            <p:ph type="sldNum" sz="quarter" idx="12"/>
+          </p:nvPr>
+        </p:nvSpPr>
+        <p:spPr/>
+        <p:txBody>
+          <a:bodyPr/>
+          <a:lstStyle/>
+          <a:p>
+            <a:fld id="{4FAB73BC-B049-4115-A692-8D63A059BFB8}" type="slidenum">
+              <a:rPr lang="en-US" smtClean="0"/>
+              <a:t>‹#›</a:t>
+            </a:fld>
+            <a:endParaRPr lang="en-US" dirty="0"/>
+          </a:p>
+        </p:txBody>
+      </p:sp>
+    </p:spTree>
+    <p:extLst>
+      <p:ext uri="{BB962C8B-B14F-4D97-AF65-F5344CB8AC3E}">
+        <p14:creationId xmlns:p14="http://schemas.microsoft.com/office/powerpoint/2010/main" val="204656560"/>
+      </p:ext>
+    </p:extLst>
+  </p:cSld>
+  <p:clrMapOvr>
+    <a:masterClrMapping/>
+  </p:clrMapOvr>
 </p:sldLayout>
 </file>
 
@@ -4364,8 +3171,8 @@
           </a:lstStyle>
           <a:p>
             <a:fld id="{CBC48EC7-AF6A-48D3-8284-14BACBEBDD84}" type="datetimeFigureOut">
-              <a:rPr lang="en-US" dirty="0"/>
-              <a:t>12/2/2014</a:t>
+              <a:rPr lang="en-US" smtClean="0"/>
+              <a:t>12/3/2014</a:t>
             </a:fld>
             <a:endParaRPr lang="en-US" dirty="0"/>
           </a:p>
@@ -4444,7 +3251,7 @@
           </a:lstStyle>
           <a:p>
             <a:fld id="{4FAB73BC-B049-4115-A692-8D63A059BFB8}" type="slidenum">
-              <a:rPr lang="en-US" dirty="0"/>
+              <a:rPr lang="en-US" smtClean="0"/>
               <a:pPr/>
               <a:t>‹#›</a:t>
             </a:fld>
@@ -4453,22 +3260,25 @@
         </p:txBody>
       </p:sp>
     </p:spTree>
+    <p:extLst>
+      <p:ext uri="{BB962C8B-B14F-4D97-AF65-F5344CB8AC3E}">
+        <p14:creationId xmlns:p14="http://schemas.microsoft.com/office/powerpoint/2010/main" val="3437046575"/>
+      </p:ext>
+    </p:extLst>
   </p:cSld>
   <p:clrMap bg1="lt1" tx1="dk1" bg2="lt2" tx2="dk2" accent1="accent1" accent2="accent2" accent3="accent3" accent4="accent4" accent5="accent5" accent6="accent6" hlink="hlink" folHlink="folHlink"/>
   <p:sldLayoutIdLst>
-    <p:sldLayoutId id="2147483769" r:id="rId1"/>
-    <p:sldLayoutId id="2147483780" r:id="rId2"/>
-    <p:sldLayoutId id="2147483781" r:id="rId3"/>
-    <p:sldLayoutId id="2147483770" r:id="rId4"/>
-    <p:sldLayoutId id="2147483771" r:id="rId5"/>
-    <p:sldLayoutId id="2147483772" r:id="rId6"/>
-    <p:sldLayoutId id="2147483773" r:id="rId7"/>
-    <p:sldLayoutId id="2147483774" r:id="rId8"/>
-    <p:sldLayoutId id="2147483775" r:id="rId9"/>
-    <p:sldLayoutId id="2147483776" r:id="rId10"/>
-    <p:sldLayoutId id="2147483777" r:id="rId11"/>
-    <p:sldLayoutId id="2147483778" r:id="rId12"/>
-    <p:sldLayoutId id="2147483779" r:id="rId13"/>
+    <p:sldLayoutId id="2147483795" r:id="rId1"/>
+    <p:sldLayoutId id="2147483796" r:id="rId2"/>
+    <p:sldLayoutId id="2147483797" r:id="rId3"/>
+    <p:sldLayoutId id="2147483798" r:id="rId4"/>
+    <p:sldLayoutId id="2147483799" r:id="rId5"/>
+    <p:sldLayoutId id="2147483800" r:id="rId6"/>
+    <p:sldLayoutId id="2147483801" r:id="rId7"/>
+    <p:sldLayoutId id="2147483802" r:id="rId8"/>
+    <p:sldLayoutId id="2147483803" r:id="rId9"/>
+    <p:sldLayoutId id="2147483804" r:id="rId10"/>
+    <p:sldLayoutId id="2147483805" r:id="rId11"/>
   </p:sldLayoutIdLst>
   <p:timing>
     <p:tnLst>
@@ -4849,16 +3659,27 @@
             <p:ph type="ctrTitle"/>
           </p:nvPr>
         </p:nvSpPr>
-        <p:spPr/>
+        <p:spPr>
+          <a:xfrm>
+            <a:off x="537192" y="834945"/>
+            <a:ext cx="11217945" cy="3308430"/>
+          </a:xfrm>
+        </p:spPr>
         <p:txBody>
           <a:bodyPr/>
           <a:lstStyle/>
           <a:p>
             <a:r>
-              <a:rPr lang="en-US" altLang="ko-KR" sz="16600" cap="none" dirty="0" smtClean="0"/>
+              <a:rPr lang="en-US" altLang="ko-KR" sz="16600" cap="none" dirty="0" smtClean="0">
+                <a:latin typeface="나눔고딕 Light" panose="020D0904000000000000" pitchFamily="50" charset="-127"/>
+                <a:ea typeface="나눔고딕 Light" panose="020D0904000000000000" pitchFamily="50" charset="-127"/>
+              </a:rPr>
               <a:t>Array List</a:t>
             </a:r>
-            <a:endParaRPr lang="ko-KR" altLang="en-US" sz="16600" cap="none" dirty="0"/>
+            <a:endParaRPr lang="ko-KR" altLang="en-US" sz="16600" cap="none" dirty="0">
+              <a:latin typeface="나눔고딕 Light" panose="020D0904000000000000" pitchFamily="50" charset="-127"/>
+              <a:ea typeface="나눔고딕 Light" panose="020D0904000000000000" pitchFamily="50" charset="-127"/>
+            </a:endParaRPr>
           </a:p>
         </p:txBody>
       </p:sp>
@@ -4969,6 +3790,7 @@
                   </a:solidFill>
                 </a:ln>
                 <a:noFill/>
+                <a:latin typeface="+mn-ea"/>
               </a:endParaRPr>
             </a:p>
           </p:txBody>
@@ -5017,7 +3839,7 @@
           <p:spPr>
             <a:xfrm>
               <a:off x="1877654" y="2120555"/>
-              <a:ext cx="870143" cy="274074"/>
+              <a:ext cx="870143" cy="306699"/>
             </a:xfrm>
             <a:prstGeom prst="rect">
               <a:avLst/>
@@ -5036,8 +3858,7 @@
                   <a:solidFill>
                     <a:srgbClr val="333333"/>
                   </a:solidFill>
-                  <a:latin typeface="넥슨 풋볼고딕 B" panose="020B0803000000000000" pitchFamily="50" charset="-127"/>
-                  <a:ea typeface="넥슨 풋볼고딕 B" panose="020B0803000000000000" pitchFamily="50" charset="-127"/>
+                  <a:latin typeface="+mn-ea"/>
                 </a:rPr>
                 <a:t>0</a:t>
               </a:r>
@@ -5045,8 +3866,7 @@
                 <a:solidFill>
                   <a:srgbClr val="333333"/>
                 </a:solidFill>
-                <a:latin typeface="넥슨 풋볼고딕 B" panose="020B0803000000000000" pitchFamily="50" charset="-127"/>
-                <a:ea typeface="넥슨 풋볼고딕 B" panose="020B0803000000000000" pitchFamily="50" charset="-127"/>
+                <a:latin typeface="+mn-ea"/>
               </a:endParaRPr>
             </a:p>
           </p:txBody>
@@ -5079,8 +3899,7 @@
                   <a:solidFill>
                     <a:srgbClr val="333333"/>
                   </a:solidFill>
-                  <a:latin typeface="넥슨 풋볼고딕 B" panose="020B0803000000000000" pitchFamily="50" charset="-127"/>
-                  <a:ea typeface="넥슨 풋볼고딕 B" panose="020B0803000000000000" pitchFamily="50" charset="-127"/>
+                  <a:latin typeface="+mn-ea"/>
                 </a:rPr>
                 <a:t>10</a:t>
               </a:r>
@@ -5088,8 +3907,7 @@
                 <a:solidFill>
                   <a:srgbClr val="333333"/>
                 </a:solidFill>
-                <a:latin typeface="넥슨 풋볼고딕 B" panose="020B0803000000000000" pitchFamily="50" charset="-127"/>
-                <a:ea typeface="넥슨 풋볼고딕 B" panose="020B0803000000000000" pitchFamily="50" charset="-127"/>
+                <a:latin typeface="+mn-ea"/>
               </a:endParaRPr>
             </a:p>
           </p:txBody>
@@ -5122,8 +3940,7 @@
                   <a:solidFill>
                     <a:srgbClr val="333333"/>
                   </a:solidFill>
-                  <a:latin typeface="넥슨 풋볼고딕 B" panose="020B0803000000000000" pitchFamily="50" charset="-127"/>
-                  <a:ea typeface="넥슨 풋볼고딕 B" panose="020B0803000000000000" pitchFamily="50" charset="-127"/>
+                  <a:latin typeface="+mn-ea"/>
                 </a:rPr>
                 <a:t>1</a:t>
               </a:r>
@@ -5131,8 +3948,7 @@
                 <a:solidFill>
                   <a:srgbClr val="333333"/>
                 </a:solidFill>
-                <a:latin typeface="넥슨 풋볼고딕 B" panose="020B0803000000000000" pitchFamily="50" charset="-127"/>
-                <a:ea typeface="넥슨 풋볼고딕 B" panose="020B0803000000000000" pitchFamily="50" charset="-127"/>
+                <a:latin typeface="+mn-ea"/>
               </a:endParaRPr>
             </a:p>
           </p:txBody>
@@ -5195,6 +4011,7 @@
                 </a:solidFill>
               </a:ln>
               <a:noFill/>
+              <a:latin typeface="+mn-ea"/>
             </a:endParaRPr>
           </a:p>
         </p:txBody>
@@ -5269,6 +4086,7 @@
                   </a:solidFill>
                 </a:ln>
                 <a:noFill/>
+                <a:latin typeface="+mn-ea"/>
               </a:endParaRPr>
             </a:p>
           </p:txBody>
@@ -5336,8 +4154,7 @@
                   <a:solidFill>
                     <a:srgbClr val="333333"/>
                   </a:solidFill>
-                  <a:latin typeface="넥슨 풋볼고딕 B" panose="020B0803000000000000" pitchFamily="50" charset="-127"/>
-                  <a:ea typeface="넥슨 풋볼고딕 B" panose="020B0803000000000000" pitchFamily="50" charset="-127"/>
+                  <a:latin typeface="+mn-ea"/>
                 </a:rPr>
                 <a:t>3</a:t>
               </a:r>
@@ -5345,8 +4162,7 @@
                 <a:solidFill>
                   <a:srgbClr val="333333"/>
                 </a:solidFill>
-                <a:latin typeface="넥슨 풋볼고딕 B" panose="020B0803000000000000" pitchFamily="50" charset="-127"/>
-                <a:ea typeface="넥슨 풋볼고딕 B" panose="020B0803000000000000" pitchFamily="50" charset="-127"/>
+                <a:latin typeface="+mn-ea"/>
               </a:endParaRPr>
             </a:p>
           </p:txBody>
@@ -5379,8 +4195,7 @@
                   <a:solidFill>
                     <a:srgbClr val="333333"/>
                   </a:solidFill>
-                  <a:latin typeface="넥슨 풋볼고딕 B" panose="020B0803000000000000" pitchFamily="50" charset="-127"/>
-                  <a:ea typeface="넥슨 풋볼고딕 B" panose="020B0803000000000000" pitchFamily="50" charset="-127"/>
+                  <a:latin typeface="+mn-ea"/>
                 </a:rPr>
                 <a:t>40</a:t>
               </a:r>
@@ -5388,8 +4203,7 @@
                 <a:solidFill>
                   <a:srgbClr val="333333"/>
                 </a:solidFill>
-                <a:latin typeface="넥슨 풋볼고딕 B" panose="020B0803000000000000" pitchFamily="50" charset="-127"/>
-                <a:ea typeface="넥슨 풋볼고딕 B" panose="020B0803000000000000" pitchFamily="50" charset="-127"/>
+                <a:latin typeface="+mn-ea"/>
               </a:endParaRPr>
             </a:p>
           </p:txBody>
@@ -5468,6 +4282,7 @@
                   </a:solidFill>
                 </a:ln>
                 <a:noFill/>
+                <a:latin typeface="+mn-ea"/>
               </a:endParaRPr>
             </a:p>
           </p:txBody>
@@ -5535,8 +4350,7 @@
                   <a:solidFill>
                     <a:srgbClr val="333333"/>
                   </a:solidFill>
-                  <a:latin typeface="넥슨 풋볼고딕 B" panose="020B0803000000000000" pitchFamily="50" charset="-127"/>
-                  <a:ea typeface="넥슨 풋볼고딕 B" panose="020B0803000000000000" pitchFamily="50" charset="-127"/>
+                  <a:latin typeface="+mn-ea"/>
                 </a:rPr>
                 <a:t>20</a:t>
               </a:r>
@@ -5544,8 +4358,7 @@
                 <a:solidFill>
                   <a:srgbClr val="333333"/>
                 </a:solidFill>
-                <a:latin typeface="넥슨 풋볼고딕 B" panose="020B0803000000000000" pitchFamily="50" charset="-127"/>
-                <a:ea typeface="넥슨 풋볼고딕 B" panose="020B0803000000000000" pitchFamily="50" charset="-127"/>
+                <a:latin typeface="+mn-ea"/>
               </a:endParaRPr>
             </a:p>
           </p:txBody>
@@ -5621,6 +4434,7 @@
                   </a:solidFill>
                 </a:ln>
                 <a:noFill/>
+                <a:latin typeface="+mn-ea"/>
               </a:endParaRPr>
             </a:p>
           </p:txBody>
@@ -5688,8 +4502,7 @@
                   <a:solidFill>
                     <a:srgbClr val="333333"/>
                   </a:solidFill>
-                  <a:latin typeface="넥슨 풋볼고딕 B" panose="020B0803000000000000" pitchFamily="50" charset="-127"/>
-                  <a:ea typeface="넥슨 풋볼고딕 B" panose="020B0803000000000000" pitchFamily="50" charset="-127"/>
+                  <a:latin typeface="+mn-ea"/>
                 </a:rPr>
                 <a:t>4</a:t>
               </a:r>
@@ -5697,8 +4510,7 @@
                 <a:solidFill>
                   <a:srgbClr val="333333"/>
                 </a:solidFill>
-                <a:latin typeface="넥슨 풋볼고딕 B" panose="020B0803000000000000" pitchFamily="50" charset="-127"/>
-                <a:ea typeface="넥슨 풋볼고딕 B" panose="020B0803000000000000" pitchFamily="50" charset="-127"/>
+                <a:latin typeface="+mn-ea"/>
               </a:endParaRPr>
             </a:p>
           </p:txBody>
@@ -5731,8 +4543,7 @@
                   <a:solidFill>
                     <a:srgbClr val="333333"/>
                   </a:solidFill>
-                  <a:latin typeface="넥슨 풋볼고딕 B" panose="020B0803000000000000" pitchFamily="50" charset="-127"/>
-                  <a:ea typeface="넥슨 풋볼고딕 B" panose="020B0803000000000000" pitchFamily="50" charset="-127"/>
+                  <a:latin typeface="+mn-ea"/>
                 </a:rPr>
                 <a:t>50</a:t>
               </a:r>
@@ -5740,8 +4551,7 @@
                 <a:solidFill>
                   <a:srgbClr val="333333"/>
                 </a:solidFill>
-                <a:latin typeface="넥슨 풋볼고딕 B" panose="020B0803000000000000" pitchFamily="50" charset="-127"/>
-                <a:ea typeface="넥슨 풋볼고딕 B" panose="020B0803000000000000" pitchFamily="50" charset="-127"/>
+                <a:latin typeface="+mn-ea"/>
               </a:endParaRPr>
             </a:p>
           </p:txBody>
@@ -5800,6 +4610,7 @@
               <a:solidFill>
                 <a:schemeClr val="tx1"/>
               </a:solidFill>
+              <a:latin typeface="+mn-ea"/>
             </a:endParaRPr>
           </a:p>
         </p:txBody>
@@ -5911,6 +4722,7 @@
                   </a:solidFill>
                 </a:ln>
                 <a:noFill/>
+                <a:latin typeface="+mn-ea"/>
               </a:endParaRPr>
             </a:p>
           </p:txBody>
@@ -5959,7 +4771,7 @@
           <p:spPr>
             <a:xfrm>
               <a:off x="1877654" y="2120555"/>
-              <a:ext cx="870143" cy="274074"/>
+              <a:ext cx="870143" cy="306699"/>
             </a:xfrm>
             <a:prstGeom prst="rect">
               <a:avLst/>
@@ -5978,8 +4790,7 @@
                   <a:solidFill>
                     <a:srgbClr val="333333"/>
                   </a:solidFill>
-                  <a:latin typeface="넥슨 풋볼고딕 B" panose="020B0803000000000000" pitchFamily="50" charset="-127"/>
-                  <a:ea typeface="넥슨 풋볼고딕 B" panose="020B0803000000000000" pitchFamily="50" charset="-127"/>
+                  <a:latin typeface="+mn-ea"/>
                 </a:rPr>
                 <a:t>0</a:t>
               </a:r>
@@ -5987,8 +4798,7 @@
                 <a:solidFill>
                   <a:srgbClr val="333333"/>
                 </a:solidFill>
-                <a:latin typeface="넥슨 풋볼고딕 B" panose="020B0803000000000000" pitchFamily="50" charset="-127"/>
-                <a:ea typeface="넥슨 풋볼고딕 B" panose="020B0803000000000000" pitchFamily="50" charset="-127"/>
+                <a:latin typeface="+mn-ea"/>
               </a:endParaRPr>
             </a:p>
           </p:txBody>
@@ -6021,8 +4831,7 @@
                   <a:solidFill>
                     <a:srgbClr val="333333"/>
                   </a:solidFill>
-                  <a:latin typeface="넥슨 풋볼고딕 B" panose="020B0803000000000000" pitchFamily="50" charset="-127"/>
-                  <a:ea typeface="넥슨 풋볼고딕 B" panose="020B0803000000000000" pitchFamily="50" charset="-127"/>
+                  <a:latin typeface="+mn-ea"/>
                 </a:rPr>
                 <a:t>10</a:t>
               </a:r>
@@ -6030,8 +4839,7 @@
                 <a:solidFill>
                   <a:srgbClr val="333333"/>
                 </a:solidFill>
-                <a:latin typeface="넥슨 풋볼고딕 B" panose="020B0803000000000000" pitchFamily="50" charset="-127"/>
-                <a:ea typeface="넥슨 풋볼고딕 B" panose="020B0803000000000000" pitchFamily="50" charset="-127"/>
+                <a:latin typeface="+mn-ea"/>
               </a:endParaRPr>
             </a:p>
           </p:txBody>
@@ -6064,8 +4872,7 @@
                   <a:solidFill>
                     <a:srgbClr val="333333"/>
                   </a:solidFill>
-                  <a:latin typeface="넥슨 풋볼고딕 B" panose="020B0803000000000000" pitchFamily="50" charset="-127"/>
-                  <a:ea typeface="넥슨 풋볼고딕 B" panose="020B0803000000000000" pitchFamily="50" charset="-127"/>
+                  <a:latin typeface="+mn-ea"/>
                 </a:rPr>
                 <a:t>1</a:t>
               </a:r>
@@ -6073,8 +4880,7 @@
                 <a:solidFill>
                   <a:srgbClr val="333333"/>
                 </a:solidFill>
-                <a:latin typeface="넥슨 풋볼고딕 B" panose="020B0803000000000000" pitchFamily="50" charset="-127"/>
-                <a:ea typeface="넥슨 풋볼고딕 B" panose="020B0803000000000000" pitchFamily="50" charset="-127"/>
+                <a:latin typeface="+mn-ea"/>
               </a:endParaRPr>
             </a:p>
           </p:txBody>
@@ -6150,6 +4956,7 @@
                   </a:solidFill>
                 </a:ln>
                 <a:noFill/>
+                <a:latin typeface="+mn-ea"/>
               </a:endParaRPr>
             </a:p>
           </p:txBody>
@@ -6217,8 +5024,7 @@
                   <a:solidFill>
                     <a:srgbClr val="333333"/>
                   </a:solidFill>
-                  <a:latin typeface="넥슨 풋볼고딕 B" panose="020B0803000000000000" pitchFamily="50" charset="-127"/>
-                  <a:ea typeface="넥슨 풋볼고딕 B" panose="020B0803000000000000" pitchFamily="50" charset="-127"/>
+                  <a:latin typeface="+mn-ea"/>
                 </a:rPr>
                 <a:t>2</a:t>
               </a:r>
@@ -6226,8 +5032,7 @@
                 <a:solidFill>
                   <a:srgbClr val="333333"/>
                 </a:solidFill>
-                <a:latin typeface="넥슨 풋볼고딕 B" panose="020B0803000000000000" pitchFamily="50" charset="-127"/>
-                <a:ea typeface="넥슨 풋볼고딕 B" panose="020B0803000000000000" pitchFamily="50" charset="-127"/>
+                <a:latin typeface="+mn-ea"/>
               </a:endParaRPr>
             </a:p>
           </p:txBody>
@@ -6260,8 +5065,7 @@
                   <a:solidFill>
                     <a:srgbClr val="333333"/>
                   </a:solidFill>
-                  <a:latin typeface="넥슨 풋볼고딕 B" panose="020B0803000000000000" pitchFamily="50" charset="-127"/>
-                  <a:ea typeface="넥슨 풋볼고딕 B" panose="020B0803000000000000" pitchFamily="50" charset="-127"/>
+                  <a:latin typeface="+mn-ea"/>
                 </a:rPr>
                 <a:t>40</a:t>
               </a:r>
@@ -6269,8 +5073,7 @@
                 <a:solidFill>
                   <a:srgbClr val="333333"/>
                 </a:solidFill>
-                <a:latin typeface="넥슨 풋볼고딕 B" panose="020B0803000000000000" pitchFamily="50" charset="-127"/>
-                <a:ea typeface="넥슨 풋볼고딕 B" panose="020B0803000000000000" pitchFamily="50" charset="-127"/>
+                <a:latin typeface="+mn-ea"/>
               </a:endParaRPr>
             </a:p>
           </p:txBody>
@@ -6333,6 +5136,7 @@
                 </a:solidFill>
               </a:ln>
               <a:noFill/>
+              <a:latin typeface="+mn-ea"/>
             </a:endParaRPr>
           </a:p>
         </p:txBody>
@@ -6410,6 +5214,7 @@
                   </a:solidFill>
                 </a:ln>
                 <a:noFill/>
+                <a:latin typeface="+mn-ea"/>
               </a:endParaRPr>
             </a:p>
           </p:txBody>
@@ -6477,8 +5282,7 @@
                   <a:solidFill>
                     <a:srgbClr val="333333"/>
                   </a:solidFill>
-                  <a:latin typeface="넥슨 풋볼고딕 B" panose="020B0803000000000000" pitchFamily="50" charset="-127"/>
-                  <a:ea typeface="넥슨 풋볼고딕 B" panose="020B0803000000000000" pitchFamily="50" charset="-127"/>
+                  <a:latin typeface="+mn-ea"/>
                 </a:rPr>
                 <a:t>20</a:t>
               </a:r>
@@ -6486,8 +5290,7 @@
                 <a:solidFill>
                   <a:srgbClr val="333333"/>
                 </a:solidFill>
-                <a:latin typeface="넥슨 풋볼고딕 B" panose="020B0803000000000000" pitchFamily="50" charset="-127"/>
-                <a:ea typeface="넥슨 풋볼고딕 B" panose="020B0803000000000000" pitchFamily="50" charset="-127"/>
+                <a:latin typeface="+mn-ea"/>
               </a:endParaRPr>
             </a:p>
           </p:txBody>
@@ -6563,6 +5366,7 @@
                   </a:solidFill>
                 </a:ln>
                 <a:noFill/>
+                <a:latin typeface="+mn-ea"/>
               </a:endParaRPr>
             </a:p>
           </p:txBody>
@@ -6630,8 +5434,7 @@
                   <a:solidFill>
                     <a:srgbClr val="333333"/>
                   </a:solidFill>
-                  <a:latin typeface="넥슨 풋볼고딕 B" panose="020B0803000000000000" pitchFamily="50" charset="-127"/>
-                  <a:ea typeface="넥슨 풋볼고딕 B" panose="020B0803000000000000" pitchFamily="50" charset="-127"/>
+                  <a:latin typeface="+mn-ea"/>
                 </a:rPr>
                 <a:t>4</a:t>
               </a:r>
@@ -6639,8 +5442,7 @@
                 <a:solidFill>
                   <a:srgbClr val="333333"/>
                 </a:solidFill>
-                <a:latin typeface="넥슨 풋볼고딕 B" panose="020B0803000000000000" pitchFamily="50" charset="-127"/>
-                <a:ea typeface="넥슨 풋볼고딕 B" panose="020B0803000000000000" pitchFamily="50" charset="-127"/>
+                <a:latin typeface="+mn-ea"/>
               </a:endParaRPr>
             </a:p>
           </p:txBody>
@@ -6673,8 +5475,7 @@
                   <a:solidFill>
                     <a:srgbClr val="333333"/>
                   </a:solidFill>
-                  <a:latin typeface="넥슨 풋볼고딕 B" panose="020B0803000000000000" pitchFamily="50" charset="-127"/>
-                  <a:ea typeface="넥슨 풋볼고딕 B" panose="020B0803000000000000" pitchFamily="50" charset="-127"/>
+                  <a:latin typeface="+mn-ea"/>
                 </a:rPr>
                 <a:t>50</a:t>
               </a:r>
@@ -6682,8 +5483,7 @@
                 <a:solidFill>
                   <a:srgbClr val="333333"/>
                 </a:solidFill>
-                <a:latin typeface="넥슨 풋볼고딕 B" panose="020B0803000000000000" pitchFamily="50" charset="-127"/>
-                <a:ea typeface="넥슨 풋볼고딕 B" panose="020B0803000000000000" pitchFamily="50" charset="-127"/>
+                <a:latin typeface="+mn-ea"/>
               </a:endParaRPr>
             </a:p>
           </p:txBody>
@@ -6742,6 +5542,7 @@
               <a:solidFill>
                 <a:schemeClr val="tx1"/>
               </a:solidFill>
+              <a:latin typeface="+mn-ea"/>
             </a:endParaRPr>
           </a:p>
         </p:txBody>
@@ -6853,6 +5654,7 @@
                   </a:solidFill>
                 </a:ln>
                 <a:noFill/>
+                <a:latin typeface="+mn-ea"/>
               </a:endParaRPr>
             </a:p>
           </p:txBody>
@@ -6901,7 +5703,7 @@
           <p:spPr>
             <a:xfrm>
               <a:off x="1877654" y="2120555"/>
-              <a:ext cx="870143" cy="274074"/>
+              <a:ext cx="870143" cy="306699"/>
             </a:xfrm>
             <a:prstGeom prst="rect">
               <a:avLst/>
@@ -6920,8 +5722,7 @@
                   <a:solidFill>
                     <a:srgbClr val="333333"/>
                   </a:solidFill>
-                  <a:latin typeface="넥슨 풋볼고딕 B" panose="020B0803000000000000" pitchFamily="50" charset="-127"/>
-                  <a:ea typeface="넥슨 풋볼고딕 B" panose="020B0803000000000000" pitchFamily="50" charset="-127"/>
+                  <a:latin typeface="+mn-ea"/>
                 </a:rPr>
                 <a:t>0</a:t>
               </a:r>
@@ -6929,8 +5730,7 @@
                 <a:solidFill>
                   <a:srgbClr val="333333"/>
                 </a:solidFill>
-                <a:latin typeface="넥슨 풋볼고딕 B" panose="020B0803000000000000" pitchFamily="50" charset="-127"/>
-                <a:ea typeface="넥슨 풋볼고딕 B" panose="020B0803000000000000" pitchFamily="50" charset="-127"/>
+                <a:latin typeface="+mn-ea"/>
               </a:endParaRPr>
             </a:p>
           </p:txBody>
@@ -6963,8 +5763,7 @@
                   <a:solidFill>
                     <a:srgbClr val="333333"/>
                   </a:solidFill>
-                  <a:latin typeface="넥슨 풋볼고딕 B" panose="020B0803000000000000" pitchFamily="50" charset="-127"/>
-                  <a:ea typeface="넥슨 풋볼고딕 B" panose="020B0803000000000000" pitchFamily="50" charset="-127"/>
+                  <a:latin typeface="+mn-ea"/>
                 </a:rPr>
                 <a:t>10</a:t>
               </a:r>
@@ -6972,8 +5771,7 @@
                 <a:solidFill>
                   <a:srgbClr val="333333"/>
                 </a:solidFill>
-                <a:latin typeface="넥슨 풋볼고딕 B" panose="020B0803000000000000" pitchFamily="50" charset="-127"/>
-                <a:ea typeface="넥슨 풋볼고딕 B" panose="020B0803000000000000" pitchFamily="50" charset="-127"/>
+                <a:latin typeface="+mn-ea"/>
               </a:endParaRPr>
             </a:p>
           </p:txBody>
@@ -7006,8 +5804,7 @@
                   <a:solidFill>
                     <a:srgbClr val="333333"/>
                   </a:solidFill>
-                  <a:latin typeface="넥슨 풋볼고딕 B" panose="020B0803000000000000" pitchFamily="50" charset="-127"/>
-                  <a:ea typeface="넥슨 풋볼고딕 B" panose="020B0803000000000000" pitchFamily="50" charset="-127"/>
+                  <a:latin typeface="+mn-ea"/>
                 </a:rPr>
                 <a:t>1</a:t>
               </a:r>
@@ -7015,8 +5812,7 @@
                 <a:solidFill>
                   <a:srgbClr val="333333"/>
                 </a:solidFill>
-                <a:latin typeface="넥슨 풋볼고딕 B" panose="020B0803000000000000" pitchFamily="50" charset="-127"/>
-                <a:ea typeface="넥슨 풋볼고딕 B" panose="020B0803000000000000" pitchFamily="50" charset="-127"/>
+                <a:latin typeface="+mn-ea"/>
               </a:endParaRPr>
             </a:p>
           </p:txBody>
@@ -7092,6 +5888,7 @@
                   </a:solidFill>
                 </a:ln>
                 <a:noFill/>
+                <a:latin typeface="+mn-ea"/>
               </a:endParaRPr>
             </a:p>
           </p:txBody>
@@ -7159,8 +5956,7 @@
                   <a:solidFill>
                     <a:srgbClr val="333333"/>
                   </a:solidFill>
-                  <a:latin typeface="넥슨 풋볼고딕 B" panose="020B0803000000000000" pitchFamily="50" charset="-127"/>
-                  <a:ea typeface="넥슨 풋볼고딕 B" panose="020B0803000000000000" pitchFamily="50" charset="-127"/>
+                  <a:latin typeface="+mn-ea"/>
                 </a:rPr>
                 <a:t>2</a:t>
               </a:r>
@@ -7168,8 +5964,7 @@
                 <a:solidFill>
                   <a:srgbClr val="333333"/>
                 </a:solidFill>
-                <a:latin typeface="넥슨 풋볼고딕 B" panose="020B0803000000000000" pitchFamily="50" charset="-127"/>
-                <a:ea typeface="넥슨 풋볼고딕 B" panose="020B0803000000000000" pitchFamily="50" charset="-127"/>
+                <a:latin typeface="+mn-ea"/>
               </a:endParaRPr>
             </a:p>
           </p:txBody>
@@ -7202,8 +5997,7 @@
                   <a:solidFill>
                     <a:srgbClr val="333333"/>
                   </a:solidFill>
-                  <a:latin typeface="넥슨 풋볼고딕 B" panose="020B0803000000000000" pitchFamily="50" charset="-127"/>
-                  <a:ea typeface="넥슨 풋볼고딕 B" panose="020B0803000000000000" pitchFamily="50" charset="-127"/>
+                  <a:latin typeface="+mn-ea"/>
                 </a:rPr>
                 <a:t>40</a:t>
               </a:r>
@@ -7211,8 +6005,7 @@
                 <a:solidFill>
                   <a:srgbClr val="333333"/>
                 </a:solidFill>
-                <a:latin typeface="넥슨 풋볼고딕 B" panose="020B0803000000000000" pitchFamily="50" charset="-127"/>
-                <a:ea typeface="넥슨 풋볼고딕 B" panose="020B0803000000000000" pitchFamily="50" charset="-127"/>
+                <a:latin typeface="+mn-ea"/>
               </a:endParaRPr>
             </a:p>
           </p:txBody>
@@ -7288,6 +6081,7 @@
                   </a:solidFill>
                 </a:ln>
                 <a:noFill/>
+                <a:latin typeface="+mn-ea"/>
               </a:endParaRPr>
             </a:p>
           </p:txBody>
@@ -7355,8 +6149,7 @@
                   <a:solidFill>
                     <a:srgbClr val="333333"/>
                   </a:solidFill>
-                  <a:latin typeface="넥슨 풋볼고딕 B" panose="020B0803000000000000" pitchFamily="50" charset="-127"/>
-                  <a:ea typeface="넥슨 풋볼고딕 B" panose="020B0803000000000000" pitchFamily="50" charset="-127"/>
+                  <a:latin typeface="+mn-ea"/>
                 </a:rPr>
                 <a:t>3</a:t>
               </a:r>
@@ -7364,8 +6157,7 @@
                 <a:solidFill>
                   <a:srgbClr val="333333"/>
                 </a:solidFill>
-                <a:latin typeface="넥슨 풋볼고딕 B" panose="020B0803000000000000" pitchFamily="50" charset="-127"/>
-                <a:ea typeface="넥슨 풋볼고딕 B" panose="020B0803000000000000" pitchFamily="50" charset="-127"/>
+                <a:latin typeface="+mn-ea"/>
               </a:endParaRPr>
             </a:p>
           </p:txBody>
@@ -7398,8 +6190,7 @@
                   <a:solidFill>
                     <a:srgbClr val="333333"/>
                   </a:solidFill>
-                  <a:latin typeface="넥슨 풋볼고딕 B" panose="020B0803000000000000" pitchFamily="50" charset="-127"/>
-                  <a:ea typeface="넥슨 풋볼고딕 B" panose="020B0803000000000000" pitchFamily="50" charset="-127"/>
+                  <a:latin typeface="+mn-ea"/>
                 </a:rPr>
                 <a:t>50</a:t>
               </a:r>
@@ -7407,8 +6198,7 @@
                 <a:solidFill>
                   <a:srgbClr val="333333"/>
                 </a:solidFill>
-                <a:latin typeface="넥슨 풋볼고딕 B" panose="020B0803000000000000" pitchFamily="50" charset="-127"/>
-                <a:ea typeface="넥슨 풋볼고딕 B" panose="020B0803000000000000" pitchFamily="50" charset="-127"/>
+                <a:latin typeface="+mn-ea"/>
               </a:endParaRPr>
             </a:p>
           </p:txBody>
@@ -7487,6 +6277,7 @@
                   </a:solidFill>
                 </a:ln>
                 <a:noFill/>
+                <a:latin typeface="+mn-ea"/>
               </a:endParaRPr>
             </a:p>
           </p:txBody>
@@ -7554,8 +6345,7 @@
                   <a:solidFill>
                     <a:srgbClr val="333333"/>
                   </a:solidFill>
-                  <a:latin typeface="넥슨 풋볼고딕 B" panose="020B0803000000000000" pitchFamily="50" charset="-127"/>
-                  <a:ea typeface="넥슨 풋볼고딕 B" panose="020B0803000000000000" pitchFamily="50" charset="-127"/>
+                  <a:latin typeface="+mn-ea"/>
                 </a:rPr>
                 <a:t>20</a:t>
               </a:r>
@@ -7563,8 +6353,7 @@
                 <a:solidFill>
                   <a:srgbClr val="333333"/>
                 </a:solidFill>
-                <a:latin typeface="넥슨 풋볼고딕 B" panose="020B0803000000000000" pitchFamily="50" charset="-127"/>
-                <a:ea typeface="넥슨 풋볼고딕 B" panose="020B0803000000000000" pitchFamily="50" charset="-127"/>
+                <a:latin typeface="+mn-ea"/>
               </a:endParaRPr>
             </a:p>
           </p:txBody>
@@ -7627,6 +6416,7 @@
                 </a:solidFill>
               </a:ln>
               <a:noFill/>
+              <a:latin typeface="+mn-ea"/>
             </a:endParaRPr>
           </a:p>
         </p:txBody>
@@ -7919,6 +6709,7 @@
                     </a:solidFill>
                   </a:ln>
                   <a:noFill/>
+                  <a:latin typeface="+mn-ea"/>
                 </a:endParaRPr>
               </a:p>
             </p:txBody>
@@ -7967,7 +6758,7 @@
             <p:spPr>
               <a:xfrm>
                 <a:off x="1877654" y="2120555"/>
-                <a:ext cx="870143" cy="274074"/>
+                <a:ext cx="870143" cy="306699"/>
               </a:xfrm>
               <a:prstGeom prst="rect">
                 <a:avLst/>
@@ -7986,8 +6777,7 @@
                     <a:solidFill>
                       <a:srgbClr val="333333"/>
                     </a:solidFill>
-                    <a:latin typeface="넥슨 풋볼고딕 B" panose="020B0803000000000000" pitchFamily="50" charset="-127"/>
-                    <a:ea typeface="넥슨 풋볼고딕 B" panose="020B0803000000000000" pitchFamily="50" charset="-127"/>
+                    <a:latin typeface="+mn-ea"/>
                   </a:rPr>
                   <a:t>0</a:t>
                 </a:r>
@@ -7995,8 +6785,7 @@
                   <a:solidFill>
                     <a:srgbClr val="333333"/>
                   </a:solidFill>
-                  <a:latin typeface="넥슨 풋볼고딕 B" panose="020B0803000000000000" pitchFamily="50" charset="-127"/>
-                  <a:ea typeface="넥슨 풋볼고딕 B" panose="020B0803000000000000" pitchFamily="50" charset="-127"/>
+                  <a:latin typeface="+mn-ea"/>
                 </a:endParaRPr>
               </a:p>
             </p:txBody>
@@ -8029,8 +6818,7 @@
                     <a:solidFill>
                       <a:srgbClr val="333333"/>
                     </a:solidFill>
-                    <a:latin typeface="넥슨 풋볼고딕 B" panose="020B0803000000000000" pitchFamily="50" charset="-127"/>
-                    <a:ea typeface="넥슨 풋볼고딕 B" panose="020B0803000000000000" pitchFamily="50" charset="-127"/>
+                    <a:latin typeface="+mn-ea"/>
                   </a:rPr>
                   <a:t>10</a:t>
                 </a:r>
@@ -8038,8 +6826,7 @@
                   <a:solidFill>
                     <a:srgbClr val="333333"/>
                   </a:solidFill>
-                  <a:latin typeface="넥슨 풋볼고딕 B" panose="020B0803000000000000" pitchFamily="50" charset="-127"/>
-                  <a:ea typeface="넥슨 풋볼고딕 B" panose="020B0803000000000000" pitchFamily="50" charset="-127"/>
+                  <a:latin typeface="+mn-ea"/>
                 </a:endParaRPr>
               </a:p>
             </p:txBody>
@@ -8072,8 +6859,7 @@
                     <a:solidFill>
                       <a:srgbClr val="333333"/>
                     </a:solidFill>
-                    <a:latin typeface="넥슨 풋볼고딕 B" panose="020B0803000000000000" pitchFamily="50" charset="-127"/>
-                    <a:ea typeface="넥슨 풋볼고딕 B" panose="020B0803000000000000" pitchFamily="50" charset="-127"/>
+                    <a:latin typeface="+mn-ea"/>
                   </a:rPr>
                   <a:t>1</a:t>
                 </a:r>
@@ -8081,8 +6867,7 @@
                   <a:solidFill>
                     <a:srgbClr val="333333"/>
                   </a:solidFill>
-                  <a:latin typeface="넥슨 풋볼고딕 B" panose="020B0803000000000000" pitchFamily="50" charset="-127"/>
-                  <a:ea typeface="넥슨 풋볼고딕 B" panose="020B0803000000000000" pitchFamily="50" charset="-127"/>
+                  <a:latin typeface="+mn-ea"/>
                 </a:endParaRPr>
               </a:p>
             </p:txBody>
@@ -8158,6 +6943,7 @@
                     </a:solidFill>
                   </a:ln>
                   <a:noFill/>
+                  <a:latin typeface="+mn-ea"/>
                 </a:endParaRPr>
               </a:p>
             </p:txBody>
@@ -8225,8 +7011,7 @@
                     <a:solidFill>
                       <a:srgbClr val="333333"/>
                     </a:solidFill>
-                    <a:latin typeface="넥슨 풋볼고딕 B" panose="020B0803000000000000" pitchFamily="50" charset="-127"/>
-                    <a:ea typeface="넥슨 풋볼고딕 B" panose="020B0803000000000000" pitchFamily="50" charset="-127"/>
+                    <a:latin typeface="+mn-ea"/>
                   </a:rPr>
                   <a:t>2</a:t>
                 </a:r>
@@ -8234,8 +7019,7 @@
                   <a:solidFill>
                     <a:srgbClr val="333333"/>
                   </a:solidFill>
-                  <a:latin typeface="넥슨 풋볼고딕 B" panose="020B0803000000000000" pitchFamily="50" charset="-127"/>
-                  <a:ea typeface="넥슨 풋볼고딕 B" panose="020B0803000000000000" pitchFamily="50" charset="-127"/>
+                  <a:latin typeface="+mn-ea"/>
                 </a:endParaRPr>
               </a:p>
             </p:txBody>
@@ -8268,8 +7052,7 @@
                     <a:solidFill>
                       <a:srgbClr val="333333"/>
                     </a:solidFill>
-                    <a:latin typeface="넥슨 풋볼고딕 B" panose="020B0803000000000000" pitchFamily="50" charset="-127"/>
-                    <a:ea typeface="넥슨 풋볼고딕 B" panose="020B0803000000000000" pitchFamily="50" charset="-127"/>
+                    <a:latin typeface="+mn-ea"/>
                   </a:rPr>
                   <a:t>30</a:t>
                 </a:r>
@@ -8277,8 +7060,7 @@
                   <a:solidFill>
                     <a:srgbClr val="333333"/>
                   </a:solidFill>
-                  <a:latin typeface="넥슨 풋볼고딕 B" panose="020B0803000000000000" pitchFamily="50" charset="-127"/>
-                  <a:ea typeface="넥슨 풋볼고딕 B" panose="020B0803000000000000" pitchFamily="50" charset="-127"/>
+                  <a:latin typeface="+mn-ea"/>
                 </a:endParaRPr>
               </a:p>
             </p:txBody>
@@ -8354,6 +7136,7 @@
                     </a:solidFill>
                   </a:ln>
                   <a:noFill/>
+                  <a:latin typeface="+mn-ea"/>
                 </a:endParaRPr>
               </a:p>
             </p:txBody>
@@ -8421,8 +7204,7 @@
                     <a:solidFill>
                       <a:srgbClr val="333333"/>
                     </a:solidFill>
-                    <a:latin typeface="넥슨 풋볼고딕 B" panose="020B0803000000000000" pitchFamily="50" charset="-127"/>
-                    <a:ea typeface="넥슨 풋볼고딕 B" panose="020B0803000000000000" pitchFamily="50" charset="-127"/>
+                    <a:latin typeface="+mn-ea"/>
                   </a:rPr>
                   <a:t>3</a:t>
                 </a:r>
@@ -8430,8 +7212,7 @@
                   <a:solidFill>
                     <a:srgbClr val="333333"/>
                   </a:solidFill>
-                  <a:latin typeface="넥슨 풋볼고딕 B" panose="020B0803000000000000" pitchFamily="50" charset="-127"/>
-                  <a:ea typeface="넥슨 풋볼고딕 B" panose="020B0803000000000000" pitchFamily="50" charset="-127"/>
+                  <a:latin typeface="+mn-ea"/>
                 </a:endParaRPr>
               </a:p>
             </p:txBody>
@@ -8464,8 +7245,7 @@
                     <a:solidFill>
                       <a:srgbClr val="333333"/>
                     </a:solidFill>
-                    <a:latin typeface="넥슨 풋볼고딕 B" panose="020B0803000000000000" pitchFamily="50" charset="-127"/>
-                    <a:ea typeface="넥슨 풋볼고딕 B" panose="020B0803000000000000" pitchFamily="50" charset="-127"/>
+                    <a:latin typeface="+mn-ea"/>
                   </a:rPr>
                   <a:t>40</a:t>
                 </a:r>
@@ -8473,8 +7253,7 @@
                   <a:solidFill>
                     <a:srgbClr val="333333"/>
                   </a:solidFill>
-                  <a:latin typeface="넥슨 풋볼고딕 B" panose="020B0803000000000000" pitchFamily="50" charset="-127"/>
-                  <a:ea typeface="넥슨 풋볼고딕 B" panose="020B0803000000000000" pitchFamily="50" charset="-127"/>
+                  <a:latin typeface="+mn-ea"/>
                 </a:endParaRPr>
               </a:p>
             </p:txBody>
@@ -8553,6 +7332,7 @@
                     </a:solidFill>
                   </a:ln>
                   <a:noFill/>
+                  <a:latin typeface="+mn-ea"/>
                 </a:endParaRPr>
               </a:p>
             </p:txBody>
@@ -8620,8 +7400,7 @@
                     <a:solidFill>
                       <a:srgbClr val="333333"/>
                     </a:solidFill>
-                    <a:latin typeface="넥슨 풋볼고딕 B" panose="020B0803000000000000" pitchFamily="50" charset="-127"/>
-                    <a:ea typeface="넥슨 풋볼고딕 B" panose="020B0803000000000000" pitchFamily="50" charset="-127"/>
+                    <a:latin typeface="+mn-ea"/>
                   </a:rPr>
                   <a:t>50</a:t>
                 </a:r>
@@ -8629,8 +7408,7 @@
                   <a:solidFill>
                     <a:srgbClr val="333333"/>
                   </a:solidFill>
-                  <a:latin typeface="넥슨 풋볼고딕 B" panose="020B0803000000000000" pitchFamily="50" charset="-127"/>
-                  <a:ea typeface="넥슨 풋볼고딕 B" panose="020B0803000000000000" pitchFamily="50" charset="-127"/>
+                  <a:latin typeface="+mn-ea"/>
                 </a:endParaRPr>
               </a:p>
             </p:txBody>
@@ -8685,6 +7463,13 @@
   <p:clrMapOvr>
     <a:masterClrMapping/>
   </p:clrMapOvr>
+  <p:timing>
+    <p:tnLst>
+      <p:par>
+        <p:cTn id="1" dur="indefinite" restart="never" nodeType="tmRoot"/>
+      </p:par>
+    </p:tnLst>
+  </p:timing>
 </p:sld>
 </file>
 
@@ -8808,6 +7593,13 @@
   <p:clrMapOvr>
     <a:masterClrMapping/>
   </p:clrMapOvr>
+  <p:timing>
+    <p:tnLst>
+      <p:par>
+        <p:cTn id="1" dur="indefinite" restart="never" nodeType="tmRoot"/>
+      </p:par>
+    </p:tnLst>
+  </p:timing>
 </p:sld>
 </file>
 
@@ -8912,6 +7704,7 @@
                     </a:solidFill>
                   </a:ln>
                   <a:noFill/>
+                  <a:latin typeface="+mn-ea"/>
                 </a:endParaRPr>
               </a:p>
             </p:txBody>
@@ -8960,7 +7753,7 @@
             <p:spPr>
               <a:xfrm>
                 <a:off x="1877654" y="2120555"/>
-                <a:ext cx="870143" cy="274074"/>
+                <a:ext cx="870143" cy="306699"/>
               </a:xfrm>
               <a:prstGeom prst="rect">
                 <a:avLst/>
@@ -8979,8 +7772,7 @@
                     <a:solidFill>
                       <a:srgbClr val="333333"/>
                     </a:solidFill>
-                    <a:latin typeface="넥슨 풋볼고딕 B" panose="020B0803000000000000" pitchFamily="50" charset="-127"/>
-                    <a:ea typeface="넥슨 풋볼고딕 B" panose="020B0803000000000000" pitchFamily="50" charset="-127"/>
+                    <a:latin typeface="+mn-ea"/>
                   </a:rPr>
                   <a:t>0</a:t>
                 </a:r>
@@ -8988,8 +7780,7 @@
                   <a:solidFill>
                     <a:srgbClr val="333333"/>
                   </a:solidFill>
-                  <a:latin typeface="넥슨 풋볼고딕 B" panose="020B0803000000000000" pitchFamily="50" charset="-127"/>
-                  <a:ea typeface="넥슨 풋볼고딕 B" panose="020B0803000000000000" pitchFamily="50" charset="-127"/>
+                  <a:latin typeface="+mn-ea"/>
                 </a:endParaRPr>
               </a:p>
             </p:txBody>
@@ -9022,8 +7813,7 @@
                     <a:solidFill>
                       <a:srgbClr val="333333"/>
                     </a:solidFill>
-                    <a:latin typeface="넥슨 풋볼고딕 B" panose="020B0803000000000000" pitchFamily="50" charset="-127"/>
-                    <a:ea typeface="넥슨 풋볼고딕 B" panose="020B0803000000000000" pitchFamily="50" charset="-127"/>
+                    <a:latin typeface="+mn-ea"/>
                   </a:rPr>
                   <a:t>10</a:t>
                 </a:r>
@@ -9031,8 +7821,7 @@
                   <a:solidFill>
                     <a:srgbClr val="333333"/>
                   </a:solidFill>
-                  <a:latin typeface="넥슨 풋볼고딕 B" panose="020B0803000000000000" pitchFamily="50" charset="-127"/>
-                  <a:ea typeface="넥슨 풋볼고딕 B" panose="020B0803000000000000" pitchFamily="50" charset="-127"/>
+                  <a:latin typeface="+mn-ea"/>
                 </a:endParaRPr>
               </a:p>
             </p:txBody>
@@ -9065,8 +7854,7 @@
                     <a:solidFill>
                       <a:srgbClr val="333333"/>
                     </a:solidFill>
-                    <a:latin typeface="넥슨 풋볼고딕 B" panose="020B0803000000000000" pitchFamily="50" charset="-127"/>
-                    <a:ea typeface="넥슨 풋볼고딕 B" panose="020B0803000000000000" pitchFamily="50" charset="-127"/>
+                    <a:latin typeface="+mn-ea"/>
                   </a:rPr>
                   <a:t>1</a:t>
                 </a:r>
@@ -9074,8 +7862,7 @@
                   <a:solidFill>
                     <a:srgbClr val="333333"/>
                   </a:solidFill>
-                  <a:latin typeface="넥슨 풋볼고딕 B" panose="020B0803000000000000" pitchFamily="50" charset="-127"/>
-                  <a:ea typeface="넥슨 풋볼고딕 B" panose="020B0803000000000000" pitchFamily="50" charset="-127"/>
+                  <a:latin typeface="+mn-ea"/>
                 </a:endParaRPr>
               </a:p>
             </p:txBody>
@@ -9151,6 +7938,7 @@
                     </a:solidFill>
                   </a:ln>
                   <a:noFill/>
+                  <a:latin typeface="+mn-ea"/>
                 </a:endParaRPr>
               </a:p>
             </p:txBody>
@@ -9218,8 +8006,7 @@
                     <a:solidFill>
                       <a:srgbClr val="333333"/>
                     </a:solidFill>
-                    <a:latin typeface="넥슨 풋볼고딕 B" panose="020B0803000000000000" pitchFamily="50" charset="-127"/>
-                    <a:ea typeface="넥슨 풋볼고딕 B" panose="020B0803000000000000" pitchFamily="50" charset="-127"/>
+                    <a:latin typeface="+mn-ea"/>
                   </a:rPr>
                   <a:t>2</a:t>
                 </a:r>
@@ -9227,8 +8014,7 @@
                   <a:solidFill>
                     <a:srgbClr val="333333"/>
                   </a:solidFill>
-                  <a:latin typeface="넥슨 풋볼고딕 B" panose="020B0803000000000000" pitchFamily="50" charset="-127"/>
-                  <a:ea typeface="넥슨 풋볼고딕 B" panose="020B0803000000000000" pitchFamily="50" charset="-127"/>
+                  <a:latin typeface="+mn-ea"/>
                 </a:endParaRPr>
               </a:p>
             </p:txBody>
@@ -9261,8 +8047,7 @@
                     <a:solidFill>
                       <a:srgbClr val="333333"/>
                     </a:solidFill>
-                    <a:latin typeface="넥슨 풋볼고딕 B" panose="020B0803000000000000" pitchFamily="50" charset="-127"/>
-                    <a:ea typeface="넥슨 풋볼고딕 B" panose="020B0803000000000000" pitchFamily="50" charset="-127"/>
+                    <a:latin typeface="+mn-ea"/>
                   </a:rPr>
                   <a:t>30</a:t>
                 </a:r>
@@ -9270,8 +8055,7 @@
                   <a:solidFill>
                     <a:srgbClr val="333333"/>
                   </a:solidFill>
-                  <a:latin typeface="넥슨 풋볼고딕 B" panose="020B0803000000000000" pitchFamily="50" charset="-127"/>
-                  <a:ea typeface="넥슨 풋볼고딕 B" panose="020B0803000000000000" pitchFamily="50" charset="-127"/>
+                  <a:latin typeface="+mn-ea"/>
                 </a:endParaRPr>
               </a:p>
             </p:txBody>
@@ -9347,6 +8131,7 @@
                     </a:solidFill>
                   </a:ln>
                   <a:noFill/>
+                  <a:latin typeface="+mn-ea"/>
                 </a:endParaRPr>
               </a:p>
             </p:txBody>
@@ -9414,8 +8199,7 @@
                     <a:solidFill>
                       <a:srgbClr val="333333"/>
                     </a:solidFill>
-                    <a:latin typeface="넥슨 풋볼고딕 B" panose="020B0803000000000000" pitchFamily="50" charset="-127"/>
-                    <a:ea typeface="넥슨 풋볼고딕 B" panose="020B0803000000000000" pitchFamily="50" charset="-127"/>
+                    <a:latin typeface="+mn-ea"/>
                   </a:rPr>
                   <a:t>3</a:t>
                 </a:r>
@@ -9423,8 +8207,7 @@
                   <a:solidFill>
                     <a:srgbClr val="333333"/>
                   </a:solidFill>
-                  <a:latin typeface="넥슨 풋볼고딕 B" panose="020B0803000000000000" pitchFamily="50" charset="-127"/>
-                  <a:ea typeface="넥슨 풋볼고딕 B" panose="020B0803000000000000" pitchFamily="50" charset="-127"/>
+                  <a:latin typeface="+mn-ea"/>
                 </a:endParaRPr>
               </a:p>
             </p:txBody>
@@ -9457,8 +8240,7 @@
                     <a:solidFill>
                       <a:srgbClr val="333333"/>
                     </a:solidFill>
-                    <a:latin typeface="넥슨 풋볼고딕 B" panose="020B0803000000000000" pitchFamily="50" charset="-127"/>
-                    <a:ea typeface="넥슨 풋볼고딕 B" panose="020B0803000000000000" pitchFamily="50" charset="-127"/>
+                    <a:latin typeface="+mn-ea"/>
                   </a:rPr>
                   <a:t>40</a:t>
                 </a:r>
@@ -9466,8 +8248,7 @@
                   <a:solidFill>
                     <a:srgbClr val="333333"/>
                   </a:solidFill>
-                  <a:latin typeface="넥슨 풋볼고딕 B" panose="020B0803000000000000" pitchFamily="50" charset="-127"/>
-                  <a:ea typeface="넥슨 풋볼고딕 B" panose="020B0803000000000000" pitchFamily="50" charset="-127"/>
+                  <a:latin typeface="+mn-ea"/>
                 </a:endParaRPr>
               </a:p>
             </p:txBody>
@@ -9546,6 +8327,7 @@
                     </a:solidFill>
                   </a:ln>
                   <a:noFill/>
+                  <a:latin typeface="+mn-ea"/>
                 </a:endParaRPr>
               </a:p>
             </p:txBody>
@@ -9613,8 +8395,7 @@
                     <a:solidFill>
                       <a:srgbClr val="333333"/>
                     </a:solidFill>
-                    <a:latin typeface="넥슨 풋볼고딕 B" panose="020B0803000000000000" pitchFamily="50" charset="-127"/>
-                    <a:ea typeface="넥슨 풋볼고딕 B" panose="020B0803000000000000" pitchFamily="50" charset="-127"/>
+                    <a:latin typeface="+mn-ea"/>
                   </a:rPr>
                   <a:t>50</a:t>
                 </a:r>
@@ -9622,8 +8403,7 @@
                   <a:solidFill>
                     <a:srgbClr val="333333"/>
                   </a:solidFill>
-                  <a:latin typeface="넥슨 풋볼고딕 B" panose="020B0803000000000000" pitchFamily="50" charset="-127"/>
-                  <a:ea typeface="넥슨 풋볼고딕 B" panose="020B0803000000000000" pitchFamily="50" charset="-127"/>
+                  <a:latin typeface="+mn-ea"/>
                 </a:endParaRPr>
               </a:p>
             </p:txBody>
@@ -9682,6 +8462,7 @@
               <a:solidFill>
                 <a:schemeClr val="tx1"/>
               </a:solidFill>
+              <a:latin typeface="+mn-ea"/>
             </a:endParaRPr>
           </a:p>
         </p:txBody>
@@ -9695,7 +8476,7 @@
         <p:spPr>
           <a:xfrm>
             <a:off x="5273735" y="1637381"/>
-            <a:ext cx="1010213" cy="646331"/>
+            <a:ext cx="856325" cy="646331"/>
           </a:xfrm>
           <a:prstGeom prst="rect">
             <a:avLst/>
@@ -9713,6 +8494,7 @@
                 <a:solidFill>
                   <a:srgbClr val="C00000"/>
                 </a:solidFill>
+                <a:latin typeface="+mn-ea"/>
               </a:rPr>
               <a:t>size</a:t>
             </a:r>
@@ -9720,6 +8502,7 @@
               <a:solidFill>
                 <a:srgbClr val="C00000"/>
               </a:solidFill>
+              <a:latin typeface="+mn-ea"/>
             </a:endParaRPr>
           </a:p>
         </p:txBody>
@@ -9734,6 +8517,13 @@
   <p:clrMapOvr>
     <a:masterClrMapping/>
   </p:clrMapOvr>
+  <p:timing>
+    <p:tnLst>
+      <p:par>
+        <p:cTn id="1" dur="indefinite" restart="never" nodeType="tmRoot"/>
+      </p:par>
+    </p:tnLst>
+  </p:timing>
 </p:sld>
 </file>
 
@@ -9893,9 +8683,9 @@
         <p:grpSpPr>
           <a:xfrm>
             <a:off x="3035560" y="2640086"/>
-            <a:ext cx="1036289" cy="1095195"/>
+            <a:ext cx="1036289" cy="1135372"/>
             <a:chOff x="1877654" y="1556951"/>
-            <a:chExt cx="873783" cy="839506"/>
+            <a:chExt cx="873783" cy="870303"/>
           </a:xfrm>
         </p:grpSpPr>
         <p:sp>
@@ -9954,6 +8744,7 @@
                   </a:solidFill>
                 </a:ln>
                 <a:noFill/>
+                <a:latin typeface="+mn-ea"/>
               </a:endParaRPr>
             </a:p>
           </p:txBody>
@@ -10002,7 +8793,7 @@
           <p:spPr>
             <a:xfrm>
               <a:off x="1877654" y="2120555"/>
-              <a:ext cx="870143" cy="274074"/>
+              <a:ext cx="870143" cy="306699"/>
             </a:xfrm>
             <a:prstGeom prst="rect">
               <a:avLst/>
@@ -10021,8 +8812,7 @@
                   <a:solidFill>
                     <a:srgbClr val="333333"/>
                   </a:solidFill>
-                  <a:latin typeface="넥슨 풋볼고딕 B" panose="020B0803000000000000" pitchFamily="50" charset="-127"/>
-                  <a:ea typeface="넥슨 풋볼고딕 B" panose="020B0803000000000000" pitchFamily="50" charset="-127"/>
+                  <a:latin typeface="+mn-ea"/>
                 </a:rPr>
                 <a:t>0</a:t>
               </a:r>
@@ -10030,8 +8820,7 @@
                 <a:solidFill>
                   <a:srgbClr val="333333"/>
                 </a:solidFill>
-                <a:latin typeface="넥슨 풋볼고딕 B" panose="020B0803000000000000" pitchFamily="50" charset="-127"/>
-                <a:ea typeface="넥슨 풋볼고딕 B" panose="020B0803000000000000" pitchFamily="50" charset="-127"/>
+                <a:latin typeface="+mn-ea"/>
               </a:endParaRPr>
             </a:p>
           </p:txBody>
@@ -10064,8 +8853,7 @@
                   <a:solidFill>
                     <a:srgbClr val="333333"/>
                   </a:solidFill>
-                  <a:latin typeface="넥슨 풋볼고딕 B" panose="020B0803000000000000" pitchFamily="50" charset="-127"/>
-                  <a:ea typeface="넥슨 풋볼고딕 B" panose="020B0803000000000000" pitchFamily="50" charset="-127"/>
+                  <a:latin typeface="+mn-ea"/>
                 </a:rPr>
                 <a:t>10</a:t>
               </a:r>
@@ -10073,8 +8861,7 @@
                 <a:solidFill>
                   <a:srgbClr val="333333"/>
                 </a:solidFill>
-                <a:latin typeface="넥슨 풋볼고딕 B" panose="020B0803000000000000" pitchFamily="50" charset="-127"/>
-                <a:ea typeface="넥슨 풋볼고딕 B" panose="020B0803000000000000" pitchFamily="50" charset="-127"/>
+                <a:latin typeface="+mn-ea"/>
               </a:endParaRPr>
             </a:p>
           </p:txBody>
@@ -10089,9 +8876,9 @@
         <p:grpSpPr>
           <a:xfrm>
             <a:off x="4487804" y="2640086"/>
-            <a:ext cx="1036289" cy="1095195"/>
+            <a:ext cx="1036289" cy="1135372"/>
             <a:chOff x="1877654" y="1556951"/>
-            <a:chExt cx="873783" cy="839506"/>
+            <a:chExt cx="873783" cy="870303"/>
           </a:xfrm>
         </p:grpSpPr>
         <p:sp>
@@ -10150,6 +8937,7 @@
                   </a:solidFill>
                 </a:ln>
                 <a:noFill/>
+                <a:latin typeface="+mn-ea"/>
               </a:endParaRPr>
             </a:p>
           </p:txBody>
@@ -10198,7 +8986,7 @@
           <p:spPr>
             <a:xfrm>
               <a:off x="1877654" y="2120555"/>
-              <a:ext cx="870143" cy="274074"/>
+              <a:ext cx="870143" cy="306699"/>
             </a:xfrm>
             <a:prstGeom prst="rect">
               <a:avLst/>
@@ -10217,8 +9005,7 @@
                   <a:solidFill>
                     <a:srgbClr val="333333"/>
                   </a:solidFill>
-                  <a:latin typeface="넥슨 풋볼고딕 B" panose="020B0803000000000000" pitchFamily="50" charset="-127"/>
-                  <a:ea typeface="넥슨 풋볼고딕 B" panose="020B0803000000000000" pitchFamily="50" charset="-127"/>
+                  <a:latin typeface="+mn-ea"/>
                 </a:rPr>
                 <a:t>1</a:t>
               </a:r>
@@ -10226,8 +9013,7 @@
                 <a:solidFill>
                   <a:srgbClr val="333333"/>
                 </a:solidFill>
-                <a:latin typeface="넥슨 풋볼고딕 B" panose="020B0803000000000000" pitchFamily="50" charset="-127"/>
-                <a:ea typeface="넥슨 풋볼고딕 B" panose="020B0803000000000000" pitchFamily="50" charset="-127"/>
+                <a:latin typeface="+mn-ea"/>
               </a:endParaRPr>
             </a:p>
           </p:txBody>
@@ -10260,8 +9046,7 @@
                   <a:solidFill>
                     <a:srgbClr val="333333"/>
                   </a:solidFill>
-                  <a:latin typeface="넥슨 풋볼고딕 B" panose="020B0803000000000000" pitchFamily="50" charset="-127"/>
-                  <a:ea typeface="넥슨 풋볼고딕 B" panose="020B0803000000000000" pitchFamily="50" charset="-127"/>
+                  <a:latin typeface="+mn-ea"/>
                 </a:rPr>
                 <a:t>20</a:t>
               </a:r>
@@ -10269,8 +9054,7 @@
                 <a:solidFill>
                   <a:srgbClr val="333333"/>
                 </a:solidFill>
-                <a:latin typeface="넥슨 풋볼고딕 B" panose="020B0803000000000000" pitchFamily="50" charset="-127"/>
-                <a:ea typeface="넥슨 풋볼고딕 B" panose="020B0803000000000000" pitchFamily="50" charset="-127"/>
+                <a:latin typeface="+mn-ea"/>
               </a:endParaRPr>
             </a:p>
           </p:txBody>
@@ -10285,9 +9069,9 @@
         <p:grpSpPr>
           <a:xfrm>
             <a:off x="5940047" y="2640086"/>
-            <a:ext cx="1036289" cy="1095195"/>
+            <a:ext cx="1036289" cy="1135372"/>
             <a:chOff x="1877654" y="1556951"/>
-            <a:chExt cx="873783" cy="839506"/>
+            <a:chExt cx="873783" cy="870303"/>
           </a:xfrm>
         </p:grpSpPr>
         <p:sp>
@@ -10346,6 +9130,7 @@
                   </a:solidFill>
                 </a:ln>
                 <a:noFill/>
+                <a:latin typeface="+mn-ea"/>
               </a:endParaRPr>
             </a:p>
           </p:txBody>
@@ -10394,7 +9179,7 @@
           <p:spPr>
             <a:xfrm>
               <a:off x="1877654" y="2120555"/>
-              <a:ext cx="870143" cy="274074"/>
+              <a:ext cx="870143" cy="306699"/>
             </a:xfrm>
             <a:prstGeom prst="rect">
               <a:avLst/>
@@ -10413,8 +9198,7 @@
                   <a:solidFill>
                     <a:srgbClr val="333333"/>
                   </a:solidFill>
-                  <a:latin typeface="넥슨 풋볼고딕 B" panose="020B0803000000000000" pitchFamily="50" charset="-127"/>
-                  <a:ea typeface="넥슨 풋볼고딕 B" panose="020B0803000000000000" pitchFamily="50" charset="-127"/>
+                  <a:latin typeface="+mn-ea"/>
                 </a:rPr>
                 <a:t>2</a:t>
               </a:r>
@@ -10422,8 +9206,7 @@
                 <a:solidFill>
                   <a:srgbClr val="333333"/>
                 </a:solidFill>
-                <a:latin typeface="넥슨 풋볼고딕 B" panose="020B0803000000000000" pitchFamily="50" charset="-127"/>
-                <a:ea typeface="넥슨 풋볼고딕 B" panose="020B0803000000000000" pitchFamily="50" charset="-127"/>
+                <a:latin typeface="+mn-ea"/>
               </a:endParaRPr>
             </a:p>
           </p:txBody>
@@ -10456,8 +9239,7 @@
                   <a:solidFill>
                     <a:srgbClr val="333333"/>
                   </a:solidFill>
-                  <a:latin typeface="넥슨 풋볼고딕 B" panose="020B0803000000000000" pitchFamily="50" charset="-127"/>
-                  <a:ea typeface="넥슨 풋볼고딕 B" panose="020B0803000000000000" pitchFamily="50" charset="-127"/>
+                  <a:latin typeface="+mn-ea"/>
                 </a:rPr>
                 <a:t>30</a:t>
               </a:r>
@@ -10465,8 +9247,7 @@
                 <a:solidFill>
                   <a:srgbClr val="333333"/>
                 </a:solidFill>
-                <a:latin typeface="넥슨 풋볼고딕 B" panose="020B0803000000000000" pitchFamily="50" charset="-127"/>
-                <a:ea typeface="넥슨 풋볼고딕 B" panose="020B0803000000000000" pitchFamily="50" charset="-127"/>
+                <a:latin typeface="+mn-ea"/>
               </a:endParaRPr>
             </a:p>
           </p:txBody>
@@ -10542,6 +9323,7 @@
                   </a:solidFill>
                 </a:ln>
                 <a:noFill/>
+                <a:latin typeface="+mn-ea"/>
               </a:endParaRPr>
             </a:p>
           </p:txBody>
@@ -10609,8 +9391,7 @@
                   <a:solidFill>
                     <a:srgbClr val="333333"/>
                   </a:solidFill>
-                  <a:latin typeface="넥슨 풋볼고딕 B" panose="020B0803000000000000" pitchFamily="50" charset="-127"/>
-                  <a:ea typeface="넥슨 풋볼고딕 B" panose="020B0803000000000000" pitchFamily="50" charset="-127"/>
+                  <a:latin typeface="+mn-ea"/>
                 </a:rPr>
                 <a:t>3</a:t>
               </a:r>
@@ -10618,8 +9399,7 @@
                 <a:solidFill>
                   <a:srgbClr val="333333"/>
                 </a:solidFill>
-                <a:latin typeface="넥슨 풋볼고딕 B" panose="020B0803000000000000" pitchFamily="50" charset="-127"/>
-                <a:ea typeface="넥슨 풋볼고딕 B" panose="020B0803000000000000" pitchFamily="50" charset="-127"/>
+                <a:latin typeface="+mn-ea"/>
               </a:endParaRPr>
             </a:p>
           </p:txBody>
@@ -10652,8 +9432,7 @@
                   <a:solidFill>
                     <a:srgbClr val="333333"/>
                   </a:solidFill>
-                  <a:latin typeface="넥슨 풋볼고딕 B" panose="020B0803000000000000" pitchFamily="50" charset="-127"/>
-                  <a:ea typeface="넥슨 풋볼고딕 B" panose="020B0803000000000000" pitchFamily="50" charset="-127"/>
+                  <a:latin typeface="+mn-ea"/>
                 </a:rPr>
                 <a:t>40</a:t>
               </a:r>
@@ -10661,8 +9440,7 @@
                 <a:solidFill>
                   <a:srgbClr val="333333"/>
                 </a:solidFill>
-                <a:latin typeface="넥슨 풋볼고딕 B" panose="020B0803000000000000" pitchFamily="50" charset="-127"/>
-                <a:ea typeface="넥슨 풋볼고딕 B" panose="020B0803000000000000" pitchFamily="50" charset="-127"/>
+                <a:latin typeface="+mn-ea"/>
               </a:endParaRPr>
             </a:p>
           </p:txBody>
@@ -10725,6 +9503,7 @@
                 </a:solidFill>
               </a:ln>
               <a:noFill/>
+              <a:latin typeface="+mn-ea"/>
             </a:endParaRPr>
           </a:p>
         </p:txBody>
@@ -10780,6 +9559,7 @@
               <a:solidFill>
                 <a:schemeClr val="tx1"/>
               </a:solidFill>
+              <a:latin typeface="+mn-ea"/>
             </a:endParaRPr>
           </a:p>
         </p:txBody>
@@ -10830,9 +9610,9 @@
         <p:grpSpPr>
           <a:xfrm>
             <a:off x="3035560" y="2640085"/>
-            <a:ext cx="1036289" cy="1095195"/>
+            <a:ext cx="1036289" cy="1135372"/>
             <a:chOff x="1877654" y="1556951"/>
-            <a:chExt cx="873783" cy="839506"/>
+            <a:chExt cx="873783" cy="870303"/>
           </a:xfrm>
         </p:grpSpPr>
         <p:sp>
@@ -10891,6 +9671,7 @@
                   </a:solidFill>
                 </a:ln>
                 <a:noFill/>
+                <a:latin typeface="+mn-ea"/>
               </a:endParaRPr>
             </a:p>
           </p:txBody>
@@ -10939,7 +9720,7 @@
           <p:spPr>
             <a:xfrm>
               <a:off x="1877654" y="2120555"/>
-              <a:ext cx="870143" cy="274074"/>
+              <a:ext cx="870143" cy="306699"/>
             </a:xfrm>
             <a:prstGeom prst="rect">
               <a:avLst/>
@@ -10958,8 +9739,7 @@
                   <a:solidFill>
                     <a:srgbClr val="333333"/>
                   </a:solidFill>
-                  <a:latin typeface="넥슨 풋볼고딕 B" panose="020B0803000000000000" pitchFamily="50" charset="-127"/>
-                  <a:ea typeface="넥슨 풋볼고딕 B" panose="020B0803000000000000" pitchFamily="50" charset="-127"/>
+                  <a:latin typeface="+mn-ea"/>
                 </a:rPr>
                 <a:t>0</a:t>
               </a:r>
@@ -10967,8 +9747,7 @@
                 <a:solidFill>
                   <a:srgbClr val="333333"/>
                 </a:solidFill>
-                <a:latin typeface="넥슨 풋볼고딕 B" panose="020B0803000000000000" pitchFamily="50" charset="-127"/>
-                <a:ea typeface="넥슨 풋볼고딕 B" panose="020B0803000000000000" pitchFamily="50" charset="-127"/>
+                <a:latin typeface="+mn-ea"/>
               </a:endParaRPr>
             </a:p>
           </p:txBody>
@@ -11001,8 +9780,7 @@
                   <a:solidFill>
                     <a:srgbClr val="333333"/>
                   </a:solidFill>
-                  <a:latin typeface="넥슨 풋볼고딕 B" panose="020B0803000000000000" pitchFamily="50" charset="-127"/>
-                  <a:ea typeface="넥슨 풋볼고딕 B" panose="020B0803000000000000" pitchFamily="50" charset="-127"/>
+                  <a:latin typeface="+mn-ea"/>
                 </a:rPr>
                 <a:t>10</a:t>
               </a:r>
@@ -11010,8 +9788,7 @@
                 <a:solidFill>
                   <a:srgbClr val="333333"/>
                 </a:solidFill>
-                <a:latin typeface="넥슨 풋볼고딕 B" panose="020B0803000000000000" pitchFamily="50" charset="-127"/>
-                <a:ea typeface="넥슨 풋볼고딕 B" panose="020B0803000000000000" pitchFamily="50" charset="-127"/>
+                <a:latin typeface="+mn-ea"/>
               </a:endParaRPr>
             </a:p>
           </p:txBody>
@@ -11026,9 +9803,9 @@
         <p:grpSpPr>
           <a:xfrm>
             <a:off x="4487804" y="2640085"/>
-            <a:ext cx="1036289" cy="1095195"/>
+            <a:ext cx="1036289" cy="1135372"/>
             <a:chOff x="1877654" y="1556951"/>
-            <a:chExt cx="873783" cy="839506"/>
+            <a:chExt cx="873783" cy="870303"/>
           </a:xfrm>
         </p:grpSpPr>
         <p:sp>
@@ -11087,6 +9864,7 @@
                   </a:solidFill>
                 </a:ln>
                 <a:noFill/>
+                <a:latin typeface="+mn-ea"/>
               </a:endParaRPr>
             </a:p>
           </p:txBody>
@@ -11135,7 +9913,7 @@
           <p:spPr>
             <a:xfrm>
               <a:off x="1877654" y="2120555"/>
-              <a:ext cx="870143" cy="274074"/>
+              <a:ext cx="870143" cy="306699"/>
             </a:xfrm>
             <a:prstGeom prst="rect">
               <a:avLst/>
@@ -11154,8 +9932,7 @@
                   <a:solidFill>
                     <a:srgbClr val="333333"/>
                   </a:solidFill>
-                  <a:latin typeface="넥슨 풋볼고딕 B" panose="020B0803000000000000" pitchFamily="50" charset="-127"/>
-                  <a:ea typeface="넥슨 풋볼고딕 B" panose="020B0803000000000000" pitchFamily="50" charset="-127"/>
+                  <a:latin typeface="+mn-ea"/>
                 </a:rPr>
                 <a:t>1</a:t>
               </a:r>
@@ -11163,8 +9940,7 @@
                 <a:solidFill>
                   <a:srgbClr val="333333"/>
                 </a:solidFill>
-                <a:latin typeface="넥슨 풋볼고딕 B" panose="020B0803000000000000" pitchFamily="50" charset="-127"/>
-                <a:ea typeface="넥슨 풋볼고딕 B" panose="020B0803000000000000" pitchFamily="50" charset="-127"/>
+                <a:latin typeface="+mn-ea"/>
               </a:endParaRPr>
             </a:p>
           </p:txBody>
@@ -11197,8 +9973,7 @@
                   <a:solidFill>
                     <a:srgbClr val="333333"/>
                   </a:solidFill>
-                  <a:latin typeface="넥슨 풋볼고딕 B" panose="020B0803000000000000" pitchFamily="50" charset="-127"/>
-                  <a:ea typeface="넥슨 풋볼고딕 B" panose="020B0803000000000000" pitchFamily="50" charset="-127"/>
+                  <a:latin typeface="+mn-ea"/>
                 </a:rPr>
                 <a:t>20</a:t>
               </a:r>
@@ -11206,8 +9981,7 @@
                 <a:solidFill>
                   <a:srgbClr val="333333"/>
                 </a:solidFill>
-                <a:latin typeface="넥슨 풋볼고딕 B" panose="020B0803000000000000" pitchFamily="50" charset="-127"/>
-                <a:ea typeface="넥슨 풋볼고딕 B" panose="020B0803000000000000" pitchFamily="50" charset="-127"/>
+                <a:latin typeface="+mn-ea"/>
               </a:endParaRPr>
             </a:p>
           </p:txBody>
@@ -11222,9 +9996,9 @@
         <p:grpSpPr>
           <a:xfrm>
             <a:off x="5940047" y="2640085"/>
-            <a:ext cx="1036289" cy="1095195"/>
+            <a:ext cx="1036289" cy="1135372"/>
             <a:chOff x="1877654" y="1556951"/>
-            <a:chExt cx="873783" cy="839506"/>
+            <a:chExt cx="873783" cy="870303"/>
           </a:xfrm>
         </p:grpSpPr>
         <p:sp>
@@ -11283,6 +10057,7 @@
                   </a:solidFill>
                 </a:ln>
                 <a:noFill/>
+                <a:latin typeface="+mn-ea"/>
               </a:endParaRPr>
             </a:p>
           </p:txBody>
@@ -11331,7 +10106,7 @@
           <p:spPr>
             <a:xfrm>
               <a:off x="1877654" y="2120555"/>
-              <a:ext cx="870143" cy="274074"/>
+              <a:ext cx="870143" cy="306699"/>
             </a:xfrm>
             <a:prstGeom prst="rect">
               <a:avLst/>
@@ -11350,8 +10125,7 @@
                   <a:solidFill>
                     <a:srgbClr val="333333"/>
                   </a:solidFill>
-                  <a:latin typeface="넥슨 풋볼고딕 B" panose="020B0803000000000000" pitchFamily="50" charset="-127"/>
-                  <a:ea typeface="넥슨 풋볼고딕 B" panose="020B0803000000000000" pitchFamily="50" charset="-127"/>
+                  <a:latin typeface="+mn-ea"/>
                 </a:rPr>
                 <a:t>2</a:t>
               </a:r>
@@ -11359,8 +10133,7 @@
                 <a:solidFill>
                   <a:srgbClr val="333333"/>
                 </a:solidFill>
-                <a:latin typeface="넥슨 풋볼고딕 B" panose="020B0803000000000000" pitchFamily="50" charset="-127"/>
-                <a:ea typeface="넥슨 풋볼고딕 B" panose="020B0803000000000000" pitchFamily="50" charset="-127"/>
+                <a:latin typeface="+mn-ea"/>
               </a:endParaRPr>
             </a:p>
           </p:txBody>
@@ -11393,8 +10166,7 @@
                   <a:solidFill>
                     <a:srgbClr val="333333"/>
                   </a:solidFill>
-                  <a:latin typeface="넥슨 풋볼고딕 B" panose="020B0803000000000000" pitchFamily="50" charset="-127"/>
-                  <a:ea typeface="넥슨 풋볼고딕 B" panose="020B0803000000000000" pitchFamily="50" charset="-127"/>
+                  <a:latin typeface="+mn-ea"/>
                 </a:rPr>
                 <a:t>30</a:t>
               </a:r>
@@ -11402,8 +10174,7 @@
                 <a:solidFill>
                   <a:srgbClr val="333333"/>
                 </a:solidFill>
-                <a:latin typeface="넥슨 풋볼고딕 B" panose="020B0803000000000000" pitchFamily="50" charset="-127"/>
-                <a:ea typeface="넥슨 풋볼고딕 B" panose="020B0803000000000000" pitchFamily="50" charset="-127"/>
+                <a:latin typeface="+mn-ea"/>
               </a:endParaRPr>
             </a:p>
           </p:txBody>
@@ -11467,6 +10238,7 @@
                 <a:prstDash val="dash"/>
               </a:ln>
               <a:noFill/>
+              <a:latin typeface="+mn-ea"/>
             </a:endParaRPr>
           </a:p>
         </p:txBody>
@@ -11541,6 +10313,7 @@
                   </a:solidFill>
                 </a:ln>
                 <a:noFill/>
+                <a:latin typeface="+mn-ea"/>
               </a:endParaRPr>
             </a:p>
           </p:txBody>
@@ -11608,8 +10381,7 @@
                   <a:solidFill>
                     <a:srgbClr val="333333"/>
                   </a:solidFill>
-                  <a:latin typeface="넥슨 풋볼고딕 B" panose="020B0803000000000000" pitchFamily="50" charset="-127"/>
-                  <a:ea typeface="넥슨 풋볼고딕 B" panose="020B0803000000000000" pitchFamily="50" charset="-127"/>
+                  <a:latin typeface="+mn-ea"/>
                 </a:rPr>
                 <a:t>4</a:t>
               </a:r>
@@ -11617,8 +10389,7 @@
                 <a:solidFill>
                   <a:srgbClr val="333333"/>
                 </a:solidFill>
-                <a:latin typeface="넥슨 풋볼고딕 B" panose="020B0803000000000000" pitchFamily="50" charset="-127"/>
-                <a:ea typeface="넥슨 풋볼고딕 B" panose="020B0803000000000000" pitchFamily="50" charset="-127"/>
+                <a:latin typeface="+mn-ea"/>
               </a:endParaRPr>
             </a:p>
           </p:txBody>
@@ -11651,8 +10422,7 @@
                   <a:solidFill>
                     <a:srgbClr val="333333"/>
                   </a:solidFill>
-                  <a:latin typeface="넥슨 풋볼고딕 B" panose="020B0803000000000000" pitchFamily="50" charset="-127"/>
-                  <a:ea typeface="넥슨 풋볼고딕 B" panose="020B0803000000000000" pitchFamily="50" charset="-127"/>
+                  <a:latin typeface="+mn-ea"/>
                 </a:rPr>
                 <a:t>40</a:t>
               </a:r>
@@ -11660,8 +10430,7 @@
                 <a:solidFill>
                   <a:srgbClr val="333333"/>
                 </a:solidFill>
-                <a:latin typeface="넥슨 풋볼고딕 B" panose="020B0803000000000000" pitchFamily="50" charset="-127"/>
-                <a:ea typeface="넥슨 풋볼고딕 B" panose="020B0803000000000000" pitchFamily="50" charset="-127"/>
+                <a:latin typeface="+mn-ea"/>
               </a:endParaRPr>
             </a:p>
           </p:txBody>
@@ -11718,6 +10487,7 @@
               <a:solidFill>
                 <a:schemeClr val="tx1"/>
               </a:solidFill>
+              <a:latin typeface="+mn-ea"/>
             </a:endParaRPr>
           </a:p>
         </p:txBody>
@@ -11768,9 +10538,9 @@
         <p:grpSpPr>
           <a:xfrm>
             <a:off x="3035560" y="2640085"/>
-            <a:ext cx="1036289" cy="1095195"/>
+            <a:ext cx="1036289" cy="1135372"/>
             <a:chOff x="1877654" y="1556951"/>
-            <a:chExt cx="873783" cy="839506"/>
+            <a:chExt cx="873783" cy="870303"/>
           </a:xfrm>
         </p:grpSpPr>
         <p:sp>
@@ -11829,6 +10599,7 @@
                   </a:solidFill>
                 </a:ln>
                 <a:noFill/>
+                <a:latin typeface="+mn-ea"/>
               </a:endParaRPr>
             </a:p>
           </p:txBody>
@@ -11877,7 +10648,7 @@
           <p:spPr>
             <a:xfrm>
               <a:off x="1877654" y="2120555"/>
-              <a:ext cx="870143" cy="274074"/>
+              <a:ext cx="870143" cy="306699"/>
             </a:xfrm>
             <a:prstGeom prst="rect">
               <a:avLst/>
@@ -11896,8 +10667,7 @@
                   <a:solidFill>
                     <a:srgbClr val="333333"/>
                   </a:solidFill>
-                  <a:latin typeface="넥슨 풋볼고딕 B" panose="020B0803000000000000" pitchFamily="50" charset="-127"/>
-                  <a:ea typeface="넥슨 풋볼고딕 B" panose="020B0803000000000000" pitchFamily="50" charset="-127"/>
+                  <a:latin typeface="+mn-ea"/>
                 </a:rPr>
                 <a:t>0</a:t>
               </a:r>
@@ -11905,8 +10675,7 @@
                 <a:solidFill>
                   <a:srgbClr val="333333"/>
                 </a:solidFill>
-                <a:latin typeface="넥슨 풋볼고딕 B" panose="020B0803000000000000" pitchFamily="50" charset="-127"/>
-                <a:ea typeface="넥슨 풋볼고딕 B" panose="020B0803000000000000" pitchFamily="50" charset="-127"/>
+                <a:latin typeface="+mn-ea"/>
               </a:endParaRPr>
             </a:p>
           </p:txBody>
@@ -11939,8 +10708,7 @@
                   <a:solidFill>
                     <a:srgbClr val="333333"/>
                   </a:solidFill>
-                  <a:latin typeface="넥슨 풋볼고딕 B" panose="020B0803000000000000" pitchFamily="50" charset="-127"/>
-                  <a:ea typeface="넥슨 풋볼고딕 B" panose="020B0803000000000000" pitchFamily="50" charset="-127"/>
+                  <a:latin typeface="+mn-ea"/>
                 </a:rPr>
                 <a:t>10</a:t>
               </a:r>
@@ -11948,8 +10716,7 @@
                 <a:solidFill>
                   <a:srgbClr val="333333"/>
                 </a:solidFill>
-                <a:latin typeface="넥슨 풋볼고딕 B" panose="020B0803000000000000" pitchFamily="50" charset="-127"/>
-                <a:ea typeface="넥슨 풋볼고딕 B" panose="020B0803000000000000" pitchFamily="50" charset="-127"/>
+                <a:latin typeface="+mn-ea"/>
               </a:endParaRPr>
             </a:p>
           </p:txBody>
@@ -11964,9 +10731,9 @@
         <p:grpSpPr>
           <a:xfrm>
             <a:off x="4487804" y="2640085"/>
-            <a:ext cx="1036289" cy="1095195"/>
+            <a:ext cx="1036289" cy="1135372"/>
             <a:chOff x="1877654" y="1556951"/>
-            <a:chExt cx="873783" cy="839506"/>
+            <a:chExt cx="873783" cy="870303"/>
           </a:xfrm>
         </p:grpSpPr>
         <p:sp>
@@ -12025,6 +10792,7 @@
                   </a:solidFill>
                 </a:ln>
                 <a:noFill/>
+                <a:latin typeface="+mn-ea"/>
               </a:endParaRPr>
             </a:p>
           </p:txBody>
@@ -12073,7 +10841,7 @@
           <p:spPr>
             <a:xfrm>
               <a:off x="1877654" y="2120555"/>
-              <a:ext cx="870143" cy="274074"/>
+              <a:ext cx="870143" cy="306699"/>
             </a:xfrm>
             <a:prstGeom prst="rect">
               <a:avLst/>
@@ -12092,8 +10860,7 @@
                   <a:solidFill>
                     <a:srgbClr val="333333"/>
                   </a:solidFill>
-                  <a:latin typeface="넥슨 풋볼고딕 B" panose="020B0803000000000000" pitchFamily="50" charset="-127"/>
-                  <a:ea typeface="넥슨 풋볼고딕 B" panose="020B0803000000000000" pitchFamily="50" charset="-127"/>
+                  <a:latin typeface="+mn-ea"/>
                 </a:rPr>
                 <a:t>1</a:t>
               </a:r>
@@ -12101,8 +10868,7 @@
                 <a:solidFill>
                   <a:srgbClr val="333333"/>
                 </a:solidFill>
-                <a:latin typeface="넥슨 풋볼고딕 B" panose="020B0803000000000000" pitchFamily="50" charset="-127"/>
-                <a:ea typeface="넥슨 풋볼고딕 B" panose="020B0803000000000000" pitchFamily="50" charset="-127"/>
+                <a:latin typeface="+mn-ea"/>
               </a:endParaRPr>
             </a:p>
           </p:txBody>
@@ -12135,8 +10901,7 @@
                   <a:solidFill>
                     <a:srgbClr val="333333"/>
                   </a:solidFill>
-                  <a:latin typeface="넥슨 풋볼고딕 B" panose="020B0803000000000000" pitchFamily="50" charset="-127"/>
-                  <a:ea typeface="넥슨 풋볼고딕 B" panose="020B0803000000000000" pitchFamily="50" charset="-127"/>
+                  <a:latin typeface="+mn-ea"/>
                 </a:rPr>
                 <a:t>20</a:t>
               </a:r>
@@ -12144,8 +10909,7 @@
                 <a:solidFill>
                   <a:srgbClr val="333333"/>
                 </a:solidFill>
-                <a:latin typeface="넥슨 풋볼고딕 B" panose="020B0803000000000000" pitchFamily="50" charset="-127"/>
-                <a:ea typeface="넥슨 풋볼고딕 B" panose="020B0803000000000000" pitchFamily="50" charset="-127"/>
+                <a:latin typeface="+mn-ea"/>
               </a:endParaRPr>
             </a:p>
           </p:txBody>
@@ -12221,6 +10985,7 @@
                   </a:solidFill>
                 </a:ln>
                 <a:noFill/>
+                <a:latin typeface="+mn-ea"/>
               </a:endParaRPr>
             </a:p>
           </p:txBody>
@@ -12288,8 +11053,7 @@
                   <a:solidFill>
                     <a:srgbClr val="333333"/>
                   </a:solidFill>
-                  <a:latin typeface="넥슨 풋볼고딕 B" panose="020B0803000000000000" pitchFamily="50" charset="-127"/>
-                  <a:ea typeface="넥슨 풋볼고딕 B" panose="020B0803000000000000" pitchFamily="50" charset="-127"/>
+                  <a:latin typeface="+mn-ea"/>
                 </a:rPr>
                 <a:t>3</a:t>
               </a:r>
@@ -12297,8 +11061,7 @@
                 <a:solidFill>
                   <a:srgbClr val="333333"/>
                 </a:solidFill>
-                <a:latin typeface="넥슨 풋볼고딕 B" panose="020B0803000000000000" pitchFamily="50" charset="-127"/>
-                <a:ea typeface="넥슨 풋볼고딕 B" panose="020B0803000000000000" pitchFamily="50" charset="-127"/>
+                <a:latin typeface="+mn-ea"/>
               </a:endParaRPr>
             </a:p>
           </p:txBody>
@@ -12331,8 +11094,7 @@
                   <a:solidFill>
                     <a:srgbClr val="333333"/>
                   </a:solidFill>
-                  <a:latin typeface="넥슨 풋볼고딕 B" panose="020B0803000000000000" pitchFamily="50" charset="-127"/>
-                  <a:ea typeface="넥슨 풋볼고딕 B" panose="020B0803000000000000" pitchFamily="50" charset="-127"/>
+                  <a:latin typeface="+mn-ea"/>
                 </a:rPr>
                 <a:t>30</a:t>
               </a:r>
@@ -12340,8 +11102,7 @@
                 <a:solidFill>
                   <a:srgbClr val="333333"/>
                 </a:solidFill>
-                <a:latin typeface="넥슨 풋볼고딕 B" panose="020B0803000000000000" pitchFamily="50" charset="-127"/>
-                <a:ea typeface="넥슨 풋볼고딕 B" panose="020B0803000000000000" pitchFamily="50" charset="-127"/>
+                <a:latin typeface="+mn-ea"/>
               </a:endParaRPr>
             </a:p>
           </p:txBody>
@@ -12405,6 +11166,7 @@
                 <a:prstDash val="dash"/>
               </a:ln>
               <a:noFill/>
+              <a:latin typeface="+mn-ea"/>
             </a:endParaRPr>
           </a:p>
         </p:txBody>
@@ -12479,6 +11241,7 @@
                   </a:solidFill>
                 </a:ln>
                 <a:noFill/>
+                <a:latin typeface="+mn-ea"/>
               </a:endParaRPr>
             </a:p>
           </p:txBody>
@@ -12546,8 +11309,7 @@
                   <a:solidFill>
                     <a:srgbClr val="333333"/>
                   </a:solidFill>
-                  <a:latin typeface="넥슨 풋볼고딕 B" panose="020B0803000000000000" pitchFamily="50" charset="-127"/>
-                  <a:ea typeface="넥슨 풋볼고딕 B" panose="020B0803000000000000" pitchFamily="50" charset="-127"/>
+                  <a:latin typeface="+mn-ea"/>
                 </a:rPr>
                 <a:t>4</a:t>
               </a:r>
@@ -12555,8 +11317,7 @@
                 <a:solidFill>
                   <a:srgbClr val="333333"/>
                 </a:solidFill>
-                <a:latin typeface="넥슨 풋볼고딕 B" panose="020B0803000000000000" pitchFamily="50" charset="-127"/>
-                <a:ea typeface="넥슨 풋볼고딕 B" panose="020B0803000000000000" pitchFamily="50" charset="-127"/>
+                <a:latin typeface="+mn-ea"/>
               </a:endParaRPr>
             </a:p>
           </p:txBody>
@@ -12589,8 +11350,7 @@
                   <a:solidFill>
                     <a:srgbClr val="333333"/>
                   </a:solidFill>
-                  <a:latin typeface="넥슨 풋볼고딕 B" panose="020B0803000000000000" pitchFamily="50" charset="-127"/>
-                  <a:ea typeface="넥슨 풋볼고딕 B" panose="020B0803000000000000" pitchFamily="50" charset="-127"/>
+                  <a:latin typeface="+mn-ea"/>
                 </a:rPr>
                 <a:t>40</a:t>
               </a:r>
@@ -12598,8 +11358,7 @@
                 <a:solidFill>
                   <a:srgbClr val="333333"/>
                 </a:solidFill>
-                <a:latin typeface="넥슨 풋볼고딕 B" panose="020B0803000000000000" pitchFamily="50" charset="-127"/>
-                <a:ea typeface="넥슨 풋볼고딕 B" panose="020B0803000000000000" pitchFamily="50" charset="-127"/>
+                <a:latin typeface="+mn-ea"/>
               </a:endParaRPr>
             </a:p>
           </p:txBody>
@@ -12656,6 +11415,7 @@
               <a:solidFill>
                 <a:schemeClr val="tx1"/>
               </a:solidFill>
+              <a:latin typeface="+mn-ea"/>
             </a:endParaRPr>
           </a:p>
         </p:txBody>
@@ -12706,9 +11466,9 @@
         <p:grpSpPr>
           <a:xfrm>
             <a:off x="3035560" y="2640085"/>
-            <a:ext cx="1036289" cy="1095195"/>
+            <a:ext cx="1036289" cy="1135372"/>
             <a:chOff x="1877654" y="1556951"/>
-            <a:chExt cx="873783" cy="839506"/>
+            <a:chExt cx="873783" cy="870303"/>
           </a:xfrm>
         </p:grpSpPr>
         <p:sp>
@@ -12767,6 +11527,7 @@
                   </a:solidFill>
                 </a:ln>
                 <a:noFill/>
+                <a:latin typeface="+mn-ea"/>
               </a:endParaRPr>
             </a:p>
           </p:txBody>
@@ -12815,7 +11576,7 @@
           <p:spPr>
             <a:xfrm>
               <a:off x="1877654" y="2120555"/>
-              <a:ext cx="870143" cy="274074"/>
+              <a:ext cx="870143" cy="306699"/>
             </a:xfrm>
             <a:prstGeom prst="rect">
               <a:avLst/>
@@ -12834,8 +11595,7 @@
                   <a:solidFill>
                     <a:srgbClr val="333333"/>
                   </a:solidFill>
-                  <a:latin typeface="넥슨 풋볼고딕 B" panose="020B0803000000000000" pitchFamily="50" charset="-127"/>
-                  <a:ea typeface="넥슨 풋볼고딕 B" panose="020B0803000000000000" pitchFamily="50" charset="-127"/>
+                  <a:latin typeface="+mn-ea"/>
                 </a:rPr>
                 <a:t>0</a:t>
               </a:r>
@@ -12843,8 +11603,7 @@
                 <a:solidFill>
                   <a:srgbClr val="333333"/>
                 </a:solidFill>
-                <a:latin typeface="넥슨 풋볼고딕 B" panose="020B0803000000000000" pitchFamily="50" charset="-127"/>
-                <a:ea typeface="넥슨 풋볼고딕 B" panose="020B0803000000000000" pitchFamily="50" charset="-127"/>
+                <a:latin typeface="+mn-ea"/>
               </a:endParaRPr>
             </a:p>
           </p:txBody>
@@ -12877,8 +11636,7 @@
                   <a:solidFill>
                     <a:srgbClr val="333333"/>
                   </a:solidFill>
-                  <a:latin typeface="넥슨 풋볼고딕 B" panose="020B0803000000000000" pitchFamily="50" charset="-127"/>
-                  <a:ea typeface="넥슨 풋볼고딕 B" panose="020B0803000000000000" pitchFamily="50" charset="-127"/>
+                  <a:latin typeface="+mn-ea"/>
                 </a:rPr>
                 <a:t>10</a:t>
               </a:r>
@@ -12886,8 +11644,7 @@
                 <a:solidFill>
                   <a:srgbClr val="333333"/>
                 </a:solidFill>
-                <a:latin typeface="넥슨 풋볼고딕 B" panose="020B0803000000000000" pitchFamily="50" charset="-127"/>
-                <a:ea typeface="넥슨 풋볼고딕 B" panose="020B0803000000000000" pitchFamily="50" charset="-127"/>
+                <a:latin typeface="+mn-ea"/>
               </a:endParaRPr>
             </a:p>
           </p:txBody>
@@ -12963,6 +11720,7 @@
                   </a:solidFill>
                 </a:ln>
                 <a:noFill/>
+                <a:latin typeface="+mn-ea"/>
               </a:endParaRPr>
             </a:p>
           </p:txBody>
@@ -13030,8 +11788,7 @@
                   <a:solidFill>
                     <a:srgbClr val="333333"/>
                   </a:solidFill>
-                  <a:latin typeface="넥슨 풋볼고딕 B" panose="020B0803000000000000" pitchFamily="50" charset="-127"/>
-                  <a:ea typeface="넥슨 풋볼고딕 B" panose="020B0803000000000000" pitchFamily="50" charset="-127"/>
+                  <a:latin typeface="+mn-ea"/>
                 </a:rPr>
                 <a:t>2</a:t>
               </a:r>
@@ -13039,8 +11796,7 @@
                 <a:solidFill>
                   <a:srgbClr val="333333"/>
                 </a:solidFill>
-                <a:latin typeface="넥슨 풋볼고딕 B" panose="020B0803000000000000" pitchFamily="50" charset="-127"/>
-                <a:ea typeface="넥슨 풋볼고딕 B" panose="020B0803000000000000" pitchFamily="50" charset="-127"/>
+                <a:latin typeface="+mn-ea"/>
               </a:endParaRPr>
             </a:p>
           </p:txBody>
@@ -13073,8 +11829,7 @@
                   <a:solidFill>
                     <a:srgbClr val="333333"/>
                   </a:solidFill>
-                  <a:latin typeface="넥슨 풋볼고딕 B" panose="020B0803000000000000" pitchFamily="50" charset="-127"/>
-                  <a:ea typeface="넥슨 풋볼고딕 B" panose="020B0803000000000000" pitchFamily="50" charset="-127"/>
+                  <a:latin typeface="+mn-ea"/>
                 </a:rPr>
                 <a:t>20</a:t>
               </a:r>
@@ -13082,8 +11837,7 @@
                 <a:solidFill>
                   <a:srgbClr val="333333"/>
                 </a:solidFill>
-                <a:latin typeface="넥슨 풋볼고딕 B" panose="020B0803000000000000" pitchFamily="50" charset="-127"/>
-                <a:ea typeface="넥슨 풋볼고딕 B" panose="020B0803000000000000" pitchFamily="50" charset="-127"/>
+                <a:latin typeface="+mn-ea"/>
               </a:endParaRPr>
             </a:p>
           </p:txBody>
@@ -13159,6 +11913,7 @@
                   </a:solidFill>
                 </a:ln>
                 <a:noFill/>
+                <a:latin typeface="+mn-ea"/>
               </a:endParaRPr>
             </a:p>
           </p:txBody>
@@ -13226,8 +11981,7 @@
                   <a:solidFill>
                     <a:srgbClr val="333333"/>
                   </a:solidFill>
-                  <a:latin typeface="넥슨 풋볼고딕 B" panose="020B0803000000000000" pitchFamily="50" charset="-127"/>
-                  <a:ea typeface="넥슨 풋볼고딕 B" panose="020B0803000000000000" pitchFamily="50" charset="-127"/>
+                  <a:latin typeface="+mn-ea"/>
                 </a:rPr>
                 <a:t>3</a:t>
               </a:r>
@@ -13235,8 +11989,7 @@
                 <a:solidFill>
                   <a:srgbClr val="333333"/>
                 </a:solidFill>
-                <a:latin typeface="넥슨 풋볼고딕 B" panose="020B0803000000000000" pitchFamily="50" charset="-127"/>
-                <a:ea typeface="넥슨 풋볼고딕 B" panose="020B0803000000000000" pitchFamily="50" charset="-127"/>
+                <a:latin typeface="+mn-ea"/>
               </a:endParaRPr>
             </a:p>
           </p:txBody>
@@ -13269,8 +12022,7 @@
                   <a:solidFill>
                     <a:srgbClr val="333333"/>
                   </a:solidFill>
-                  <a:latin typeface="넥슨 풋볼고딕 B" panose="020B0803000000000000" pitchFamily="50" charset="-127"/>
-                  <a:ea typeface="넥슨 풋볼고딕 B" panose="020B0803000000000000" pitchFamily="50" charset="-127"/>
+                  <a:latin typeface="+mn-ea"/>
                 </a:rPr>
                 <a:t>30</a:t>
               </a:r>
@@ -13278,8 +12030,7 @@
                 <a:solidFill>
                   <a:srgbClr val="333333"/>
                 </a:solidFill>
-                <a:latin typeface="넥슨 풋볼고딕 B" panose="020B0803000000000000" pitchFamily="50" charset="-127"/>
-                <a:ea typeface="넥슨 풋볼고딕 B" panose="020B0803000000000000" pitchFamily="50" charset="-127"/>
+                <a:latin typeface="+mn-ea"/>
               </a:endParaRPr>
             </a:p>
           </p:txBody>
@@ -13343,6 +12094,7 @@
                 <a:prstDash val="dash"/>
               </a:ln>
               <a:noFill/>
+              <a:latin typeface="+mn-ea"/>
             </a:endParaRPr>
           </a:p>
         </p:txBody>
@@ -13417,6 +12169,7 @@
                   </a:solidFill>
                 </a:ln>
                 <a:noFill/>
+                <a:latin typeface="+mn-ea"/>
               </a:endParaRPr>
             </a:p>
           </p:txBody>
@@ -13483,8 +12236,7 @@
                 <a:solidFill>
                   <a:srgbClr val="333333"/>
                 </a:solidFill>
-                <a:latin typeface="넥슨 풋볼고딕 B" panose="020B0803000000000000" pitchFamily="50" charset="-127"/>
-                <a:ea typeface="넥슨 풋볼고딕 B" panose="020B0803000000000000" pitchFamily="50" charset="-127"/>
+                <a:latin typeface="+mn-ea"/>
               </a:endParaRPr>
             </a:p>
           </p:txBody>
@@ -13517,8 +12269,7 @@
                   <a:solidFill>
                     <a:srgbClr val="333333"/>
                   </a:solidFill>
-                  <a:latin typeface="넥슨 풋볼고딕 B" panose="020B0803000000000000" pitchFamily="50" charset="-127"/>
-                  <a:ea typeface="넥슨 풋볼고딕 B" panose="020B0803000000000000" pitchFamily="50" charset="-127"/>
+                  <a:latin typeface="+mn-ea"/>
                 </a:rPr>
                 <a:t>50</a:t>
               </a:r>
@@ -13526,8 +12277,7 @@
                 <a:solidFill>
                   <a:srgbClr val="333333"/>
                 </a:solidFill>
-                <a:latin typeface="넥슨 풋볼고딕 B" panose="020B0803000000000000" pitchFamily="50" charset="-127"/>
-                <a:ea typeface="넥슨 풋볼고딕 B" panose="020B0803000000000000" pitchFamily="50" charset="-127"/>
+                <a:latin typeface="+mn-ea"/>
               </a:endParaRPr>
             </a:p>
           </p:txBody>
@@ -13586,6 +12336,7 @@
               <a:solidFill>
                 <a:schemeClr val="tx1"/>
               </a:solidFill>
+              <a:latin typeface="+mn-ea"/>
             </a:endParaRPr>
           </a:p>
         </p:txBody>
@@ -13660,6 +12411,7 @@
                   </a:solidFill>
                 </a:ln>
                 <a:noFill/>
+                <a:latin typeface="+mn-ea"/>
               </a:endParaRPr>
             </a:p>
           </p:txBody>
@@ -13727,8 +12479,7 @@
                   <a:solidFill>
                     <a:srgbClr val="333333"/>
                   </a:solidFill>
-                  <a:latin typeface="넥슨 풋볼고딕 B" panose="020B0803000000000000" pitchFamily="50" charset="-127"/>
-                  <a:ea typeface="넥슨 풋볼고딕 B" panose="020B0803000000000000" pitchFamily="50" charset="-127"/>
+                  <a:latin typeface="+mn-ea"/>
                 </a:rPr>
                 <a:t>4</a:t>
               </a:r>
@@ -13736,8 +12487,7 @@
                 <a:solidFill>
                   <a:srgbClr val="333333"/>
                 </a:solidFill>
-                <a:latin typeface="넥슨 풋볼고딕 B" panose="020B0803000000000000" pitchFamily="50" charset="-127"/>
-                <a:ea typeface="넥슨 풋볼고딕 B" panose="020B0803000000000000" pitchFamily="50" charset="-127"/>
+                <a:latin typeface="+mn-ea"/>
               </a:endParaRPr>
             </a:p>
           </p:txBody>
@@ -13770,8 +12520,7 @@
                   <a:solidFill>
                     <a:srgbClr val="333333"/>
                   </a:solidFill>
-                  <a:latin typeface="넥슨 풋볼고딕 B" panose="020B0803000000000000" pitchFamily="50" charset="-127"/>
-                  <a:ea typeface="넥슨 풋볼고딕 B" panose="020B0803000000000000" pitchFamily="50" charset="-127"/>
+                  <a:latin typeface="+mn-ea"/>
                 </a:rPr>
                 <a:t>40</a:t>
               </a:r>
@@ -13779,8 +12528,7 @@
                 <a:solidFill>
                   <a:srgbClr val="333333"/>
                 </a:solidFill>
-                <a:latin typeface="넥슨 풋볼고딕 B" panose="020B0803000000000000" pitchFamily="50" charset="-127"/>
-                <a:ea typeface="넥슨 풋볼고딕 B" panose="020B0803000000000000" pitchFamily="50" charset="-127"/>
+                <a:latin typeface="+mn-ea"/>
               </a:endParaRPr>
             </a:p>
           </p:txBody>
@@ -13893,6 +12641,7 @@
                   </a:solidFill>
                 </a:ln>
                 <a:noFill/>
+                <a:latin typeface="+mn-ea"/>
               </a:endParaRPr>
             </a:p>
           </p:txBody>
@@ -13941,7 +12690,7 @@
           <p:spPr>
             <a:xfrm>
               <a:off x="1877654" y="2120555"/>
-              <a:ext cx="870143" cy="274074"/>
+              <a:ext cx="870143" cy="306699"/>
             </a:xfrm>
             <a:prstGeom prst="rect">
               <a:avLst/>
@@ -13960,8 +12709,7 @@
                   <a:solidFill>
                     <a:srgbClr val="333333"/>
                   </a:solidFill>
-                  <a:latin typeface="넥슨 풋볼고딕 B" panose="020B0803000000000000" pitchFamily="50" charset="-127"/>
-                  <a:ea typeface="넥슨 풋볼고딕 B" panose="020B0803000000000000" pitchFamily="50" charset="-127"/>
+                  <a:latin typeface="+mn-ea"/>
                 </a:rPr>
                 <a:t>0</a:t>
               </a:r>
@@ -13969,8 +12717,7 @@
                 <a:solidFill>
                   <a:srgbClr val="333333"/>
                 </a:solidFill>
-                <a:latin typeface="넥슨 풋볼고딕 B" panose="020B0803000000000000" pitchFamily="50" charset="-127"/>
-                <a:ea typeface="넥슨 풋볼고딕 B" panose="020B0803000000000000" pitchFamily="50" charset="-127"/>
+                <a:latin typeface="+mn-ea"/>
               </a:endParaRPr>
             </a:p>
           </p:txBody>
@@ -14003,8 +12750,7 @@
                   <a:solidFill>
                     <a:srgbClr val="333333"/>
                   </a:solidFill>
-                  <a:latin typeface="넥슨 풋볼고딕 B" panose="020B0803000000000000" pitchFamily="50" charset="-127"/>
-                  <a:ea typeface="넥슨 풋볼고딕 B" panose="020B0803000000000000" pitchFamily="50" charset="-127"/>
+                  <a:latin typeface="+mn-ea"/>
                 </a:rPr>
                 <a:t>10</a:t>
               </a:r>
@@ -14012,8 +12758,7 @@
                 <a:solidFill>
                   <a:srgbClr val="333333"/>
                 </a:solidFill>
-                <a:latin typeface="넥슨 풋볼고딕 B" panose="020B0803000000000000" pitchFamily="50" charset="-127"/>
-                <a:ea typeface="넥슨 풋볼고딕 B" panose="020B0803000000000000" pitchFamily="50" charset="-127"/>
+                <a:latin typeface="+mn-ea"/>
               </a:endParaRPr>
             </a:p>
           </p:txBody>
@@ -14046,8 +12791,7 @@
                   <a:solidFill>
                     <a:srgbClr val="333333"/>
                   </a:solidFill>
-                  <a:latin typeface="넥슨 풋볼고딕 B" panose="020B0803000000000000" pitchFamily="50" charset="-127"/>
-                  <a:ea typeface="넥슨 풋볼고딕 B" panose="020B0803000000000000" pitchFamily="50" charset="-127"/>
+                  <a:latin typeface="+mn-ea"/>
                 </a:rPr>
                 <a:t>1</a:t>
               </a:r>
@@ -14055,8 +12799,7 @@
                 <a:solidFill>
                   <a:srgbClr val="333333"/>
                 </a:solidFill>
-                <a:latin typeface="넥슨 풋볼고딕 B" panose="020B0803000000000000" pitchFamily="50" charset="-127"/>
-                <a:ea typeface="넥슨 풋볼고딕 B" panose="020B0803000000000000" pitchFamily="50" charset="-127"/>
+                <a:latin typeface="+mn-ea"/>
               </a:endParaRPr>
             </a:p>
           </p:txBody>
@@ -14132,6 +12875,7 @@
                   </a:solidFill>
                 </a:ln>
                 <a:noFill/>
+                <a:latin typeface="+mn-ea"/>
               </a:endParaRPr>
             </a:p>
           </p:txBody>
@@ -14199,8 +12943,7 @@
                   <a:solidFill>
                     <a:srgbClr val="333333"/>
                   </a:solidFill>
-                  <a:latin typeface="넥슨 풋볼고딕 B" panose="020B0803000000000000" pitchFamily="50" charset="-127"/>
-                  <a:ea typeface="넥슨 풋볼고딕 B" panose="020B0803000000000000" pitchFamily="50" charset="-127"/>
+                  <a:latin typeface="+mn-ea"/>
                 </a:rPr>
                 <a:t>2</a:t>
               </a:r>
@@ -14208,8 +12951,7 @@
                 <a:solidFill>
                   <a:srgbClr val="333333"/>
                 </a:solidFill>
-                <a:latin typeface="넥슨 풋볼고딕 B" panose="020B0803000000000000" pitchFamily="50" charset="-127"/>
-                <a:ea typeface="넥슨 풋볼고딕 B" panose="020B0803000000000000" pitchFamily="50" charset="-127"/>
+                <a:latin typeface="+mn-ea"/>
               </a:endParaRPr>
             </a:p>
           </p:txBody>
@@ -14242,8 +12984,7 @@
                   <a:solidFill>
                     <a:srgbClr val="333333"/>
                   </a:solidFill>
-                  <a:latin typeface="넥슨 풋볼고딕 B" panose="020B0803000000000000" pitchFamily="50" charset="-127"/>
-                  <a:ea typeface="넥슨 풋볼고딕 B" panose="020B0803000000000000" pitchFamily="50" charset="-127"/>
+                  <a:latin typeface="+mn-ea"/>
                 </a:rPr>
                 <a:t>20</a:t>
               </a:r>
@@ -14251,8 +12992,7 @@
                 <a:solidFill>
                   <a:srgbClr val="333333"/>
                 </a:solidFill>
-                <a:latin typeface="넥슨 풋볼고딕 B" panose="020B0803000000000000" pitchFamily="50" charset="-127"/>
-                <a:ea typeface="넥슨 풋볼고딕 B" panose="020B0803000000000000" pitchFamily="50" charset="-127"/>
+                <a:latin typeface="+mn-ea"/>
               </a:endParaRPr>
             </a:p>
           </p:txBody>
@@ -14328,6 +13068,7 @@
                   </a:solidFill>
                 </a:ln>
                 <a:noFill/>
+                <a:latin typeface="+mn-ea"/>
               </a:endParaRPr>
             </a:p>
           </p:txBody>
@@ -14395,8 +13136,7 @@
                   <a:solidFill>
                     <a:srgbClr val="333333"/>
                   </a:solidFill>
-                  <a:latin typeface="넥슨 풋볼고딕 B" panose="020B0803000000000000" pitchFamily="50" charset="-127"/>
-                  <a:ea typeface="넥슨 풋볼고딕 B" panose="020B0803000000000000" pitchFamily="50" charset="-127"/>
+                  <a:latin typeface="+mn-ea"/>
                 </a:rPr>
                 <a:t>3</a:t>
               </a:r>
@@ -14404,8 +13144,7 @@
                 <a:solidFill>
                   <a:srgbClr val="333333"/>
                 </a:solidFill>
-                <a:latin typeface="넥슨 풋볼고딕 B" panose="020B0803000000000000" pitchFamily="50" charset="-127"/>
-                <a:ea typeface="넥슨 풋볼고딕 B" panose="020B0803000000000000" pitchFamily="50" charset="-127"/>
+                <a:latin typeface="+mn-ea"/>
               </a:endParaRPr>
             </a:p>
           </p:txBody>
@@ -14438,8 +13177,7 @@
                   <a:solidFill>
                     <a:srgbClr val="333333"/>
                   </a:solidFill>
-                  <a:latin typeface="넥슨 풋볼고딕 B" panose="020B0803000000000000" pitchFamily="50" charset="-127"/>
-                  <a:ea typeface="넥슨 풋볼고딕 B" panose="020B0803000000000000" pitchFamily="50" charset="-127"/>
+                  <a:latin typeface="+mn-ea"/>
                 </a:rPr>
                 <a:t>30</a:t>
               </a:r>
@@ -14447,8 +13185,7 @@
                 <a:solidFill>
                   <a:srgbClr val="333333"/>
                 </a:solidFill>
-                <a:latin typeface="넥슨 풋볼고딕 B" panose="020B0803000000000000" pitchFamily="50" charset="-127"/>
-                <a:ea typeface="넥슨 풋볼고딕 B" panose="020B0803000000000000" pitchFamily="50" charset="-127"/>
+                <a:latin typeface="+mn-ea"/>
               </a:endParaRPr>
             </a:p>
           </p:txBody>
@@ -14524,6 +13261,7 @@
                   </a:solidFill>
                 </a:ln>
                 <a:noFill/>
+                <a:latin typeface="+mn-ea"/>
               </a:endParaRPr>
             </a:p>
           </p:txBody>
@@ -14591,8 +13329,7 @@
                   <a:solidFill>
                     <a:srgbClr val="333333"/>
                   </a:solidFill>
-                  <a:latin typeface="넥슨 풋볼고딕 B" panose="020B0803000000000000" pitchFamily="50" charset="-127"/>
-                  <a:ea typeface="넥슨 풋볼고딕 B" panose="020B0803000000000000" pitchFamily="50" charset="-127"/>
+                  <a:latin typeface="+mn-ea"/>
                 </a:rPr>
                 <a:t>50</a:t>
               </a:r>
@@ -14600,8 +13337,7 @@
                 <a:solidFill>
                   <a:srgbClr val="333333"/>
                 </a:solidFill>
-                <a:latin typeface="넥슨 풋볼고딕 B" panose="020B0803000000000000" pitchFamily="50" charset="-127"/>
-                <a:ea typeface="넥슨 풋볼고딕 B" panose="020B0803000000000000" pitchFamily="50" charset="-127"/>
+                <a:latin typeface="+mn-ea"/>
               </a:endParaRPr>
             </a:p>
           </p:txBody>
@@ -14677,6 +13413,7 @@
                   </a:solidFill>
                 </a:ln>
                 <a:noFill/>
+                <a:latin typeface="+mn-ea"/>
               </a:endParaRPr>
             </a:p>
           </p:txBody>
@@ -14744,8 +13481,7 @@
                   <a:solidFill>
                     <a:srgbClr val="333333"/>
                   </a:solidFill>
-                  <a:latin typeface="넥슨 풋볼고딕 B" panose="020B0803000000000000" pitchFamily="50" charset="-127"/>
-                  <a:ea typeface="넥슨 풋볼고딕 B" panose="020B0803000000000000" pitchFamily="50" charset="-127"/>
+                  <a:latin typeface="+mn-ea"/>
                 </a:rPr>
                 <a:t>4</a:t>
               </a:r>
@@ -14753,8 +13489,7 @@
                 <a:solidFill>
                   <a:srgbClr val="333333"/>
                 </a:solidFill>
-                <a:latin typeface="넥슨 풋볼고딕 B" panose="020B0803000000000000" pitchFamily="50" charset="-127"/>
-                <a:ea typeface="넥슨 풋볼고딕 B" panose="020B0803000000000000" pitchFamily="50" charset="-127"/>
+                <a:latin typeface="+mn-ea"/>
               </a:endParaRPr>
             </a:p>
           </p:txBody>
@@ -14787,8 +13522,7 @@
                   <a:solidFill>
                     <a:srgbClr val="333333"/>
                   </a:solidFill>
-                  <a:latin typeface="넥슨 풋볼고딕 B" panose="020B0803000000000000" pitchFamily="50" charset="-127"/>
-                  <a:ea typeface="넥슨 풋볼고딕 B" panose="020B0803000000000000" pitchFamily="50" charset="-127"/>
+                  <a:latin typeface="+mn-ea"/>
                 </a:rPr>
                 <a:t>40</a:t>
               </a:r>
@@ -14796,8 +13530,7 @@
                 <a:solidFill>
                   <a:srgbClr val="333333"/>
                 </a:solidFill>
-                <a:latin typeface="넥슨 풋볼고딕 B" panose="020B0803000000000000" pitchFamily="50" charset="-127"/>
-                <a:ea typeface="넥슨 풋볼고딕 B" panose="020B0803000000000000" pitchFamily="50" charset="-127"/>
+                <a:latin typeface="+mn-ea"/>
               </a:endParaRPr>
             </a:p>
           </p:txBody>
@@ -14878,7 +13611,7 @@
           </a:p>
           <a:p>
             <a:r>
-              <a:rPr lang="ko-KR" altLang="en-US" sz="16600" smtClean="0">
+              <a:rPr lang="ko-KR" altLang="en-US" sz="16600" dirty="0" smtClean="0">
                 <a:solidFill>
                   <a:schemeClr val="tx1">
                     <a:lumMod val="85000"/>
@@ -14888,20 +13621,7 @@
                 <a:latin typeface="+mj-ea"/>
                 <a:ea typeface="+mj-ea"/>
               </a:rPr>
-              <a:t>삭</a:t>
-            </a:r>
-            <a:r>
-              <a:rPr lang="ko-KR" altLang="en-US" sz="16600" smtClean="0">
-                <a:solidFill>
-                  <a:schemeClr val="tx1">
-                    <a:lumMod val="85000"/>
-                    <a:lumOff val="15000"/>
-                  </a:schemeClr>
-                </a:solidFill>
-                <a:latin typeface="+mj-ea"/>
-                <a:ea typeface="+mj-ea"/>
-              </a:rPr>
-              <a:t>제</a:t>
+              <a:t>삭제</a:t>
             </a:r>
             <a:endParaRPr lang="ko-KR" altLang="en-US" sz="16600" dirty="0">
               <a:solidFill>
@@ -15053,6 +13773,7 @@
                   </a:solidFill>
                 </a:ln>
                 <a:noFill/>
+                <a:latin typeface="+mn-ea"/>
               </a:endParaRPr>
             </a:p>
           </p:txBody>
@@ -15101,7 +13822,7 @@
           <p:spPr>
             <a:xfrm>
               <a:off x="1877654" y="2120555"/>
-              <a:ext cx="870143" cy="274074"/>
+              <a:ext cx="870143" cy="306699"/>
             </a:xfrm>
             <a:prstGeom prst="rect">
               <a:avLst/>
@@ -15120,8 +13841,7 @@
                   <a:solidFill>
                     <a:srgbClr val="333333"/>
                   </a:solidFill>
-                  <a:latin typeface="넥슨 풋볼고딕 B" panose="020B0803000000000000" pitchFamily="50" charset="-127"/>
-                  <a:ea typeface="넥슨 풋볼고딕 B" panose="020B0803000000000000" pitchFamily="50" charset="-127"/>
+                  <a:latin typeface="+mn-ea"/>
                 </a:rPr>
                 <a:t>0</a:t>
               </a:r>
@@ -15129,8 +13849,7 @@
                 <a:solidFill>
                   <a:srgbClr val="333333"/>
                 </a:solidFill>
-                <a:latin typeface="넥슨 풋볼고딕 B" panose="020B0803000000000000" pitchFamily="50" charset="-127"/>
-                <a:ea typeface="넥슨 풋볼고딕 B" panose="020B0803000000000000" pitchFamily="50" charset="-127"/>
+                <a:latin typeface="+mn-ea"/>
               </a:endParaRPr>
             </a:p>
           </p:txBody>
@@ -15163,8 +13882,7 @@
                   <a:solidFill>
                     <a:srgbClr val="333333"/>
                   </a:solidFill>
-                  <a:latin typeface="넥슨 풋볼고딕 B" panose="020B0803000000000000" pitchFamily="50" charset="-127"/>
-                  <a:ea typeface="넥슨 풋볼고딕 B" panose="020B0803000000000000" pitchFamily="50" charset="-127"/>
+                  <a:latin typeface="+mn-ea"/>
                 </a:rPr>
                 <a:t>10</a:t>
               </a:r>
@@ -15172,8 +13890,7 @@
                 <a:solidFill>
                   <a:srgbClr val="333333"/>
                 </a:solidFill>
-                <a:latin typeface="넥슨 풋볼고딕 B" panose="020B0803000000000000" pitchFamily="50" charset="-127"/>
-                <a:ea typeface="넥슨 풋볼고딕 B" panose="020B0803000000000000" pitchFamily="50" charset="-127"/>
+                <a:latin typeface="+mn-ea"/>
               </a:endParaRPr>
             </a:p>
           </p:txBody>
@@ -15206,8 +13923,7 @@
                   <a:solidFill>
                     <a:srgbClr val="333333"/>
                   </a:solidFill>
-                  <a:latin typeface="넥슨 풋볼고딕 B" panose="020B0803000000000000" pitchFamily="50" charset="-127"/>
-                  <a:ea typeface="넥슨 풋볼고딕 B" panose="020B0803000000000000" pitchFamily="50" charset="-127"/>
+                  <a:latin typeface="+mn-ea"/>
                 </a:rPr>
                 <a:t>1</a:t>
               </a:r>
@@ -15215,8 +13931,7 @@
                 <a:solidFill>
                   <a:srgbClr val="333333"/>
                 </a:solidFill>
-                <a:latin typeface="넥슨 풋볼고딕 B" panose="020B0803000000000000" pitchFamily="50" charset="-127"/>
-                <a:ea typeface="넥슨 풋볼고딕 B" panose="020B0803000000000000" pitchFamily="50" charset="-127"/>
+                <a:latin typeface="+mn-ea"/>
               </a:endParaRPr>
             </a:p>
           </p:txBody>
@@ -15292,6 +14007,7 @@
                   </a:solidFill>
                 </a:ln>
                 <a:noFill/>
+                <a:latin typeface="+mn-ea"/>
               </a:endParaRPr>
             </a:p>
           </p:txBody>
@@ -15359,8 +14075,7 @@
                   <a:solidFill>
                     <a:srgbClr val="333333"/>
                   </a:solidFill>
-                  <a:latin typeface="넥슨 풋볼고딕 B" panose="020B0803000000000000" pitchFamily="50" charset="-127"/>
-                  <a:ea typeface="넥슨 풋볼고딕 B" panose="020B0803000000000000" pitchFamily="50" charset="-127"/>
+                  <a:latin typeface="+mn-ea"/>
                 </a:rPr>
                 <a:t>2</a:t>
               </a:r>
@@ -15368,8 +14083,7 @@
                 <a:solidFill>
                   <a:srgbClr val="333333"/>
                 </a:solidFill>
-                <a:latin typeface="넥슨 풋볼고딕 B" panose="020B0803000000000000" pitchFamily="50" charset="-127"/>
-                <a:ea typeface="넥슨 풋볼고딕 B" panose="020B0803000000000000" pitchFamily="50" charset="-127"/>
+                <a:latin typeface="+mn-ea"/>
               </a:endParaRPr>
             </a:p>
           </p:txBody>
@@ -15402,8 +14116,7 @@
                   <a:solidFill>
                     <a:srgbClr val="333333"/>
                   </a:solidFill>
-                  <a:latin typeface="넥슨 풋볼고딕 B" panose="020B0803000000000000" pitchFamily="50" charset="-127"/>
-                  <a:ea typeface="넥슨 풋볼고딕 B" panose="020B0803000000000000" pitchFamily="50" charset="-127"/>
+                  <a:latin typeface="+mn-ea"/>
                 </a:rPr>
                 <a:t>30</a:t>
               </a:r>
@@ -15411,8 +14124,7 @@
                 <a:solidFill>
                   <a:srgbClr val="333333"/>
                 </a:solidFill>
-                <a:latin typeface="넥슨 풋볼고딕 B" panose="020B0803000000000000" pitchFamily="50" charset="-127"/>
-                <a:ea typeface="넥슨 풋볼고딕 B" panose="020B0803000000000000" pitchFamily="50" charset="-127"/>
+                <a:latin typeface="+mn-ea"/>
               </a:endParaRPr>
             </a:p>
           </p:txBody>
@@ -15488,6 +14200,7 @@
                   </a:solidFill>
                 </a:ln>
                 <a:noFill/>
+                <a:latin typeface="+mn-ea"/>
               </a:endParaRPr>
             </a:p>
           </p:txBody>
@@ -15555,8 +14268,7 @@
                   <a:solidFill>
                     <a:srgbClr val="333333"/>
                   </a:solidFill>
-                  <a:latin typeface="넥슨 풋볼고딕 B" panose="020B0803000000000000" pitchFamily="50" charset="-127"/>
-                  <a:ea typeface="넥슨 풋볼고딕 B" panose="020B0803000000000000" pitchFamily="50" charset="-127"/>
+                  <a:latin typeface="+mn-ea"/>
                 </a:rPr>
                 <a:t>3</a:t>
               </a:r>
@@ -15564,8 +14276,7 @@
                 <a:solidFill>
                   <a:srgbClr val="333333"/>
                 </a:solidFill>
-                <a:latin typeface="넥슨 풋볼고딕 B" panose="020B0803000000000000" pitchFamily="50" charset="-127"/>
-                <a:ea typeface="넥슨 풋볼고딕 B" panose="020B0803000000000000" pitchFamily="50" charset="-127"/>
+                <a:latin typeface="+mn-ea"/>
               </a:endParaRPr>
             </a:p>
           </p:txBody>
@@ -15598,8 +14309,7 @@
                   <a:solidFill>
                     <a:srgbClr val="333333"/>
                   </a:solidFill>
-                  <a:latin typeface="넥슨 풋볼고딕 B" panose="020B0803000000000000" pitchFamily="50" charset="-127"/>
-                  <a:ea typeface="넥슨 풋볼고딕 B" panose="020B0803000000000000" pitchFamily="50" charset="-127"/>
+                  <a:latin typeface="+mn-ea"/>
                 </a:rPr>
                 <a:t>40</a:t>
               </a:r>
@@ -15607,8 +14317,7 @@
                 <a:solidFill>
                   <a:srgbClr val="333333"/>
                 </a:solidFill>
-                <a:latin typeface="넥슨 풋볼고딕 B" panose="020B0803000000000000" pitchFamily="50" charset="-127"/>
-                <a:ea typeface="넥슨 풋볼고딕 B" panose="020B0803000000000000" pitchFamily="50" charset="-127"/>
+                <a:latin typeface="+mn-ea"/>
               </a:endParaRPr>
             </a:p>
           </p:txBody>
@@ -15687,6 +14396,7 @@
                   </a:solidFill>
                 </a:ln>
                 <a:noFill/>
+                <a:latin typeface="+mn-ea"/>
               </a:endParaRPr>
             </a:p>
           </p:txBody>
@@ -15754,8 +14464,7 @@
                   <a:solidFill>
                     <a:srgbClr val="333333"/>
                   </a:solidFill>
-                  <a:latin typeface="넥슨 풋볼고딕 B" panose="020B0803000000000000" pitchFamily="50" charset="-127"/>
-                  <a:ea typeface="넥슨 풋볼고딕 B" panose="020B0803000000000000" pitchFamily="50" charset="-127"/>
+                  <a:latin typeface="+mn-ea"/>
                 </a:rPr>
                 <a:t>20</a:t>
               </a:r>
@@ -15763,8 +14472,7 @@
                 <a:solidFill>
                   <a:srgbClr val="333333"/>
                 </a:solidFill>
-                <a:latin typeface="넥슨 풋볼고딕 B" panose="020B0803000000000000" pitchFamily="50" charset="-127"/>
-                <a:ea typeface="넥슨 풋볼고딕 B" panose="020B0803000000000000" pitchFamily="50" charset="-127"/>
+                <a:latin typeface="+mn-ea"/>
               </a:endParaRPr>
             </a:p>
           </p:txBody>
@@ -15840,6 +14548,7 @@
                   </a:solidFill>
                 </a:ln>
                 <a:noFill/>
+                <a:latin typeface="+mn-ea"/>
               </a:endParaRPr>
             </a:p>
           </p:txBody>
@@ -15907,8 +14616,7 @@
                   <a:solidFill>
                     <a:srgbClr val="333333"/>
                   </a:solidFill>
-                  <a:latin typeface="넥슨 풋볼고딕 B" panose="020B0803000000000000" pitchFamily="50" charset="-127"/>
-                  <a:ea typeface="넥슨 풋볼고딕 B" panose="020B0803000000000000" pitchFamily="50" charset="-127"/>
+                  <a:latin typeface="+mn-ea"/>
                 </a:rPr>
                 <a:t>4</a:t>
               </a:r>
@@ -15916,8 +14624,7 @@
                 <a:solidFill>
                   <a:srgbClr val="333333"/>
                 </a:solidFill>
-                <a:latin typeface="넥슨 풋볼고딕 B" panose="020B0803000000000000" pitchFamily="50" charset="-127"/>
-                <a:ea typeface="넥슨 풋볼고딕 B" panose="020B0803000000000000" pitchFamily="50" charset="-127"/>
+                <a:latin typeface="+mn-ea"/>
               </a:endParaRPr>
             </a:p>
           </p:txBody>
@@ -15950,8 +14657,7 @@
                   <a:solidFill>
                     <a:srgbClr val="333333"/>
                   </a:solidFill>
-                  <a:latin typeface="넥슨 풋볼고딕 B" panose="020B0803000000000000" pitchFamily="50" charset="-127"/>
-                  <a:ea typeface="넥슨 풋볼고딕 B" panose="020B0803000000000000" pitchFamily="50" charset="-127"/>
+                  <a:latin typeface="+mn-ea"/>
                 </a:rPr>
                 <a:t>50</a:t>
               </a:r>
@@ -15959,8 +14665,7 @@
                 <a:solidFill>
                   <a:srgbClr val="333333"/>
                 </a:solidFill>
-                <a:latin typeface="넥슨 풋볼고딕 B" panose="020B0803000000000000" pitchFamily="50" charset="-127"/>
-                <a:ea typeface="넥슨 풋볼고딕 B" panose="020B0803000000000000" pitchFamily="50" charset="-127"/>
+                <a:latin typeface="+mn-ea"/>
               </a:endParaRPr>
             </a:p>
           </p:txBody>
@@ -16019,6 +14724,7 @@
               <a:solidFill>
                 <a:schemeClr val="tx1"/>
               </a:solidFill>
+              <a:latin typeface="+mn-ea"/>
             </a:endParaRPr>
           </a:p>
         </p:txBody>
@@ -16046,7 +14752,7 @@
 <file path=ppt/theme/theme1.xml><?xml version="1.0" encoding="utf-8"?>
 <a:theme xmlns:a="http://schemas.openxmlformats.org/drawingml/2006/main" name="비누">
   <a:themeElements>
-    <a:clrScheme name="Savon">
+    <a:clrScheme name="비누">
       <a:dk1>
         <a:sysClr val="windowText" lastClr="000000"/>
       </a:dk1>
@@ -16084,19 +14790,19 @@
         <a:srgbClr val="739D9B"/>
       </a:folHlink>
     </a:clrScheme>
-    <a:fontScheme name="넥슨고딕">
+    <a:fontScheme name="사용자 지정 1">
       <a:majorFont>
-        <a:latin typeface="넥슨 풋볼고딕 B"/>
-        <a:ea typeface="넥슨 풋볼고딕 B"/>
+        <a:latin typeface="나눔바른펜"/>
+        <a:ea typeface="나눔바른펜"/>
         <a:cs typeface=""/>
       </a:majorFont>
       <a:minorFont>
-        <a:latin typeface="넥슨 풋볼고딕 L"/>
-        <a:ea typeface="넥슨 풋볼고딕 L"/>
+        <a:latin typeface="나눔바른펜"/>
+        <a:ea typeface="나눔바른펜"/>
         <a:cs typeface=""/>
       </a:minorFont>
     </a:fontScheme>
-    <a:fmtScheme name="Savon">
+    <a:fmtScheme name="비누">
       <a:fillStyleLst>
         <a:solidFill>
           <a:schemeClr val="phClr"/>
@@ -16293,7 +14999,7 @@
   <a:extraClrSchemeLst/>
   <a:extLst>
     <a:ext uri="{05A4C25C-085E-4340-85A3-A5531E510DB2}">
-      <thm15:themeFamily xmlns:thm15="http://schemas.microsoft.com/office/thememl/2012/main" name="Savon" id="{1306E473-ED32-493B-A2D0-240A757EDD34}" vid="{C20BADFE-D095-436F-9677-9264042809F0}"/>
+      <thm15:themeFamily xmlns:thm15="http://schemas.microsoft.com/office/thememl/2012/main" name="기본서식파일.potx" id="{4BC2B7DB-27DE-4CCB-A4E4-49A93426CBA1}" vid="{BEBD8F00-9519-43A6-82C2-E0B0C7EEBA43}"/>
     </a:ext>
   </a:extLst>
 </a:theme>
